--- a/00_学习分享/学习分享_es6_less.pptx
+++ b/00_学习分享/学习分享_es6_less.pptx
@@ -5,7 +5,7 @@
     <p:sldMasterId id="2147483648" r:id="rId1"/>
   </p:sldMasterIdLst>
   <p:notesMasterIdLst>
-    <p:notesMasterId r:id="rId16"/>
+    <p:notesMasterId r:id="rId22"/>
   </p:notesMasterIdLst>
   <p:sldIdLst>
     <p:sldId id="269" r:id="rId2"/>
@@ -22,6 +22,12 @@
     <p:sldId id="295" r:id="rId13"/>
     <p:sldId id="265" r:id="rId14"/>
     <p:sldId id="267" r:id="rId15"/>
+    <p:sldId id="297" r:id="rId16"/>
+    <p:sldId id="298" r:id="rId17"/>
+    <p:sldId id="299" r:id="rId18"/>
+    <p:sldId id="300" r:id="rId19"/>
+    <p:sldId id="301" r:id="rId20"/>
+    <p:sldId id="302" r:id="rId21"/>
   </p:sldIdLst>
   <p:sldSz cx="9144000" cy="5143500" type="screen16x9"/>
   <p:notesSz cx="6858000" cy="9144000"/>
@@ -222,7 +228,7 @@
             <a:fld id="{996F5091-51AA-4571-9DB0-CBB376339E62}" type="datetimeFigureOut">
               <a:rPr lang="zh-CN" altLang="en-US" smtClean="0"/>
               <a:pPr/>
-              <a:t>2018/3/7</a:t>
+              <a:t>2018/3/8</a:t>
             </a:fld>
             <a:endParaRPr lang="zh-CN" altLang="en-US"/>
           </a:p>
@@ -851,6 +857,1008 @@
 </p:notes>
 </file>
 
+<file path=ppt/notesSlides/notesSlide11.xml><?xml version="1.0" encoding="utf-8"?>
+<p:notes xmlns:a="http://schemas.openxmlformats.org/drawingml/2006/main" xmlns:r="http://schemas.openxmlformats.org/officeDocument/2006/relationships" xmlns:p="http://schemas.openxmlformats.org/presentationml/2006/main">
+  <p:cSld>
+    <p:spTree>
+      <p:nvGrpSpPr>
+        <p:cNvPr id="1" name=""/>
+        <p:cNvGrpSpPr/>
+        <p:nvPr/>
+      </p:nvGrpSpPr>
+      <p:grpSpPr>
+        <a:xfrm>
+          <a:off x="0" y="0"/>
+          <a:ext cx="0" cy="0"/>
+          <a:chOff x="0" y="0"/>
+          <a:chExt cx="0" cy="0"/>
+        </a:xfrm>
+      </p:grpSpPr>
+      <p:sp>
+        <p:nvSpPr>
+          <p:cNvPr id="2" name="幻灯片图像占位符 1"/>
+          <p:cNvSpPr>
+            <a:spLocks noGrp="1" noRot="1" noChangeAspect="1"/>
+          </p:cNvSpPr>
+          <p:nvPr>
+            <p:ph type="sldImg"/>
+          </p:nvPr>
+        </p:nvSpPr>
+        <p:spPr/>
+      </p:sp>
+      <p:sp>
+        <p:nvSpPr>
+          <p:cNvPr id="3" name="备注占位符 2"/>
+          <p:cNvSpPr>
+            <a:spLocks noGrp="1"/>
+          </p:cNvSpPr>
+          <p:nvPr>
+            <p:ph type="body" idx="1"/>
+          </p:nvPr>
+        </p:nvSpPr>
+        <p:spPr/>
+        <p:txBody>
+          <a:bodyPr/>
+          <a:lstStyle/>
+          <a:p>
+            <a:r>
+              <a:rPr lang="zh-CN" altLang="en-US" smtClean="0"/>
+              <a:t>对比</a:t>
+            </a:r>
+            <a:r>
+              <a:rPr lang="en-US" altLang="zh-CN" smtClean="0"/>
+              <a:t>CSS</a:t>
+            </a:r>
+            <a:r>
+              <a:rPr lang="zh-CN" altLang="en-US" smtClean="0"/>
+              <a:t>：原</a:t>
+            </a:r>
+            <a:r>
+              <a:rPr lang="en-US" altLang="zh-CN" smtClean="0"/>
+              <a:t>CSS</a:t>
+            </a:r>
+            <a:r>
+              <a:rPr lang="zh-CN" altLang="en-US" smtClean="0"/>
+              <a:t>是静态的，</a:t>
+            </a:r>
+            <a:r>
+              <a:rPr lang="en-US" altLang="zh-CN" smtClean="0"/>
+              <a:t>less</a:t>
+            </a:r>
+            <a:r>
+              <a:rPr lang="zh-CN" altLang="en-US" smtClean="0"/>
+              <a:t>拥有了一些简单的编程语言特性。</a:t>
+            </a:r>
+            <a:endParaRPr lang="en-US" altLang="zh-CN" smtClean="0"/>
+          </a:p>
+          <a:p>
+            <a:r>
+              <a:rPr lang="zh-CN" altLang="en-US" smtClean="0"/>
+              <a:t>一些</a:t>
+            </a:r>
+            <a:r>
+              <a:rPr lang="en-US" altLang="zh-CN" smtClean="0"/>
+              <a:t>UI</a:t>
+            </a:r>
+            <a:r>
+              <a:rPr lang="zh-CN" altLang="en-US" smtClean="0"/>
+              <a:t>框架使用</a:t>
+            </a:r>
+            <a:r>
+              <a:rPr lang="en-US" altLang="zh-CN" smtClean="0"/>
+              <a:t>less</a:t>
+            </a:r>
+            <a:r>
+              <a:rPr lang="zh-CN" altLang="en-US" smtClean="0"/>
+              <a:t>：</a:t>
+            </a:r>
+            <a:r>
+              <a:rPr lang="en-US" altLang="zh-CN" smtClean="0"/>
+              <a:t>bootstrapV3, </a:t>
+            </a:r>
+            <a:r>
+              <a:rPr lang="zh-CN" altLang="en-US" smtClean="0"/>
+              <a:t>蚂蚁金服</a:t>
+            </a:r>
+            <a:r>
+              <a:rPr lang="en-US" altLang="zh-CN" smtClean="0"/>
+              <a:t>UI</a:t>
+            </a:r>
+            <a:r>
+              <a:rPr lang="zh-CN" altLang="en-US" smtClean="0"/>
+              <a:t>框架，</a:t>
+            </a:r>
+            <a:r>
+              <a:rPr lang="en-US" altLang="zh-CN" smtClean="0"/>
+              <a:t>satmenticUI</a:t>
+            </a:r>
+            <a:r>
+              <a:rPr lang="zh-CN" altLang="en-US" smtClean="0"/>
+              <a:t>等</a:t>
+            </a:r>
+            <a:endParaRPr lang="zh-CN" altLang="en-US"/>
+          </a:p>
+        </p:txBody>
+      </p:sp>
+      <p:sp>
+        <p:nvSpPr>
+          <p:cNvPr id="4" name="灯片编号占位符 3"/>
+          <p:cNvSpPr>
+            <a:spLocks noGrp="1"/>
+          </p:cNvSpPr>
+          <p:nvPr>
+            <p:ph type="sldNum" sz="quarter" idx="10"/>
+          </p:nvPr>
+        </p:nvSpPr>
+        <p:spPr/>
+        <p:txBody>
+          <a:bodyPr/>
+          <a:lstStyle/>
+          <a:p>
+            <a:fld id="{A7B0CAB5-6163-46D3-81D8-F08AFFA19C49}" type="slidenum">
+              <a:rPr lang="zh-CN" altLang="en-US" smtClean="0"/>
+              <a:pPr/>
+              <a:t>14</a:t>
+            </a:fld>
+            <a:endParaRPr lang="zh-CN" altLang="en-US"/>
+          </a:p>
+        </p:txBody>
+      </p:sp>
+    </p:spTree>
+    <p:extLst>
+      <p:ext uri="{BB962C8B-B14F-4D97-AF65-F5344CB8AC3E}">
+        <p14:creationId xmlns:p14="http://schemas.microsoft.com/office/powerpoint/2010/main" val="1077807181"/>
+      </p:ext>
+    </p:extLst>
+  </p:cSld>
+  <p:clrMapOvr>
+    <a:masterClrMapping/>
+  </p:clrMapOvr>
+</p:notes>
+</file>
+
+<file path=ppt/notesSlides/notesSlide12.xml><?xml version="1.0" encoding="utf-8"?>
+<p:notes xmlns:a="http://schemas.openxmlformats.org/drawingml/2006/main" xmlns:r="http://schemas.openxmlformats.org/officeDocument/2006/relationships" xmlns:p="http://schemas.openxmlformats.org/presentationml/2006/main">
+  <p:cSld>
+    <p:spTree>
+      <p:nvGrpSpPr>
+        <p:cNvPr id="1" name=""/>
+        <p:cNvGrpSpPr/>
+        <p:nvPr/>
+      </p:nvGrpSpPr>
+      <p:grpSpPr>
+        <a:xfrm>
+          <a:off x="0" y="0"/>
+          <a:ext cx="0" cy="0"/>
+          <a:chOff x="0" y="0"/>
+          <a:chExt cx="0" cy="0"/>
+        </a:xfrm>
+      </p:grpSpPr>
+      <p:sp>
+        <p:nvSpPr>
+          <p:cNvPr id="2" name="幻灯片图像占位符 1"/>
+          <p:cNvSpPr>
+            <a:spLocks noGrp="1" noRot="1" noChangeAspect="1"/>
+          </p:cNvSpPr>
+          <p:nvPr>
+            <p:ph type="sldImg"/>
+          </p:nvPr>
+        </p:nvSpPr>
+        <p:spPr/>
+      </p:sp>
+      <p:sp>
+        <p:nvSpPr>
+          <p:cNvPr id="3" name="备注占位符 2"/>
+          <p:cNvSpPr>
+            <a:spLocks noGrp="1"/>
+          </p:cNvSpPr>
+          <p:nvPr>
+            <p:ph type="body" idx="1"/>
+          </p:nvPr>
+        </p:nvSpPr>
+        <p:spPr/>
+        <p:txBody>
+          <a:bodyPr/>
+          <a:lstStyle/>
+          <a:p>
+            <a:r>
+              <a:rPr lang="en-US" altLang="zh-CN" smtClean="0"/>
+              <a:t>sublimeText</a:t>
+            </a:r>
+            <a:r>
+              <a:rPr lang="zh-CN" altLang="en-US" smtClean="0"/>
+              <a:t>插件（</a:t>
+            </a:r>
+            <a:r>
+              <a:rPr lang="en-US" altLang="zh-CN" smtClean="0"/>
+              <a:t>IDE </a:t>
+            </a:r>
+            <a:r>
+              <a:rPr lang="zh-CN" altLang="en-US" smtClean="0"/>
+              <a:t>插件），保存</a:t>
+            </a:r>
+            <a:r>
+              <a:rPr lang="en-US" altLang="zh-CN" smtClean="0"/>
+              <a:t>less</a:t>
+            </a:r>
+            <a:r>
+              <a:rPr lang="zh-CN" altLang="en-US" smtClean="0"/>
+              <a:t>文件时，自动生成对应的</a:t>
+            </a:r>
+            <a:r>
+              <a:rPr lang="en-US" altLang="zh-CN" smtClean="0"/>
+              <a:t>css</a:t>
+            </a:r>
+            <a:r>
+              <a:rPr lang="zh-CN" altLang="en-US" smtClean="0"/>
+              <a:t>文件，并且可对</a:t>
+            </a:r>
+            <a:r>
+              <a:rPr lang="en-US" altLang="zh-CN" smtClean="0"/>
+              <a:t>css</a:t>
+            </a:r>
+            <a:r>
+              <a:rPr lang="zh-CN" altLang="en-US" smtClean="0"/>
+              <a:t>进行压缩</a:t>
+            </a:r>
+            <a:endParaRPr lang="en-US" altLang="zh-CN" smtClean="0"/>
+          </a:p>
+          <a:p>
+            <a:r>
+              <a:rPr lang="en-US" altLang="zh-CN" smtClean="0"/>
+              <a:t>Webpack</a:t>
+            </a:r>
+            <a:r>
+              <a:rPr lang="zh-CN" altLang="en-US" smtClean="0"/>
+              <a:t>：直接运行时解析</a:t>
+            </a:r>
+            <a:r>
+              <a:rPr lang="en-US" altLang="zh-CN" smtClean="0"/>
+              <a:t>less</a:t>
+            </a:r>
+            <a:r>
+              <a:rPr lang="zh-CN" altLang="en-US" smtClean="0"/>
+              <a:t>文件</a:t>
+            </a:r>
+            <a:endParaRPr lang="en-US" altLang="zh-CN" smtClean="0"/>
+          </a:p>
+          <a:p>
+            <a:r>
+              <a:rPr lang="en-US" altLang="zh-CN" smtClean="0"/>
+              <a:t>Html</a:t>
+            </a:r>
+            <a:r>
+              <a:rPr lang="zh-CN" altLang="en-US" smtClean="0"/>
+              <a:t>中载入，文件太大，不是很合适</a:t>
+            </a:r>
+            <a:endParaRPr lang="en-US" altLang="zh-CN" smtClean="0"/>
+          </a:p>
+          <a:p>
+            <a:endParaRPr lang="en-US" altLang="zh-CN" smtClean="0"/>
+          </a:p>
+          <a:p>
+            <a:endParaRPr lang="zh-CN" altLang="en-US"/>
+          </a:p>
+        </p:txBody>
+      </p:sp>
+      <p:sp>
+        <p:nvSpPr>
+          <p:cNvPr id="4" name="灯片编号占位符 3"/>
+          <p:cNvSpPr>
+            <a:spLocks noGrp="1"/>
+          </p:cNvSpPr>
+          <p:nvPr>
+            <p:ph type="sldNum" sz="quarter" idx="10"/>
+          </p:nvPr>
+        </p:nvSpPr>
+        <p:spPr/>
+        <p:txBody>
+          <a:bodyPr/>
+          <a:lstStyle/>
+          <a:p>
+            <a:fld id="{A7B0CAB5-6163-46D3-81D8-F08AFFA19C49}" type="slidenum">
+              <a:rPr lang="zh-CN" altLang="en-US" smtClean="0"/>
+              <a:pPr/>
+              <a:t>15</a:t>
+            </a:fld>
+            <a:endParaRPr lang="zh-CN" altLang="en-US"/>
+          </a:p>
+        </p:txBody>
+      </p:sp>
+    </p:spTree>
+    <p:extLst>
+      <p:ext uri="{BB962C8B-B14F-4D97-AF65-F5344CB8AC3E}">
+        <p14:creationId xmlns:p14="http://schemas.microsoft.com/office/powerpoint/2010/main" val="2906286675"/>
+      </p:ext>
+    </p:extLst>
+  </p:cSld>
+  <p:clrMapOvr>
+    <a:masterClrMapping/>
+  </p:clrMapOvr>
+</p:notes>
+</file>
+
+<file path=ppt/notesSlides/notesSlide13.xml><?xml version="1.0" encoding="utf-8"?>
+<p:notes xmlns:a="http://schemas.openxmlformats.org/drawingml/2006/main" xmlns:r="http://schemas.openxmlformats.org/officeDocument/2006/relationships" xmlns:p="http://schemas.openxmlformats.org/presentationml/2006/main">
+  <p:cSld>
+    <p:spTree>
+      <p:nvGrpSpPr>
+        <p:cNvPr id="1" name=""/>
+        <p:cNvGrpSpPr/>
+        <p:nvPr/>
+      </p:nvGrpSpPr>
+      <p:grpSpPr>
+        <a:xfrm>
+          <a:off x="0" y="0"/>
+          <a:ext cx="0" cy="0"/>
+          <a:chOff x="0" y="0"/>
+          <a:chExt cx="0" cy="0"/>
+        </a:xfrm>
+      </p:grpSpPr>
+      <p:sp>
+        <p:nvSpPr>
+          <p:cNvPr id="2" name="幻灯片图像占位符 1"/>
+          <p:cNvSpPr>
+            <a:spLocks noGrp="1" noRot="1" noChangeAspect="1"/>
+          </p:cNvSpPr>
+          <p:nvPr>
+            <p:ph type="sldImg"/>
+          </p:nvPr>
+        </p:nvSpPr>
+        <p:spPr/>
+      </p:sp>
+      <p:sp>
+        <p:nvSpPr>
+          <p:cNvPr id="3" name="备注占位符 2"/>
+          <p:cNvSpPr>
+            <a:spLocks noGrp="1"/>
+          </p:cNvSpPr>
+          <p:nvPr>
+            <p:ph type="body" idx="1"/>
+          </p:nvPr>
+        </p:nvSpPr>
+        <p:spPr/>
+        <p:txBody>
+          <a:bodyPr/>
+          <a:lstStyle/>
+          <a:p>
+            <a:r>
+              <a:rPr lang="en-US" altLang="zh-CN" smtClean="0"/>
+              <a:t>Less</a:t>
+            </a:r>
+            <a:r>
+              <a:rPr lang="zh-CN" altLang="en-US" smtClean="0"/>
+              <a:t>引入了变量的概念，使用</a:t>
+            </a:r>
+            <a:r>
+              <a:rPr lang="en-US" altLang="zh-CN" smtClean="0"/>
+              <a:t>@</a:t>
+            </a:r>
+            <a:r>
+              <a:rPr lang="zh-CN" altLang="en-US" smtClean="0"/>
+              <a:t>标识变量，原先</a:t>
+            </a:r>
+            <a:r>
+              <a:rPr lang="en-US" altLang="zh-CN" smtClean="0"/>
+              <a:t>css</a:t>
+            </a:r>
+            <a:r>
+              <a:rPr lang="zh-CN" altLang="en-US" smtClean="0"/>
+              <a:t>是没有变量的，提高了可读性和可维护性。</a:t>
+            </a:r>
+            <a:endParaRPr lang="en-US" altLang="zh-CN" smtClean="0"/>
+          </a:p>
+          <a:p>
+            <a:r>
+              <a:rPr lang="zh-CN" altLang="en-US" smtClean="0"/>
+              <a:t>变量除了控制值之外，还可以用在其他地方，例如：标识选择器名称、标识属性名称、标识</a:t>
+            </a:r>
+            <a:r>
+              <a:rPr lang="en-US" altLang="zh-CN" smtClean="0"/>
+              <a:t>URL</a:t>
+            </a:r>
+            <a:r>
+              <a:rPr lang="zh-CN" altLang="en-US" smtClean="0"/>
+              <a:t>等。使用方法为</a:t>
+            </a:r>
+            <a:r>
+              <a:rPr lang="en-US" altLang="zh-CN" smtClean="0"/>
+              <a:t>@</a:t>
+            </a:r>
+            <a:r>
+              <a:rPr lang="zh-CN" altLang="en-US" smtClean="0"/>
+              <a:t>之后用一个大括号包裹起来</a:t>
+            </a:r>
+            <a:endParaRPr lang="en-US" altLang="zh-CN" smtClean="0"/>
+          </a:p>
+          <a:p>
+            <a:r>
+              <a:rPr lang="zh-CN" altLang="en-US" smtClean="0"/>
+              <a:t>懒惰计算：可以先使用在定义（用到时再查前后的定义），如果有重复定义，则先看作用域</a:t>
+            </a:r>
+            <a:r>
+              <a:rPr lang="en-US" altLang="zh-CN" smtClean="0"/>
+              <a:t>(</a:t>
+            </a:r>
+            <a:r>
+              <a:rPr lang="zh-CN" altLang="en-US" smtClean="0"/>
+              <a:t>近优先</a:t>
+            </a:r>
+            <a:r>
+              <a:rPr lang="en-US" altLang="zh-CN" smtClean="0"/>
+              <a:t>)</a:t>
+            </a:r>
+            <a:r>
+              <a:rPr lang="zh-CN" altLang="en-US" smtClean="0"/>
+              <a:t>，相同的话再看顺序</a:t>
+            </a:r>
+            <a:r>
+              <a:rPr lang="en-US" altLang="zh-CN" smtClean="0"/>
+              <a:t>(</a:t>
+            </a:r>
+            <a:r>
+              <a:rPr lang="zh-CN" altLang="en-US" smtClean="0"/>
+              <a:t>后覆盖前</a:t>
+            </a:r>
+            <a:r>
+              <a:rPr lang="en-US" altLang="zh-CN" smtClean="0"/>
+              <a:t>)</a:t>
+            </a:r>
+            <a:r>
+              <a:rPr lang="zh-CN" altLang="en-US" smtClean="0"/>
+              <a:t>。</a:t>
+            </a:r>
+            <a:endParaRPr lang="en-US" altLang="zh-CN" smtClean="0"/>
+          </a:p>
+          <a:p>
+            <a:r>
+              <a:rPr lang="zh-CN" altLang="en-US" smtClean="0"/>
+              <a:t>意义：可以通过改变一个变量的值，来改变整个主题颜色（包括</a:t>
+            </a:r>
+            <a:r>
+              <a:rPr lang="en-US" altLang="zh-CN" smtClean="0"/>
+              <a:t>hover</a:t>
+            </a:r>
+            <a:r>
+              <a:rPr lang="zh-CN" altLang="en-US" smtClean="0"/>
+              <a:t>、</a:t>
+            </a:r>
+            <a:r>
+              <a:rPr lang="en-US" altLang="zh-CN" smtClean="0"/>
+              <a:t>active</a:t>
+            </a:r>
+            <a:r>
+              <a:rPr lang="zh-CN" altLang="en-US" smtClean="0"/>
+              <a:t>等颜色）</a:t>
+            </a:r>
+            <a:endParaRPr lang="en-US" altLang="zh-CN" smtClean="0"/>
+          </a:p>
+          <a:p>
+            <a:endParaRPr lang="zh-CN" altLang="en-US"/>
+          </a:p>
+        </p:txBody>
+      </p:sp>
+      <p:sp>
+        <p:nvSpPr>
+          <p:cNvPr id="4" name="灯片编号占位符 3"/>
+          <p:cNvSpPr>
+            <a:spLocks noGrp="1"/>
+          </p:cNvSpPr>
+          <p:nvPr>
+            <p:ph type="sldNum" sz="quarter" idx="10"/>
+          </p:nvPr>
+        </p:nvSpPr>
+        <p:spPr/>
+        <p:txBody>
+          <a:bodyPr/>
+          <a:lstStyle/>
+          <a:p>
+            <a:fld id="{A7B0CAB5-6163-46D3-81D8-F08AFFA19C49}" type="slidenum">
+              <a:rPr lang="zh-CN" altLang="en-US" smtClean="0"/>
+              <a:pPr/>
+              <a:t>16</a:t>
+            </a:fld>
+            <a:endParaRPr lang="zh-CN" altLang="en-US"/>
+          </a:p>
+        </p:txBody>
+      </p:sp>
+    </p:spTree>
+    <p:extLst>
+      <p:ext uri="{BB962C8B-B14F-4D97-AF65-F5344CB8AC3E}">
+        <p14:creationId xmlns:p14="http://schemas.microsoft.com/office/powerpoint/2010/main" val="2719734157"/>
+      </p:ext>
+    </p:extLst>
+  </p:cSld>
+  <p:clrMapOvr>
+    <a:masterClrMapping/>
+  </p:clrMapOvr>
+</p:notes>
+</file>
+
+<file path=ppt/notesSlides/notesSlide14.xml><?xml version="1.0" encoding="utf-8"?>
+<p:notes xmlns:a="http://schemas.openxmlformats.org/drawingml/2006/main" xmlns:r="http://schemas.openxmlformats.org/officeDocument/2006/relationships" xmlns:p="http://schemas.openxmlformats.org/presentationml/2006/main">
+  <p:cSld>
+    <p:spTree>
+      <p:nvGrpSpPr>
+        <p:cNvPr id="1" name=""/>
+        <p:cNvGrpSpPr/>
+        <p:nvPr/>
+      </p:nvGrpSpPr>
+      <p:grpSpPr>
+        <a:xfrm>
+          <a:off x="0" y="0"/>
+          <a:ext cx="0" cy="0"/>
+          <a:chOff x="0" y="0"/>
+          <a:chExt cx="0" cy="0"/>
+        </a:xfrm>
+      </p:grpSpPr>
+      <p:sp>
+        <p:nvSpPr>
+          <p:cNvPr id="2" name="幻灯片图像占位符 1"/>
+          <p:cNvSpPr>
+            <a:spLocks noGrp="1" noRot="1" noChangeAspect="1"/>
+          </p:cNvSpPr>
+          <p:nvPr>
+            <p:ph type="sldImg"/>
+          </p:nvPr>
+        </p:nvSpPr>
+        <p:spPr/>
+      </p:sp>
+      <p:sp>
+        <p:nvSpPr>
+          <p:cNvPr id="3" name="备注占位符 2"/>
+          <p:cNvSpPr>
+            <a:spLocks noGrp="1"/>
+          </p:cNvSpPr>
+          <p:nvPr>
+            <p:ph type="body" idx="1"/>
+          </p:nvPr>
+        </p:nvSpPr>
+        <p:spPr/>
+        <p:txBody>
+          <a:bodyPr/>
+          <a:lstStyle/>
+          <a:p>
+            <a:r>
+              <a:rPr lang="zh-CN" altLang="en-US" smtClean="0"/>
+              <a:t>嵌套语法使用之后，代码更简洁，可读性更强，类似于</a:t>
+            </a:r>
+            <a:r>
+              <a:rPr lang="en-US" altLang="zh-CN" smtClean="0"/>
+              <a:t>html</a:t>
+            </a:r>
+            <a:r>
+              <a:rPr lang="zh-CN" altLang="en-US" smtClean="0"/>
+              <a:t>结构</a:t>
+            </a:r>
+            <a:endParaRPr lang="en-US" altLang="zh-CN" smtClean="0"/>
+          </a:p>
+          <a:p>
+            <a:r>
+              <a:rPr lang="en-US" altLang="zh-CN" smtClean="0"/>
+              <a:t>&amp;</a:t>
+            </a:r>
+            <a:r>
+              <a:rPr lang="zh-CN" altLang="en-US" smtClean="0"/>
+              <a:t>操作符：引用父选择器，使用场景：伪选择器时</a:t>
+            </a:r>
+            <a:r>
+              <a:rPr lang="en-US" altLang="zh-CN" smtClean="0"/>
+              <a:t>(:hover)</a:t>
+            </a:r>
+            <a:r>
+              <a:rPr lang="zh-CN" altLang="en-US" smtClean="0"/>
+              <a:t>；产生需要的类选择器</a:t>
+            </a:r>
+            <a:endParaRPr lang="en-US" altLang="zh-CN" smtClean="0"/>
+          </a:p>
+          <a:p>
+            <a:r>
+              <a:rPr lang="zh-CN" altLang="en-US" smtClean="0"/>
+              <a:t>支持重复引用：多个</a:t>
+            </a:r>
+            <a:r>
+              <a:rPr lang="en-US" altLang="zh-CN" smtClean="0"/>
+              <a:t>&amp;</a:t>
+            </a:r>
+            <a:r>
+              <a:rPr lang="zh-CN" altLang="en-US" smtClean="0"/>
+              <a:t>操作符</a:t>
+            </a:r>
+            <a:endParaRPr lang="en-US" altLang="zh-CN" smtClean="0"/>
+          </a:p>
+          <a:p>
+            <a:r>
+              <a:rPr lang="zh-CN" altLang="en-US" smtClean="0"/>
+              <a:t>引用的所有父节点，并且可以改变引用顺序</a:t>
+            </a:r>
+            <a:endParaRPr lang="en-US" altLang="zh-CN" smtClean="0"/>
+          </a:p>
+          <a:p>
+            <a:endParaRPr lang="zh-CN" altLang="en-US"/>
+          </a:p>
+        </p:txBody>
+      </p:sp>
+      <p:sp>
+        <p:nvSpPr>
+          <p:cNvPr id="4" name="灯片编号占位符 3"/>
+          <p:cNvSpPr>
+            <a:spLocks noGrp="1"/>
+          </p:cNvSpPr>
+          <p:nvPr>
+            <p:ph type="sldNum" sz="quarter" idx="10"/>
+          </p:nvPr>
+        </p:nvSpPr>
+        <p:spPr/>
+        <p:txBody>
+          <a:bodyPr/>
+          <a:lstStyle/>
+          <a:p>
+            <a:fld id="{A7B0CAB5-6163-46D3-81D8-F08AFFA19C49}" type="slidenum">
+              <a:rPr lang="zh-CN" altLang="en-US" smtClean="0"/>
+              <a:pPr/>
+              <a:t>17</a:t>
+            </a:fld>
+            <a:endParaRPr lang="zh-CN" altLang="en-US"/>
+          </a:p>
+        </p:txBody>
+      </p:sp>
+    </p:spTree>
+    <p:extLst>
+      <p:ext uri="{BB962C8B-B14F-4D97-AF65-F5344CB8AC3E}">
+        <p14:creationId xmlns:p14="http://schemas.microsoft.com/office/powerpoint/2010/main" val="2293948761"/>
+      </p:ext>
+    </p:extLst>
+  </p:cSld>
+  <p:clrMapOvr>
+    <a:masterClrMapping/>
+  </p:clrMapOvr>
+</p:notes>
+</file>
+
+<file path=ppt/notesSlides/notesSlide15.xml><?xml version="1.0" encoding="utf-8"?>
+<p:notes xmlns:a="http://schemas.openxmlformats.org/drawingml/2006/main" xmlns:r="http://schemas.openxmlformats.org/officeDocument/2006/relationships" xmlns:p="http://schemas.openxmlformats.org/presentationml/2006/main">
+  <p:cSld>
+    <p:spTree>
+      <p:nvGrpSpPr>
+        <p:cNvPr id="1" name=""/>
+        <p:cNvGrpSpPr/>
+        <p:nvPr/>
+      </p:nvGrpSpPr>
+      <p:grpSpPr>
+        <a:xfrm>
+          <a:off x="0" y="0"/>
+          <a:ext cx="0" cy="0"/>
+          <a:chOff x="0" y="0"/>
+          <a:chExt cx="0" cy="0"/>
+        </a:xfrm>
+      </p:grpSpPr>
+      <p:sp>
+        <p:nvSpPr>
+          <p:cNvPr id="2" name="幻灯片图像占位符 1"/>
+          <p:cNvSpPr>
+            <a:spLocks noGrp="1" noRot="1" noChangeAspect="1"/>
+          </p:cNvSpPr>
+          <p:nvPr>
+            <p:ph type="sldImg"/>
+          </p:nvPr>
+        </p:nvSpPr>
+        <p:spPr/>
+      </p:sp>
+      <p:sp>
+        <p:nvSpPr>
+          <p:cNvPr id="3" name="备注占位符 2"/>
+          <p:cNvSpPr>
+            <a:spLocks noGrp="1"/>
+          </p:cNvSpPr>
+          <p:nvPr>
+            <p:ph type="body" idx="1"/>
+          </p:nvPr>
+        </p:nvSpPr>
+        <p:spPr/>
+        <p:txBody>
+          <a:bodyPr/>
+          <a:lstStyle/>
+          <a:p>
+            <a:r>
+              <a:rPr lang="en-US" altLang="zh-CN" smtClean="0"/>
+              <a:t>Mixins</a:t>
+            </a:r>
+            <a:r>
+              <a:rPr lang="zh-CN" altLang="en-US" smtClean="0"/>
+              <a:t>可以理解为编程语言中的函数；</a:t>
+            </a:r>
+            <a:endParaRPr lang="en-US" altLang="zh-CN" smtClean="0"/>
+          </a:p>
+          <a:p>
+            <a:r>
+              <a:rPr lang="en-US" altLang="zh-CN" smtClean="0"/>
+              <a:t>Mixin</a:t>
+            </a:r>
+            <a:r>
+              <a:rPr lang="zh-CN" altLang="en-US" smtClean="0"/>
+              <a:t>可以不加大括号也可以加大括号，加了之后</a:t>
+            </a:r>
+            <a:r>
+              <a:rPr lang="en-US" altLang="zh-CN" smtClean="0"/>
+              <a:t>CSS</a:t>
+            </a:r>
+            <a:r>
+              <a:rPr lang="zh-CN" altLang="en-US" smtClean="0"/>
+              <a:t>中不显示，推荐加括号，代码简洁并且更像一个函数。调用的时候加大括号和不加大括号是一样的，推荐加，更像函数调用。</a:t>
+            </a:r>
+            <a:endParaRPr lang="en-US" altLang="zh-CN" smtClean="0"/>
+          </a:p>
+          <a:p>
+            <a:r>
+              <a:rPr lang="en-US" altLang="zh-CN" smtClean="0"/>
+              <a:t>Mixin</a:t>
+            </a:r>
+            <a:r>
+              <a:rPr lang="zh-CN" altLang="en-US" smtClean="0"/>
+              <a:t>内部可以放属性，也可以放选择器，都可以放。</a:t>
+            </a:r>
+            <a:endParaRPr lang="en-US" altLang="zh-CN" smtClean="0"/>
+          </a:p>
+          <a:p>
+            <a:r>
+              <a:rPr lang="zh-CN" altLang="en-US" smtClean="0"/>
+              <a:t>带单个参数和带多个参数，可以支持默认参数，匹配时按照参数位置或者参数名称匹配，一旦匹配上则顺序执行。</a:t>
+            </a:r>
+            <a:endParaRPr lang="en-US" altLang="zh-CN" smtClean="0"/>
+          </a:p>
+          <a:p>
+            <a:r>
+              <a:rPr lang="zh-CN" altLang="en-US" smtClean="0"/>
+              <a:t>当按照参数值匹配时，可以根据不同的参数值执行不同的任务，这点很有意义。</a:t>
+            </a:r>
+            <a:endParaRPr lang="en-US" altLang="zh-CN" smtClean="0"/>
+          </a:p>
+          <a:p>
+            <a:r>
+              <a:rPr lang="zh-CN" altLang="en-US" smtClean="0"/>
+              <a:t>返回值，其实返回的是变量</a:t>
+            </a:r>
+            <a:endParaRPr lang="en-US" altLang="zh-CN" smtClean="0"/>
+          </a:p>
+          <a:p>
+            <a:pPr marL="0" marR="0" indent="0" algn="l" defTabSz="914400" rtl="0" eaLnBrk="1" fontAlgn="auto" latinLnBrk="0" hangingPunct="1">
+              <a:lnSpc>
+                <a:spcPct val="100000"/>
+              </a:lnSpc>
+              <a:spcBef>
+                <a:spcPts val="0"/>
+              </a:spcBef>
+              <a:spcAft>
+                <a:spcPts val="0"/>
+              </a:spcAft>
+              <a:buClrTx/>
+              <a:buSzTx/>
+              <a:buFontTx/>
+              <a:buNone/>
+              <a:tabLst/>
+              <a:defRPr/>
+            </a:pPr>
+            <a:r>
+              <a:rPr lang="zh-CN" altLang="en-US" smtClean="0"/>
+              <a:t>由于混合和选择器很像，所以一般会把需要的混合单独写到一个文件中，其他文件来调用。</a:t>
+            </a:r>
+            <a:endParaRPr lang="en-US" altLang="zh-CN" smtClean="0"/>
+          </a:p>
+          <a:p>
+            <a:endParaRPr lang="en-US" altLang="zh-CN" smtClean="0"/>
+          </a:p>
+          <a:p>
+            <a:endParaRPr lang="zh-CN" altLang="en-US"/>
+          </a:p>
+        </p:txBody>
+      </p:sp>
+      <p:sp>
+        <p:nvSpPr>
+          <p:cNvPr id="4" name="灯片编号占位符 3"/>
+          <p:cNvSpPr>
+            <a:spLocks noGrp="1"/>
+          </p:cNvSpPr>
+          <p:nvPr>
+            <p:ph type="sldNum" sz="quarter" idx="10"/>
+          </p:nvPr>
+        </p:nvSpPr>
+        <p:spPr/>
+        <p:txBody>
+          <a:bodyPr/>
+          <a:lstStyle/>
+          <a:p>
+            <a:fld id="{A7B0CAB5-6163-46D3-81D8-F08AFFA19C49}" type="slidenum">
+              <a:rPr lang="zh-CN" altLang="en-US" smtClean="0"/>
+              <a:pPr/>
+              <a:t>18</a:t>
+            </a:fld>
+            <a:endParaRPr lang="zh-CN" altLang="en-US"/>
+          </a:p>
+        </p:txBody>
+      </p:sp>
+    </p:spTree>
+    <p:extLst>
+      <p:ext uri="{BB962C8B-B14F-4D97-AF65-F5344CB8AC3E}">
+        <p14:creationId xmlns:p14="http://schemas.microsoft.com/office/powerpoint/2010/main" val="4254907638"/>
+      </p:ext>
+    </p:extLst>
+  </p:cSld>
+  <p:clrMapOvr>
+    <a:masterClrMapping/>
+  </p:clrMapOvr>
+</p:notes>
+</file>
+
+<file path=ppt/notesSlides/notesSlide16.xml><?xml version="1.0" encoding="utf-8"?>
+<p:notes xmlns:a="http://schemas.openxmlformats.org/drawingml/2006/main" xmlns:r="http://schemas.openxmlformats.org/officeDocument/2006/relationships" xmlns:p="http://schemas.openxmlformats.org/presentationml/2006/main">
+  <p:cSld>
+    <p:spTree>
+      <p:nvGrpSpPr>
+        <p:cNvPr id="1" name=""/>
+        <p:cNvGrpSpPr/>
+        <p:nvPr/>
+      </p:nvGrpSpPr>
+      <p:grpSpPr>
+        <a:xfrm>
+          <a:off x="0" y="0"/>
+          <a:ext cx="0" cy="0"/>
+          <a:chOff x="0" y="0"/>
+          <a:chExt cx="0" cy="0"/>
+        </a:xfrm>
+      </p:grpSpPr>
+      <p:sp>
+        <p:nvSpPr>
+          <p:cNvPr id="2" name="幻灯片图像占位符 1"/>
+          <p:cNvSpPr>
+            <a:spLocks noGrp="1" noRot="1" noChangeAspect="1"/>
+          </p:cNvSpPr>
+          <p:nvPr>
+            <p:ph type="sldImg"/>
+          </p:nvPr>
+        </p:nvSpPr>
+        <p:spPr/>
+      </p:sp>
+      <p:sp>
+        <p:nvSpPr>
+          <p:cNvPr id="3" name="备注占位符 2"/>
+          <p:cNvSpPr>
+            <a:spLocks noGrp="1"/>
+          </p:cNvSpPr>
+          <p:nvPr>
+            <p:ph type="body" idx="1"/>
+          </p:nvPr>
+        </p:nvSpPr>
+        <p:spPr/>
+        <p:txBody>
+          <a:bodyPr/>
+          <a:lstStyle/>
+          <a:p>
+            <a:r>
+              <a:rPr lang="en-US" altLang="zh-CN" smtClean="0"/>
+              <a:t>Less</a:t>
+            </a:r>
+            <a:r>
+              <a:rPr lang="zh-CN" altLang="en-US" smtClean="0"/>
+              <a:t>支持</a:t>
+            </a:r>
+            <a:r>
+              <a:rPr lang="en-US" altLang="zh-CN" smtClean="0"/>
+              <a:t>import</a:t>
+            </a:r>
+            <a:r>
+              <a:rPr lang="zh-CN" altLang="en-US" smtClean="0"/>
+              <a:t>导入外部</a:t>
+            </a:r>
+            <a:r>
+              <a:rPr lang="en-US" altLang="zh-CN" smtClean="0"/>
+              <a:t>less</a:t>
+            </a:r>
+            <a:r>
+              <a:rPr lang="zh-CN" altLang="en-US" smtClean="0"/>
+              <a:t>文件；可以导入</a:t>
+            </a:r>
+            <a:r>
+              <a:rPr lang="en-US" altLang="zh-CN" smtClean="0"/>
+              <a:t>less</a:t>
+            </a:r>
+            <a:r>
+              <a:rPr lang="zh-CN" altLang="en-US" smtClean="0"/>
+              <a:t>也可以导入</a:t>
+            </a:r>
+            <a:r>
+              <a:rPr lang="en-US" altLang="zh-CN" smtClean="0"/>
+              <a:t>css</a:t>
+            </a:r>
+            <a:r>
+              <a:rPr lang="zh-CN" altLang="en-US" smtClean="0"/>
+              <a:t>，当导入文件为</a:t>
+            </a:r>
+            <a:r>
+              <a:rPr lang="en-US" altLang="zh-CN" smtClean="0"/>
+              <a:t>less</a:t>
+            </a:r>
+            <a:r>
+              <a:rPr lang="zh-CN" altLang="en-US" smtClean="0"/>
+              <a:t>时，可以不写后缀名</a:t>
+            </a:r>
+            <a:endParaRPr lang="en-US" altLang="zh-CN" smtClean="0"/>
+          </a:p>
+          <a:p>
+            <a:r>
+              <a:rPr lang="zh-CN" altLang="en-US" smtClean="0"/>
+              <a:t>运算符：</a:t>
+            </a:r>
+            <a:r>
+              <a:rPr lang="en-US" altLang="zh-CN" smtClean="0"/>
+              <a:t>less</a:t>
+            </a:r>
+            <a:r>
+              <a:rPr lang="zh-CN" altLang="en-US" smtClean="0"/>
+              <a:t>支持用加减乘除来操作任何数字，颜色和变量。在运算前，会都切换为统一的单位，以最左侧遇到的第一个明确的单位为准。</a:t>
+            </a:r>
+            <a:endParaRPr lang="en-US" altLang="zh-CN" smtClean="0"/>
+          </a:p>
+          <a:p>
+            <a:r>
+              <a:rPr lang="en-US" altLang="zh-CN" smtClean="0"/>
+              <a:t>less</a:t>
+            </a:r>
+            <a:r>
+              <a:rPr lang="zh-CN" altLang="en-US" smtClean="0"/>
+              <a:t>内建了一些系统函数，帮助我们直接操作颜色等。</a:t>
+            </a:r>
+            <a:endParaRPr lang="en-US" altLang="zh-CN" smtClean="0"/>
+          </a:p>
+          <a:p>
+            <a:r>
+              <a:rPr lang="zh-CN" altLang="en-US" smtClean="0"/>
+              <a:t>命名空间和访问：我们可以打包一个模块，里面包含混合和变量，优点为：名称是唯一的，不会和其他文件冲突。不可以在外部调用变量，只能调用混合。</a:t>
+            </a:r>
+            <a:endParaRPr lang="en-US" altLang="zh-CN" smtClean="0"/>
+          </a:p>
+          <a:p>
+            <a:endParaRPr lang="zh-CN" altLang="en-US"/>
+          </a:p>
+        </p:txBody>
+      </p:sp>
+      <p:sp>
+        <p:nvSpPr>
+          <p:cNvPr id="4" name="灯片编号占位符 3"/>
+          <p:cNvSpPr>
+            <a:spLocks noGrp="1"/>
+          </p:cNvSpPr>
+          <p:nvPr>
+            <p:ph type="sldNum" sz="quarter" idx="10"/>
+          </p:nvPr>
+        </p:nvSpPr>
+        <p:spPr/>
+        <p:txBody>
+          <a:bodyPr/>
+          <a:lstStyle/>
+          <a:p>
+            <a:fld id="{A7B0CAB5-6163-46D3-81D8-F08AFFA19C49}" type="slidenum">
+              <a:rPr lang="zh-CN" altLang="en-US" smtClean="0"/>
+              <a:pPr/>
+              <a:t>19</a:t>
+            </a:fld>
+            <a:endParaRPr lang="zh-CN" altLang="en-US"/>
+          </a:p>
+        </p:txBody>
+      </p:sp>
+    </p:spTree>
+    <p:extLst>
+      <p:ext uri="{BB962C8B-B14F-4D97-AF65-F5344CB8AC3E}">
+        <p14:creationId xmlns:p14="http://schemas.microsoft.com/office/powerpoint/2010/main" val="3768681070"/>
+      </p:ext>
+    </p:extLst>
+  </p:cSld>
+  <p:clrMapOvr>
+    <a:masterClrMapping/>
+  </p:clrMapOvr>
+</p:notes>
+</file>
+
 <file path=ppt/notesSlides/notesSlide2.xml><?xml version="1.0" encoding="utf-8"?>
 <p:notes xmlns:a="http://schemas.openxmlformats.org/drawingml/2006/main" xmlns:r="http://schemas.openxmlformats.org/officeDocument/2006/relationships" xmlns:p="http://schemas.openxmlformats.org/presentationml/2006/main">
   <p:cSld>
@@ -994,11 +2002,7 @@
           <a:p>
             <a:r>
               <a:rPr lang="zh-CN" altLang="en-US" smtClean="0"/>
-              <a:t>定义变量</a:t>
-            </a:r>
-            <a:r>
-              <a:rPr lang="zh-CN" altLang="en-US" smtClean="0"/>
-              <a:t>：</a:t>
+              <a:t>定义变量：</a:t>
             </a:r>
             <a:r>
               <a:rPr lang="en-US" altLang="zh-CN" smtClean="0"/>
@@ -1014,11 +2018,7 @@
             </a:r>
             <a:r>
               <a:rPr lang="zh-CN" altLang="en-US" smtClean="0"/>
-              <a:t>，基本</a:t>
-            </a:r>
-            <a:r>
-              <a:rPr lang="zh-CN" altLang="en-US" smtClean="0"/>
-              <a:t>的使用方法，但是和</a:t>
+              <a:t>，基本的使用方法，但是和</a:t>
             </a:r>
             <a:r>
               <a:rPr lang="en-US" altLang="zh-CN" smtClean="0"/>
@@ -3505,7 +4505,7 @@
             <a:fld id="{530820CF-B880-4189-942D-D702A7CBA730}" type="datetimeFigureOut">
               <a:rPr lang="zh-CN" altLang="en-US" smtClean="0"/>
               <a:pPr/>
-              <a:t>2018/3/7</a:t>
+              <a:t>2018/3/8</a:t>
             </a:fld>
             <a:endParaRPr lang="zh-CN" altLang="en-US"/>
           </a:p>
@@ -3905,7 +4905,7 @@
             <a:fld id="{530820CF-B880-4189-942D-D702A7CBA730}" type="datetimeFigureOut">
               <a:rPr lang="zh-CN" altLang="en-US" smtClean="0"/>
               <a:pPr/>
-              <a:t>2018/3/7</a:t>
+              <a:t>2018/3/8</a:t>
             </a:fld>
             <a:endParaRPr lang="zh-CN" altLang="en-US"/>
           </a:p>
@@ -4103,7 +5103,7 @@
             <a:fld id="{530820CF-B880-4189-942D-D702A7CBA730}" type="datetimeFigureOut">
               <a:rPr lang="zh-CN" altLang="en-US" smtClean="0"/>
               <a:pPr/>
-              <a:t>2018/3/7</a:t>
+              <a:t>2018/3/8</a:t>
             </a:fld>
             <a:endParaRPr lang="zh-CN" altLang="en-US"/>
           </a:p>
@@ -4301,7 +5301,7 @@
             <a:fld id="{530820CF-B880-4189-942D-D702A7CBA730}" type="datetimeFigureOut">
               <a:rPr lang="zh-CN" altLang="en-US" smtClean="0"/>
               <a:pPr/>
-              <a:t>2018/3/7</a:t>
+              <a:t>2018/3/8</a:t>
             </a:fld>
             <a:endParaRPr lang="zh-CN" altLang="en-US"/>
           </a:p>
@@ -4637,105 +5637,6 @@
           </a:p>
         </p:txBody>
       </p:sp>
-      <p:pic>
-        <p:nvPicPr>
-          <p:cNvPr id="2" name="图片 1"/>
-          <p:cNvPicPr>
-            <a:picLocks noChangeAspect="1"/>
-          </p:cNvPicPr>
-          <p:nvPr userDrawn="1"/>
-        </p:nvPicPr>
-        <p:blipFill>
-          <a:blip r:embed="rId2"/>
-          <a:stretch>
-            <a:fillRect/>
-          </a:stretch>
-        </p:blipFill>
-        <p:spPr>
-          <a:xfrm>
-            <a:off x="3575218" y="1574338"/>
-            <a:ext cx="1993565" cy="1359526"/>
-          </a:xfrm>
-          <a:prstGeom prst="rect">
-            <a:avLst/>
-          </a:prstGeom>
-        </p:spPr>
-      </p:pic>
-      <p:sp>
-        <p:nvSpPr>
-          <p:cNvPr id="6" name="文本框 5"/>
-          <p:cNvSpPr txBox="1"/>
-          <p:nvPr userDrawn="1"/>
-        </p:nvSpPr>
-        <p:spPr>
-          <a:xfrm>
-            <a:off x="2771800" y="3219822"/>
-            <a:ext cx="3600400" cy="276999"/>
-          </a:xfrm>
-          <a:prstGeom prst="rect">
-            <a:avLst/>
-          </a:prstGeom>
-          <a:noFill/>
-        </p:spPr>
-        <p:txBody>
-          <a:bodyPr wrap="square" rtlCol="0">
-            <a:spAutoFit/>
-          </a:bodyPr>
-          <a:lstStyle/>
-          <a:p>
-            <a:pPr algn="ctr"/>
-            <a:r>
-              <a:rPr lang="en-US" altLang="zh-CN" sz="1200" dirty="0" smtClean="0">
-                <a:solidFill>
-                  <a:schemeClr val="tx1">
-                    <a:lumMod val="65000"/>
-                    <a:lumOff val="35000"/>
-                  </a:schemeClr>
-                </a:solidFill>
-                <a:latin typeface="微软雅黑" pitchFamily="34" charset="-122"/>
-                <a:ea typeface="微软雅黑" pitchFamily="34" charset="-122"/>
-              </a:rPr>
-              <a:t>Mail</a:t>
-            </a:r>
-            <a:r>
-              <a:rPr lang="zh-CN" altLang="en-US" sz="1200" dirty="0" smtClean="0">
-                <a:solidFill>
-                  <a:schemeClr val="tx1">
-                    <a:lumMod val="65000"/>
-                    <a:lumOff val="35000"/>
-                  </a:schemeClr>
-                </a:solidFill>
-                <a:latin typeface="微软雅黑" pitchFamily="34" charset="-122"/>
-                <a:ea typeface="微软雅黑" pitchFamily="34" charset="-122"/>
-              </a:rPr>
-              <a:t>：</a:t>
-            </a:r>
-            <a:r>
-              <a:rPr lang="en-US" altLang="zh-CN" sz="1200" dirty="0" smtClean="0">
-                <a:solidFill>
-                  <a:schemeClr val="tx1">
-                    <a:lumMod val="65000"/>
-                    <a:lumOff val="35000"/>
-                  </a:schemeClr>
-                </a:solidFill>
-                <a:latin typeface="微软雅黑" pitchFamily="34" charset="-122"/>
-                <a:ea typeface="微软雅黑" pitchFamily="34" charset="-122"/>
-              </a:rPr>
-              <a:t>muippt@sina.com</a:t>
-            </a:r>
-            <a:endParaRPr lang="zh-CN" altLang="en-US" sz="1200" dirty="0" smtClean="0">
-              <a:solidFill>
-                <a:schemeClr val="tx1">
-                  <a:lumMod val="65000"/>
-                  <a:lumOff val="35000"/>
-                </a:schemeClr>
-              </a:solidFill>
-              <a:latin typeface="微软雅黑" pitchFamily="34" charset="-122"/>
-              <a:ea typeface="微软雅黑" pitchFamily="34" charset="-122"/>
-            </a:endParaRPr>
-          </a:p>
-        </p:txBody>
-      </p:sp>
     </p:spTree>
     <p:extLst>
       <p:ext uri="{BB962C8B-B14F-4D97-AF65-F5344CB8AC3E}">
@@ -4909,7 +5810,7 @@
             <a:fld id="{530820CF-B880-4189-942D-D702A7CBA730}" type="datetimeFigureOut">
               <a:rPr lang="zh-CN" altLang="en-US" smtClean="0"/>
               <a:pPr/>
-              <a:t>2018/3/7</a:t>
+              <a:t>2018/3/8</a:t>
             </a:fld>
             <a:endParaRPr lang="zh-CN" altLang="en-US"/>
           </a:p>
@@ -6400,7 +7301,6 @@
               <a:rPr lang="zh-CN" altLang="en-US"/>
               <a:t>语法</a:t>
             </a:r>
-            <a:endParaRPr lang="zh-CN" altLang="en-US"/>
           </a:p>
         </p:txBody>
       </p:sp>
@@ -6905,7 +7805,6 @@
               <a:rPr lang="zh-CN" altLang="en-US"/>
               <a:t>语法</a:t>
             </a:r>
-            <a:endParaRPr lang="zh-CN" altLang="en-US"/>
           </a:p>
         </p:txBody>
       </p:sp>
@@ -7383,17 +8282,7 @@
                 <a:latin typeface="微软雅黑" pitchFamily="34" charset="-122"/>
                 <a:ea typeface="微软雅黑" pitchFamily="34" charset="-122"/>
               </a:rPr>
-              <a:t>参考文献</a:t>
-            </a:r>
-            <a:r>
-              <a:rPr lang="zh-CN" altLang="en-US" smtClean="0">
-                <a:solidFill>
-                  <a:schemeClr val="bg1"/>
-                </a:solidFill>
-                <a:latin typeface="微软雅黑" pitchFamily="34" charset="-122"/>
-                <a:ea typeface="微软雅黑" pitchFamily="34" charset="-122"/>
-              </a:rPr>
-              <a:t>：</a:t>
+              <a:t>参考文献：</a:t>
             </a:r>
             <a:r>
               <a:rPr lang="en-US" altLang="zh-CN" smtClean="0">
@@ -7743,7 +8632,7 @@
               <a:defRPr/>
             </a:pPr>
             <a:r>
-              <a:rPr lang="en-US" altLang="zh-CN" smtClean="0">
+              <a:rPr lang="zh-CN" altLang="en-US" smtClean="0">
                 <a:solidFill>
                   <a:schemeClr val="tx1">
                     <a:lumMod val="75000"/>
@@ -7753,10 +8642,10 @@
                 <a:latin typeface="微软雅黑" pitchFamily="34" charset="-122"/>
                 <a:ea typeface="微软雅黑" pitchFamily="34" charset="-122"/>
               </a:rPr>
-              <a:t>bootstrapV3</a:t>
-            </a:r>
-            <a:r>
-              <a:rPr lang="zh-CN" altLang="en-US" smtClean="0">
+              <a:t>全部兼容</a:t>
+            </a:r>
+            <a:r>
+              <a:rPr lang="en-US" altLang="zh-CN" smtClean="0">
                 <a:solidFill>
                   <a:schemeClr val="tx1">
                     <a:lumMod val="75000"/>
@@ -7766,10 +8655,10 @@
                 <a:latin typeface="微软雅黑" pitchFamily="34" charset="-122"/>
                 <a:ea typeface="微软雅黑" pitchFamily="34" charset="-122"/>
               </a:rPr>
-              <a:t>使用</a:t>
-            </a:r>
-            <a:r>
-              <a:rPr lang="en-US" altLang="zh-CN" smtClean="0">
+              <a:t>CSS</a:t>
+            </a:r>
+            <a:r>
+              <a:rPr lang="zh-CN" altLang="en-US" smtClean="0">
                 <a:solidFill>
                   <a:schemeClr val="tx1">
                     <a:lumMod val="75000"/>
@@ -7779,8 +8668,18 @@
                 <a:latin typeface="微软雅黑" pitchFamily="34" charset="-122"/>
                 <a:ea typeface="微软雅黑" pitchFamily="34" charset="-122"/>
               </a:rPr>
-              <a:t>less</a:t>
-            </a:r>
+              <a:t>，易上手，学习难度不高；</a:t>
+            </a:r>
+            <a:endParaRPr lang="en-US" altLang="zh-CN" smtClean="0">
+              <a:solidFill>
+                <a:schemeClr val="tx1">
+                  <a:lumMod val="75000"/>
+                  <a:lumOff val="25000"/>
+                </a:schemeClr>
+              </a:solidFill>
+              <a:latin typeface="微软雅黑" pitchFamily="34" charset="-122"/>
+              <a:ea typeface="微软雅黑" pitchFamily="34" charset="-122"/>
+            </a:endParaRPr>
           </a:p>
           <a:p>
             <a:pPr indent="216000">
@@ -7802,10 +8701,30 @@
                 <a:latin typeface="微软雅黑" pitchFamily="34" charset="-122"/>
                 <a:ea typeface="微软雅黑" pitchFamily="34" charset="-122"/>
               </a:rPr>
-              <a:t>蚂蚁金服</a:t>
-            </a:r>
-            <a:r>
-              <a:rPr lang="en-US" altLang="zh-CN" smtClean="0">
+              <a:t>简单编程语言特性，使可读性、可维护性提高；</a:t>
+            </a:r>
+            <a:endParaRPr lang="en-US" altLang="zh-CN" smtClean="0">
+              <a:solidFill>
+                <a:schemeClr val="tx1">
+                  <a:lumMod val="75000"/>
+                  <a:lumOff val="25000"/>
+                </a:schemeClr>
+              </a:solidFill>
+              <a:latin typeface="微软雅黑" pitchFamily="34" charset="-122"/>
+              <a:ea typeface="微软雅黑" pitchFamily="34" charset="-122"/>
+            </a:endParaRPr>
+          </a:p>
+          <a:p>
+            <a:pPr indent="216000">
+              <a:lnSpc>
+                <a:spcPct val="150000"/>
+              </a:lnSpc>
+              <a:buFont typeface="Arial" pitchFamily="34" charset="0"/>
+              <a:buChar char="•"/>
+              <a:defRPr/>
+            </a:pPr>
+            <a:r>
+              <a:rPr lang="zh-CN" altLang="en-US" smtClean="0">
                 <a:solidFill>
                   <a:schemeClr val="tx1">
                     <a:lumMod val="75000"/>
@@ -7815,10 +8734,10 @@
                 <a:latin typeface="微软雅黑" pitchFamily="34" charset="-122"/>
                 <a:ea typeface="微软雅黑" pitchFamily="34" charset="-122"/>
               </a:rPr>
-              <a:t>UI</a:t>
-            </a:r>
-            <a:r>
-              <a:rPr lang="zh-CN" altLang="en-US" smtClean="0">
+              <a:t>部分</a:t>
+            </a:r>
+            <a:r>
+              <a:rPr lang="en-US" altLang="zh-CN" smtClean="0">
                 <a:solidFill>
                   <a:schemeClr val="tx1">
                     <a:lumMod val="75000"/>
@@ -7828,10 +8747,10 @@
                 <a:latin typeface="微软雅黑" pitchFamily="34" charset="-122"/>
                 <a:ea typeface="微软雅黑" pitchFamily="34" charset="-122"/>
               </a:rPr>
-              <a:t>框架使用</a:t>
-            </a:r>
-            <a:r>
-              <a:rPr lang="en-US" altLang="zh-CN" smtClean="0">
+              <a:t>UI</a:t>
+            </a:r>
+            <a:r>
+              <a:rPr lang="zh-CN" altLang="en-US" smtClean="0">
                 <a:solidFill>
                   <a:schemeClr val="tx1">
                     <a:lumMod val="75000"/>
@@ -7841,7 +8760,59 @@
                 <a:latin typeface="微软雅黑" pitchFamily="34" charset="-122"/>
                 <a:ea typeface="微软雅黑" pitchFamily="34" charset="-122"/>
               </a:rPr>
+              <a:t>框架使用</a:t>
+            </a:r>
+            <a:r>
+              <a:rPr lang="en-US" altLang="zh-CN" smtClean="0">
+                <a:solidFill>
+                  <a:schemeClr val="tx1">
+                    <a:lumMod val="75000"/>
+                    <a:lumOff val="25000"/>
+                  </a:schemeClr>
+                </a:solidFill>
+                <a:latin typeface="微软雅黑" pitchFamily="34" charset="-122"/>
+                <a:ea typeface="微软雅黑" pitchFamily="34" charset="-122"/>
+              </a:rPr>
               <a:t>less</a:t>
+            </a:r>
+            <a:r>
+              <a:rPr lang="en-US" altLang="zh-CN" smtClean="0">
+                <a:solidFill>
+                  <a:schemeClr val="tx1">
+                    <a:lumMod val="75000"/>
+                    <a:lumOff val="25000"/>
+                  </a:schemeClr>
+                </a:solidFill>
+                <a:latin typeface="微软雅黑" pitchFamily="34" charset="-122"/>
+                <a:ea typeface="微软雅黑" pitchFamily="34" charset="-122"/>
+              </a:rPr>
+              <a:t>(Bootstrap</a:t>
+            </a:r>
+            <a:r>
+              <a:rPr lang="zh-CN" altLang="en-US" smtClean="0">
+                <a:solidFill>
+                  <a:schemeClr val="tx1">
+                    <a:lumMod val="75000"/>
+                    <a:lumOff val="25000"/>
+                  </a:schemeClr>
+                </a:solidFill>
+                <a:latin typeface="微软雅黑" pitchFamily="34" charset="-122"/>
+                <a:ea typeface="微软雅黑" pitchFamily="34" charset="-122"/>
+              </a:rPr>
+              <a:t>、</a:t>
+            </a:r>
+            <a:r>
+              <a:rPr lang="en-US" altLang="zh-CN" smtClean="0">
+                <a:solidFill>
+                  <a:schemeClr val="tx1">
+                    <a:lumMod val="75000"/>
+                    <a:lumOff val="25000"/>
+                  </a:schemeClr>
+                </a:solidFill>
+                <a:latin typeface="微软雅黑" pitchFamily="34" charset="-122"/>
+                <a:ea typeface="微软雅黑" pitchFamily="34" charset="-122"/>
+              </a:rPr>
+              <a:t>antDesign…)</a:t>
             </a:r>
             <a:endParaRPr lang="en-US" altLang="zh-CN" smtClean="0">
               <a:solidFill>
@@ -7937,235 +8908,3350 @@
   <p:timing>
     <p:tnLst>
       <p:par>
-        <p:cTn id="1" dur="indefinite" restart="never" nodeType="tmRoot">
-          <p:childTnLst>
-            <p:seq concurrent="1" nextAc="seek">
-              <p:cTn id="2" dur="indefinite" nodeType="mainSeq">
-                <p:childTnLst>
-                  <p:par>
-                    <p:cTn id="3" fill="hold">
-                      <p:stCondLst>
-                        <p:cond delay="indefinite"/>
-                        <p:cond evt="onBegin" delay="0">
-                          <p:tn val="2"/>
-                        </p:cond>
-                      </p:stCondLst>
-                      <p:childTnLst>
-                        <p:par>
-                          <p:cTn id="4" fill="hold">
-                            <p:stCondLst>
-                              <p:cond delay="0"/>
-                            </p:stCondLst>
-                            <p:childTnLst>
-                              <p:par>
-                                <p:cTn id="5" presetID="12" presetClass="entr" presetSubtype="4" fill="hold" grpId="0" nodeType="withEffect">
-                                  <p:stCondLst>
-                                    <p:cond delay="0"/>
-                                  </p:stCondLst>
-                                  <p:childTnLst>
-                                    <p:set>
-                                      <p:cBhvr>
-                                        <p:cTn id="6" dur="1" fill="hold">
-                                          <p:stCondLst>
-                                            <p:cond delay="0"/>
-                                          </p:stCondLst>
-                                        </p:cTn>
-                                        <p:tgtEl>
-                                          <p:spTgt spid="26"/>
-                                        </p:tgtEl>
-                                        <p:attrNameLst>
-                                          <p:attrName>style.visibility</p:attrName>
-                                        </p:attrNameLst>
-                                      </p:cBhvr>
-                                      <p:to>
-                                        <p:strVal val="visible"/>
-                                      </p:to>
-                                    </p:set>
-                                    <p:animEffect transition="in" filter="slide(fromBottom)">
-                                      <p:cBhvr>
-                                        <p:cTn id="7" dur="500"/>
-                                        <p:tgtEl>
-                                          <p:spTgt spid="26"/>
-                                        </p:tgtEl>
-                                      </p:cBhvr>
-                                    </p:animEffect>
-                                  </p:childTnLst>
-                                </p:cTn>
-                              </p:par>
-                            </p:childTnLst>
-                          </p:cTn>
-                        </p:par>
-                        <p:par>
-                          <p:cTn id="8" fill="hold">
-                            <p:stCondLst>
-                              <p:cond delay="500"/>
-                            </p:stCondLst>
-                            <p:childTnLst>
-                              <p:par>
-                                <p:cTn id="9" presetID="12" presetClass="entr" presetSubtype="8" fill="hold" grpId="0" nodeType="afterEffect">
-                                  <p:stCondLst>
-                                    <p:cond delay="0"/>
-                                  </p:stCondLst>
-                                  <p:childTnLst>
-                                    <p:set>
-                                      <p:cBhvr>
-                                        <p:cTn id="10" dur="1" fill="hold">
-                                          <p:stCondLst>
-                                            <p:cond delay="0"/>
-                                          </p:stCondLst>
-                                        </p:cTn>
-                                        <p:tgtEl>
-                                          <p:spTgt spid="24"/>
-                                        </p:tgtEl>
-                                        <p:attrNameLst>
-                                          <p:attrName>style.visibility</p:attrName>
-                                        </p:attrNameLst>
-                                      </p:cBhvr>
-                                      <p:to>
-                                        <p:strVal val="visible"/>
-                                      </p:to>
-                                    </p:set>
-                                    <p:animEffect transition="in" filter="slide(fromLeft)">
-                                      <p:cBhvr>
-                                        <p:cTn id="11" dur="1000"/>
-                                        <p:tgtEl>
-                                          <p:spTgt spid="24"/>
-                                        </p:tgtEl>
-                                      </p:cBhvr>
-                                    </p:animEffect>
-                                  </p:childTnLst>
-                                </p:cTn>
-                              </p:par>
-                            </p:childTnLst>
-                          </p:cTn>
-                        </p:par>
-                      </p:childTnLst>
-                    </p:cTn>
-                  </p:par>
-                  <p:par>
-                    <p:cTn id="12" fill="hold">
-                      <p:stCondLst>
-                        <p:cond delay="indefinite"/>
-                      </p:stCondLst>
-                      <p:childTnLst>
-                        <p:par>
-                          <p:cTn id="13" fill="hold">
-                            <p:stCondLst>
-                              <p:cond delay="0"/>
-                            </p:stCondLst>
-                            <p:childTnLst>
-                              <p:par>
-                                <p:cTn id="14" presetID="12" presetClass="entr" presetSubtype="4" fill="hold" grpId="0" nodeType="clickEffect">
-                                  <p:stCondLst>
-                                    <p:cond delay="0"/>
-                                  </p:stCondLst>
-                                  <p:childTnLst>
-                                    <p:set>
-                                      <p:cBhvr>
-                                        <p:cTn id="15" dur="1" fill="hold">
-                                          <p:stCondLst>
-                                            <p:cond delay="0"/>
-                                          </p:stCondLst>
-                                        </p:cTn>
-                                        <p:tgtEl>
-                                          <p:spTgt spid="28"/>
-                                        </p:tgtEl>
-                                        <p:attrNameLst>
-                                          <p:attrName>style.visibility</p:attrName>
-                                        </p:attrNameLst>
-                                      </p:cBhvr>
-                                      <p:to>
-                                        <p:strVal val="visible"/>
-                                      </p:to>
-                                    </p:set>
-                                    <p:animEffect transition="in" filter="slide(fromBottom)">
-                                      <p:cBhvr>
-                                        <p:cTn id="16" dur="500"/>
-                                        <p:tgtEl>
-                                          <p:spTgt spid="28"/>
-                                        </p:tgtEl>
-                                      </p:cBhvr>
-                                    </p:animEffect>
-                                  </p:childTnLst>
-                                </p:cTn>
-                              </p:par>
-                            </p:childTnLst>
-                          </p:cTn>
-                        </p:par>
-                        <p:par>
-                          <p:cTn id="17" fill="hold">
-                            <p:stCondLst>
-                              <p:cond delay="500"/>
-                            </p:stCondLst>
-                            <p:childTnLst>
-                              <p:par>
-                                <p:cTn id="18" presetID="12" presetClass="entr" presetSubtype="8" fill="hold" grpId="0" nodeType="afterEffect">
-                                  <p:stCondLst>
-                                    <p:cond delay="0"/>
-                                  </p:stCondLst>
-                                  <p:childTnLst>
-                                    <p:set>
-                                      <p:cBhvr>
-                                        <p:cTn id="19" dur="1" fill="hold">
-                                          <p:stCondLst>
-                                            <p:cond delay="0"/>
-                                          </p:stCondLst>
-                                        </p:cTn>
-                                        <p:tgtEl>
-                                          <p:spTgt spid="27"/>
-                                        </p:tgtEl>
-                                        <p:attrNameLst>
-                                          <p:attrName>style.visibility</p:attrName>
-                                        </p:attrNameLst>
-                                      </p:cBhvr>
-                                      <p:to>
-                                        <p:strVal val="visible"/>
-                                      </p:to>
-                                    </p:set>
-                                    <p:animEffect transition="in" filter="slide(fromLeft)">
-                                      <p:cBhvr>
-                                        <p:cTn id="20" dur="500"/>
-                                        <p:tgtEl>
-                                          <p:spTgt spid="27"/>
-                                        </p:tgtEl>
-                                      </p:cBhvr>
-                                    </p:animEffect>
-                                  </p:childTnLst>
-                                </p:cTn>
-                              </p:par>
-                            </p:childTnLst>
-                          </p:cTn>
-                        </p:par>
-                      </p:childTnLst>
-                    </p:cTn>
-                  </p:par>
-                </p:childTnLst>
-              </p:cTn>
-              <p:prevCondLst>
-                <p:cond evt="onPrev" delay="0">
-                  <p:tgtEl>
-                    <p:sldTgt/>
-                  </p:tgtEl>
-                </p:cond>
-              </p:prevCondLst>
-              <p:nextCondLst>
-                <p:cond evt="onNext" delay="0">
-                  <p:tgtEl>
-                    <p:sldTgt/>
-                  </p:tgtEl>
-                </p:cond>
-              </p:nextCondLst>
-            </p:seq>
-          </p:childTnLst>
-        </p:cTn>
+        <p:cTn id="1" dur="indefinite" restart="never" nodeType="tmRoot"/>
       </p:par>
     </p:tnLst>
-    <p:bldLst>
-      <p:bldP spid="24" grpId="0" animBg="1"/>
-      <p:bldP spid="26" grpId="0" animBg="1"/>
-      <p:bldP spid="27" grpId="0" animBg="1"/>
-      <p:bldP spid="28" grpId="0" animBg="1"/>
-    </p:bldLst>
+  </p:timing>
+</p:sld>
+</file>
+
+<file path=ppt/slides/slide15.xml><?xml version="1.0" encoding="utf-8"?>
+<p:sld xmlns:a="http://schemas.openxmlformats.org/drawingml/2006/main" xmlns:r="http://schemas.openxmlformats.org/officeDocument/2006/relationships" xmlns:p="http://schemas.openxmlformats.org/presentationml/2006/main">
+  <p:cSld>
+    <p:spTree>
+      <p:nvGrpSpPr>
+        <p:cNvPr id="1" name=""/>
+        <p:cNvGrpSpPr/>
+        <p:nvPr/>
+      </p:nvGrpSpPr>
+      <p:grpSpPr>
+        <a:xfrm>
+          <a:off x="0" y="0"/>
+          <a:ext cx="0" cy="0"/>
+          <a:chOff x="0" y="0"/>
+          <a:chExt cx="0" cy="0"/>
+        </a:xfrm>
+      </p:grpSpPr>
+      <p:sp>
+        <p:nvSpPr>
+          <p:cNvPr id="2" name="标题 1"/>
+          <p:cNvSpPr>
+            <a:spLocks noGrp="1"/>
+          </p:cNvSpPr>
+          <p:nvPr>
+            <p:ph type="title"/>
+          </p:nvPr>
+        </p:nvSpPr>
+        <p:spPr/>
+        <p:txBody>
+          <a:bodyPr/>
+          <a:lstStyle/>
+          <a:p>
+            <a:r>
+              <a:rPr lang="en-US" altLang="zh-CN" smtClean="0"/>
+              <a:t>2.1 LESS</a:t>
+            </a:r>
+            <a:r>
+              <a:rPr lang="zh-CN" altLang="en-US" smtClean="0"/>
+              <a:t>安装</a:t>
+            </a:r>
+            <a:endParaRPr lang="zh-CN" altLang="en-US" dirty="0"/>
+          </a:p>
+        </p:txBody>
+      </p:sp>
+      <p:sp>
+        <p:nvSpPr>
+          <p:cNvPr id="9" name="TextBox 4"/>
+          <p:cNvSpPr txBox="1"/>
+          <p:nvPr/>
+        </p:nvSpPr>
+        <p:spPr>
+          <a:xfrm>
+            <a:off x="4067944" y="1303187"/>
+            <a:ext cx="5472608" cy="1292662"/>
+          </a:xfrm>
+          <a:prstGeom prst="rect">
+            <a:avLst/>
+          </a:prstGeom>
+          <a:noFill/>
+        </p:spPr>
+        <p:txBody>
+          <a:bodyPr wrap="square" rtlCol="0">
+            <a:spAutoFit/>
+          </a:bodyPr>
+          <a:lstStyle/>
+          <a:p>
+            <a:pPr>
+              <a:lnSpc>
+                <a:spcPct val="150000"/>
+              </a:lnSpc>
+            </a:pPr>
+            <a:r>
+              <a:rPr lang="en-US" altLang="zh-CN" sz="2000" b="1" smtClean="0">
+                <a:solidFill>
+                  <a:srgbClr val="C0504D"/>
+                </a:solidFill>
+                <a:latin typeface="微软雅黑" pitchFamily="34" charset="-122"/>
+                <a:ea typeface="微软雅黑" pitchFamily="34" charset="-122"/>
+              </a:rPr>
+              <a:t>Nodejs</a:t>
+            </a:r>
+            <a:r>
+              <a:rPr lang="zh-CN" altLang="en-US" sz="2000" b="1" smtClean="0">
+                <a:solidFill>
+                  <a:srgbClr val="C0504D"/>
+                </a:solidFill>
+                <a:latin typeface="微软雅黑" pitchFamily="34" charset="-122"/>
+                <a:ea typeface="微软雅黑" pitchFamily="34" charset="-122"/>
+              </a:rPr>
+              <a:t>环境</a:t>
+            </a:r>
+            <a:r>
+              <a:rPr lang="zh-CN" altLang="en-US" sz="2000" b="1" smtClean="0">
+                <a:solidFill>
+                  <a:srgbClr val="C0504D"/>
+                </a:solidFill>
+                <a:latin typeface="微软雅黑" pitchFamily="34" charset="-122"/>
+                <a:ea typeface="微软雅黑" pitchFamily="34" charset="-122"/>
+              </a:rPr>
+              <a:t>：</a:t>
+            </a:r>
+            <a:endParaRPr lang="en-US" altLang="zh-CN" sz="2000" b="1" dirty="0" smtClean="0">
+              <a:solidFill>
+                <a:srgbClr val="C0504D"/>
+              </a:solidFill>
+              <a:latin typeface="微软雅黑" pitchFamily="34" charset="-122"/>
+              <a:ea typeface="微软雅黑" pitchFamily="34" charset="-122"/>
+            </a:endParaRPr>
+          </a:p>
+          <a:p>
+            <a:pPr marL="285750" indent="-285750">
+              <a:lnSpc>
+                <a:spcPct val="150000"/>
+              </a:lnSpc>
+              <a:buFont typeface="Arial" pitchFamily="34" charset="0"/>
+              <a:buChar char="•"/>
+            </a:pPr>
+            <a:r>
+              <a:rPr lang="zh-CN" altLang="en-US" sz="1600" smtClean="0">
+                <a:solidFill>
+                  <a:schemeClr val="tx1">
+                    <a:lumMod val="65000"/>
+                    <a:lumOff val="35000"/>
+                  </a:schemeClr>
+                </a:solidFill>
+                <a:latin typeface="微软雅黑" pitchFamily="34" charset="-122"/>
+                <a:ea typeface="微软雅黑" pitchFamily="34" charset="-122"/>
+              </a:rPr>
+              <a:t>推荐</a:t>
+            </a:r>
+            <a:r>
+              <a:rPr lang="en-US" altLang="zh-CN" sz="1600" smtClean="0">
+                <a:solidFill>
+                  <a:schemeClr val="tx1">
+                    <a:lumMod val="65000"/>
+                    <a:lumOff val="35000"/>
+                  </a:schemeClr>
+                </a:solidFill>
+                <a:latin typeface="微软雅黑" pitchFamily="34" charset="-122"/>
+                <a:ea typeface="微软雅黑" pitchFamily="34" charset="-122"/>
+              </a:rPr>
+              <a:t>1</a:t>
+            </a:r>
+            <a:r>
+              <a:rPr lang="zh-CN" altLang="en-US" sz="1600" smtClean="0">
+                <a:solidFill>
+                  <a:schemeClr val="tx1">
+                    <a:lumMod val="65000"/>
+                    <a:lumOff val="35000"/>
+                  </a:schemeClr>
+                </a:solidFill>
+                <a:latin typeface="微软雅黑" pitchFamily="34" charset="-122"/>
+                <a:ea typeface="微软雅黑" pitchFamily="34" charset="-122"/>
+              </a:rPr>
+              <a:t>：</a:t>
+            </a:r>
+            <a:r>
+              <a:rPr lang="zh-CN" altLang="en-US" sz="1400" smtClean="0">
+                <a:solidFill>
+                  <a:schemeClr val="tx1">
+                    <a:lumMod val="65000"/>
+                    <a:lumOff val="35000"/>
+                  </a:schemeClr>
+                </a:solidFill>
+                <a:latin typeface="微软雅黑" pitchFamily="34" charset="-122"/>
+                <a:ea typeface="微软雅黑" pitchFamily="34" charset="-122"/>
+              </a:rPr>
+              <a:t>使用</a:t>
+            </a:r>
+            <a:r>
+              <a:rPr lang="en-US" altLang="zh-CN" sz="1400" smtClean="0">
+                <a:solidFill>
+                  <a:schemeClr val="tx1">
+                    <a:lumMod val="65000"/>
+                    <a:lumOff val="35000"/>
+                  </a:schemeClr>
+                </a:solidFill>
+                <a:latin typeface="微软雅黑" pitchFamily="34" charset="-122"/>
+                <a:ea typeface="微软雅黑" pitchFamily="34" charset="-122"/>
+              </a:rPr>
+              <a:t>IDE</a:t>
+            </a:r>
+            <a:r>
+              <a:rPr lang="zh-CN" altLang="en-US" sz="1400" smtClean="0">
+                <a:solidFill>
+                  <a:schemeClr val="tx1">
+                    <a:lumMod val="65000"/>
+                    <a:lumOff val="35000"/>
+                  </a:schemeClr>
+                </a:solidFill>
+                <a:latin typeface="微软雅黑" pitchFamily="34" charset="-122"/>
+                <a:ea typeface="微软雅黑" pitchFamily="34" charset="-122"/>
+              </a:rPr>
+              <a:t>插件，例如：</a:t>
+            </a:r>
+            <a:r>
+              <a:rPr lang="en-US" altLang="zh-CN" sz="1400" smtClean="0">
+                <a:solidFill>
+                  <a:schemeClr val="tx1">
+                    <a:lumMod val="65000"/>
+                    <a:lumOff val="35000"/>
+                  </a:schemeClr>
+                </a:solidFill>
+                <a:latin typeface="微软雅黑" pitchFamily="34" charset="-122"/>
+                <a:ea typeface="微软雅黑" pitchFamily="34" charset="-122"/>
+              </a:rPr>
+              <a:t>sublimeText</a:t>
+            </a:r>
+            <a:r>
+              <a:rPr lang="zh-CN" altLang="en-US" sz="1400" smtClean="0">
+                <a:solidFill>
+                  <a:schemeClr val="tx1">
+                    <a:lumMod val="65000"/>
+                    <a:lumOff val="35000"/>
+                  </a:schemeClr>
+                </a:solidFill>
+                <a:latin typeface="微软雅黑" pitchFamily="34" charset="-122"/>
+                <a:ea typeface="微软雅黑" pitchFamily="34" charset="-122"/>
+              </a:rPr>
+              <a:t>的</a:t>
+            </a:r>
+            <a:r>
+              <a:rPr lang="en-US" altLang="zh-CN" sz="1400" smtClean="0">
+                <a:solidFill>
+                  <a:schemeClr val="tx1">
+                    <a:lumMod val="65000"/>
+                    <a:lumOff val="35000"/>
+                  </a:schemeClr>
+                </a:solidFill>
+                <a:latin typeface="微软雅黑" pitchFamily="34" charset="-122"/>
+                <a:ea typeface="微软雅黑" pitchFamily="34" charset="-122"/>
+              </a:rPr>
+              <a:t>less2css</a:t>
+            </a:r>
+            <a:r>
+              <a:rPr lang="zh-CN" altLang="en-US" sz="1400">
+                <a:solidFill>
+                  <a:schemeClr val="tx1">
+                    <a:lumMod val="65000"/>
+                    <a:lumOff val="35000"/>
+                  </a:schemeClr>
+                </a:solidFill>
+                <a:latin typeface="微软雅黑" pitchFamily="34" charset="-122"/>
+                <a:ea typeface="微软雅黑" pitchFamily="34" charset="-122"/>
+              </a:rPr>
+              <a:t>插件</a:t>
+            </a:r>
+            <a:endParaRPr lang="en-US" altLang="zh-CN" sz="1400" dirty="0">
+              <a:solidFill>
+                <a:schemeClr val="tx1">
+                  <a:lumMod val="65000"/>
+                  <a:lumOff val="35000"/>
+                </a:schemeClr>
+              </a:solidFill>
+              <a:latin typeface="微软雅黑" pitchFamily="34" charset="-122"/>
+              <a:ea typeface="微软雅黑" pitchFamily="34" charset="-122"/>
+            </a:endParaRPr>
+          </a:p>
+          <a:p>
+            <a:pPr marL="285750" indent="-285750">
+              <a:lnSpc>
+                <a:spcPct val="150000"/>
+              </a:lnSpc>
+              <a:buFont typeface="Arial" pitchFamily="34" charset="0"/>
+              <a:buChar char="•"/>
+            </a:pPr>
+            <a:r>
+              <a:rPr lang="zh-CN" altLang="en-US" sz="1600" smtClean="0">
+                <a:solidFill>
+                  <a:schemeClr val="tx1">
+                    <a:lumMod val="65000"/>
+                    <a:lumOff val="35000"/>
+                  </a:schemeClr>
+                </a:solidFill>
+                <a:latin typeface="微软雅黑" pitchFamily="34" charset="-122"/>
+                <a:ea typeface="微软雅黑" pitchFamily="34" charset="-122"/>
+              </a:rPr>
+              <a:t>推荐</a:t>
+            </a:r>
+            <a:r>
+              <a:rPr lang="en-US" altLang="zh-CN" sz="1600" smtClean="0">
+                <a:solidFill>
+                  <a:schemeClr val="tx1">
+                    <a:lumMod val="65000"/>
+                    <a:lumOff val="35000"/>
+                  </a:schemeClr>
+                </a:solidFill>
+                <a:latin typeface="微软雅黑" pitchFamily="34" charset="-122"/>
+                <a:ea typeface="微软雅黑" pitchFamily="34" charset="-122"/>
+              </a:rPr>
+              <a:t>2</a:t>
+            </a:r>
+            <a:r>
+              <a:rPr lang="zh-CN" altLang="en-US" sz="1600" smtClean="0">
+                <a:solidFill>
+                  <a:schemeClr val="tx1">
+                    <a:lumMod val="65000"/>
+                    <a:lumOff val="35000"/>
+                  </a:schemeClr>
+                </a:solidFill>
+                <a:latin typeface="微软雅黑" pitchFamily="34" charset="-122"/>
+                <a:ea typeface="微软雅黑" pitchFamily="34" charset="-122"/>
+              </a:rPr>
+              <a:t>：</a:t>
+            </a:r>
+            <a:r>
+              <a:rPr lang="zh-CN" altLang="en-US" sz="1400" smtClean="0">
+                <a:solidFill>
+                  <a:schemeClr val="tx1">
+                    <a:lumMod val="65000"/>
+                    <a:lumOff val="35000"/>
+                  </a:schemeClr>
+                </a:solidFill>
+                <a:latin typeface="微软雅黑" pitchFamily="34" charset="-122"/>
+                <a:ea typeface="微软雅黑" pitchFamily="34" charset="-122"/>
+              </a:rPr>
+              <a:t>使用打包工具</a:t>
+            </a:r>
+            <a:r>
+              <a:rPr lang="zh-CN" altLang="en-US" sz="1400">
+                <a:solidFill>
+                  <a:schemeClr val="tx1">
+                    <a:lumMod val="65000"/>
+                    <a:lumOff val="35000"/>
+                  </a:schemeClr>
+                </a:solidFill>
+                <a:latin typeface="微软雅黑" pitchFamily="34" charset="-122"/>
+                <a:ea typeface="微软雅黑" pitchFamily="34" charset="-122"/>
+              </a:rPr>
+              <a:t>，</a:t>
+            </a:r>
+            <a:r>
+              <a:rPr lang="zh-CN" altLang="en-US" sz="1400" smtClean="0">
+                <a:solidFill>
+                  <a:schemeClr val="tx1">
+                    <a:lumMod val="65000"/>
+                    <a:lumOff val="35000"/>
+                  </a:schemeClr>
+                </a:solidFill>
+                <a:latin typeface="微软雅黑" pitchFamily="34" charset="-122"/>
+                <a:ea typeface="微软雅黑" pitchFamily="34" charset="-122"/>
+              </a:rPr>
+              <a:t>例如：</a:t>
+            </a:r>
+            <a:r>
+              <a:rPr lang="en-US" altLang="zh-CN" sz="1400" smtClean="0">
+                <a:solidFill>
+                  <a:schemeClr val="tx1">
+                    <a:lumMod val="65000"/>
+                    <a:lumOff val="35000"/>
+                  </a:schemeClr>
+                </a:solidFill>
+                <a:latin typeface="微软雅黑" pitchFamily="34" charset="-122"/>
+                <a:ea typeface="微软雅黑" pitchFamily="34" charset="-122"/>
+              </a:rPr>
+              <a:t>webpack</a:t>
+            </a:r>
+            <a:r>
+              <a:rPr lang="zh-CN" altLang="en-US" sz="1400" smtClean="0">
+                <a:solidFill>
+                  <a:schemeClr val="tx1">
+                    <a:lumMod val="65000"/>
+                    <a:lumOff val="35000"/>
+                  </a:schemeClr>
+                </a:solidFill>
+                <a:latin typeface="微软雅黑" pitchFamily="34" charset="-122"/>
+                <a:ea typeface="微软雅黑" pitchFamily="34" charset="-122"/>
+              </a:rPr>
+              <a:t>的</a:t>
+            </a:r>
+            <a:r>
+              <a:rPr lang="en-US" altLang="zh-CN" sz="1400" smtClean="0">
+                <a:solidFill>
+                  <a:schemeClr val="tx1">
+                    <a:lumMod val="65000"/>
+                    <a:lumOff val="35000"/>
+                  </a:schemeClr>
+                </a:solidFill>
+                <a:latin typeface="微软雅黑" pitchFamily="34" charset="-122"/>
+                <a:ea typeface="微软雅黑" pitchFamily="34" charset="-122"/>
+              </a:rPr>
+              <a:t>less-loader</a:t>
+            </a:r>
+            <a:endParaRPr lang="zh-CN" altLang="en-US" sz="1400" dirty="0">
+              <a:solidFill>
+                <a:schemeClr val="tx1">
+                  <a:lumMod val="65000"/>
+                  <a:lumOff val="35000"/>
+                </a:schemeClr>
+              </a:solidFill>
+              <a:latin typeface="微软雅黑" pitchFamily="34" charset="-122"/>
+              <a:ea typeface="微软雅黑" pitchFamily="34" charset="-122"/>
+            </a:endParaRPr>
+          </a:p>
+        </p:txBody>
+      </p:sp>
+      <p:pic>
+        <p:nvPicPr>
+          <p:cNvPr id="11" name="图片 10"/>
+          <p:cNvPicPr>
+            <a:picLocks noChangeAspect="1"/>
+          </p:cNvPicPr>
+          <p:nvPr/>
+        </p:nvPicPr>
+        <p:blipFill>
+          <a:blip r:embed="rId3"/>
+          <a:stretch>
+            <a:fillRect/>
+          </a:stretch>
+        </p:blipFill>
+        <p:spPr>
+          <a:xfrm>
+            <a:off x="899592" y="1481291"/>
+            <a:ext cx="2994920" cy="1028789"/>
+          </a:xfrm>
+          <a:prstGeom prst="rect">
+            <a:avLst/>
+          </a:prstGeom>
+        </p:spPr>
+      </p:pic>
+      <p:sp>
+        <p:nvSpPr>
+          <p:cNvPr id="12" name="TextBox 4"/>
+          <p:cNvSpPr txBox="1"/>
+          <p:nvPr/>
+        </p:nvSpPr>
+        <p:spPr>
+          <a:xfrm>
+            <a:off x="884788" y="3042016"/>
+            <a:ext cx="6177980" cy="499624"/>
+          </a:xfrm>
+          <a:prstGeom prst="rect">
+            <a:avLst/>
+          </a:prstGeom>
+          <a:noFill/>
+        </p:spPr>
+        <p:txBody>
+          <a:bodyPr wrap="square" rtlCol="0">
+            <a:spAutoFit/>
+          </a:bodyPr>
+          <a:lstStyle/>
+          <a:p>
+            <a:pPr>
+              <a:lnSpc>
+                <a:spcPct val="150000"/>
+              </a:lnSpc>
+            </a:pPr>
+            <a:r>
+              <a:rPr lang="zh-CN" altLang="en-US" sz="2000" b="1" smtClean="0">
+                <a:solidFill>
+                  <a:srgbClr val="C0504D"/>
+                </a:solidFill>
+                <a:latin typeface="微软雅黑" pitchFamily="34" charset="-122"/>
+                <a:ea typeface="微软雅黑" pitchFamily="34" charset="-122"/>
+              </a:rPr>
+              <a:t>浏览器环境：不推荐</a:t>
+            </a:r>
+            <a:endParaRPr lang="en-US" altLang="zh-CN" sz="2000" b="1" dirty="0" smtClean="0">
+              <a:solidFill>
+                <a:srgbClr val="C0504D"/>
+              </a:solidFill>
+              <a:latin typeface="微软雅黑" pitchFamily="34" charset="-122"/>
+              <a:ea typeface="微软雅黑" pitchFamily="34" charset="-122"/>
+            </a:endParaRPr>
+          </a:p>
+        </p:txBody>
+      </p:sp>
+      <p:pic>
+        <p:nvPicPr>
+          <p:cNvPr id="4" name="图片 3"/>
+          <p:cNvPicPr>
+            <a:picLocks noChangeAspect="1"/>
+          </p:cNvPicPr>
+          <p:nvPr/>
+        </p:nvPicPr>
+        <p:blipFill>
+          <a:blip r:embed="rId4"/>
+          <a:stretch>
+            <a:fillRect/>
+          </a:stretch>
+        </p:blipFill>
+        <p:spPr>
+          <a:xfrm>
+            <a:off x="899592" y="3700472"/>
+            <a:ext cx="7087214" cy="1204064"/>
+          </a:xfrm>
+          <a:prstGeom prst="rect">
+            <a:avLst/>
+          </a:prstGeom>
+        </p:spPr>
+      </p:pic>
+    </p:spTree>
+    <p:extLst>
+      <p:ext uri="{BB962C8B-B14F-4D97-AF65-F5344CB8AC3E}">
+        <p14:creationId xmlns:p14="http://schemas.microsoft.com/office/powerpoint/2010/main" val="2241211838"/>
+      </p:ext>
+    </p:extLst>
+  </p:cSld>
+  <p:clrMapOvr>
+    <a:masterClrMapping/>
+  </p:clrMapOvr>
+  <p:timing>
+    <p:tnLst>
+      <p:par>
+        <p:cTn id="1" dur="indefinite" restart="never" nodeType="tmRoot"/>
+      </p:par>
+    </p:tnLst>
+  </p:timing>
+</p:sld>
+</file>
+
+<file path=ppt/slides/slide16.xml><?xml version="1.0" encoding="utf-8"?>
+<p:sld xmlns:a="http://schemas.openxmlformats.org/drawingml/2006/main" xmlns:r="http://schemas.openxmlformats.org/officeDocument/2006/relationships" xmlns:p="http://schemas.openxmlformats.org/presentationml/2006/main">
+  <p:cSld>
+    <p:spTree>
+      <p:nvGrpSpPr>
+        <p:cNvPr id="1" name=""/>
+        <p:cNvGrpSpPr/>
+        <p:nvPr/>
+      </p:nvGrpSpPr>
+      <p:grpSpPr>
+        <a:xfrm>
+          <a:off x="0" y="0"/>
+          <a:ext cx="0" cy="0"/>
+          <a:chOff x="0" y="0"/>
+          <a:chExt cx="0" cy="0"/>
+        </a:xfrm>
+      </p:grpSpPr>
+      <p:sp>
+        <p:nvSpPr>
+          <p:cNvPr id="2" name="标题 1"/>
+          <p:cNvSpPr>
+            <a:spLocks noGrp="1"/>
+          </p:cNvSpPr>
+          <p:nvPr>
+            <p:ph type="title"/>
+          </p:nvPr>
+        </p:nvSpPr>
+        <p:spPr/>
+        <p:txBody>
+          <a:bodyPr/>
+          <a:lstStyle/>
+          <a:p>
+            <a:r>
+              <a:rPr lang="en-US" altLang="zh-CN" smtClean="0"/>
+              <a:t>2.2 LESS</a:t>
+            </a:r>
+            <a:r>
+              <a:rPr lang="zh-CN" altLang="en-US" smtClean="0"/>
+              <a:t>特性</a:t>
+            </a:r>
+            <a:r>
+              <a:rPr lang="en-US" altLang="zh-CN" smtClean="0"/>
+              <a:t>---</a:t>
+            </a:r>
+            <a:r>
+              <a:rPr lang="zh-CN" altLang="en-US" smtClean="0"/>
+              <a:t>变量</a:t>
+            </a:r>
+            <a:endParaRPr lang="zh-CN" altLang="en-US" dirty="0"/>
+          </a:p>
+        </p:txBody>
+      </p:sp>
+      <p:grpSp>
+        <p:nvGrpSpPr>
+          <p:cNvPr id="22" name="组合 21"/>
+          <p:cNvGrpSpPr/>
+          <p:nvPr/>
+        </p:nvGrpSpPr>
+        <p:grpSpPr>
+          <a:xfrm>
+            <a:off x="4499992" y="906027"/>
+            <a:ext cx="3744416" cy="507831"/>
+            <a:chOff x="4499992" y="906027"/>
+            <a:chExt cx="3744416" cy="507831"/>
+          </a:xfrm>
+        </p:grpSpPr>
+        <p:cxnSp>
+          <p:nvCxnSpPr>
+            <p:cNvPr id="8" name="直接连接符 7"/>
+            <p:cNvCxnSpPr/>
+            <p:nvPr/>
+          </p:nvCxnSpPr>
+          <p:spPr>
+            <a:xfrm>
+              <a:off x="4557337" y="1404958"/>
+              <a:ext cx="3687071" cy="6626"/>
+            </a:xfrm>
+            <a:prstGeom prst="line">
+              <a:avLst/>
+            </a:prstGeom>
+            <a:ln w="12700">
+              <a:solidFill>
+                <a:srgbClr val="C0504D"/>
+              </a:solidFill>
+              <a:headEnd type="none" w="med" len="med"/>
+              <a:tailEnd type="none" w="med" len="med"/>
+            </a:ln>
+          </p:spPr>
+          <p:style>
+            <a:lnRef idx="1">
+              <a:schemeClr val="accent1"/>
+            </a:lnRef>
+            <a:fillRef idx="0">
+              <a:schemeClr val="accent1"/>
+            </a:fillRef>
+            <a:effectRef idx="0">
+              <a:schemeClr val="accent1"/>
+            </a:effectRef>
+            <a:fontRef idx="minor">
+              <a:schemeClr val="tx1"/>
+            </a:fontRef>
+          </p:style>
+        </p:cxnSp>
+        <p:sp>
+          <p:nvSpPr>
+            <p:cNvPr id="10" name="矩形 9"/>
+            <p:cNvSpPr/>
+            <p:nvPr/>
+          </p:nvSpPr>
+          <p:spPr>
+            <a:xfrm>
+              <a:off x="4499992" y="906027"/>
+              <a:ext cx="3744416" cy="507831"/>
+            </a:xfrm>
+            <a:prstGeom prst="rect">
+              <a:avLst/>
+            </a:prstGeom>
+          </p:spPr>
+          <p:txBody>
+            <a:bodyPr wrap="square">
+              <a:spAutoFit/>
+            </a:bodyPr>
+            <a:lstStyle/>
+            <a:p>
+              <a:pPr algn="ctr">
+                <a:lnSpc>
+                  <a:spcPct val="150000"/>
+                </a:lnSpc>
+              </a:pPr>
+              <a:r>
+                <a:rPr lang="zh-CN" altLang="en-US" b="1" smtClean="0">
+                  <a:solidFill>
+                    <a:srgbClr val="C0504D"/>
+                  </a:solidFill>
+                  <a:latin typeface="微软雅黑" pitchFamily="34" charset="-122"/>
+                  <a:ea typeface="微软雅黑" pitchFamily="34" charset="-122"/>
+                </a:rPr>
+                <a:t>例</a:t>
+              </a:r>
+              <a:r>
+                <a:rPr lang="en-US" altLang="zh-CN" b="1" smtClean="0">
+                  <a:solidFill>
+                    <a:srgbClr val="C0504D"/>
+                  </a:solidFill>
+                  <a:latin typeface="微软雅黑" pitchFamily="34" charset="-122"/>
+                  <a:ea typeface="微软雅黑" pitchFamily="34" charset="-122"/>
+                </a:rPr>
+                <a:t>2</a:t>
+              </a:r>
+              <a:r>
+                <a:rPr lang="zh-CN" altLang="en-US" b="1" smtClean="0">
+                  <a:solidFill>
+                    <a:srgbClr val="C0504D"/>
+                  </a:solidFill>
+                  <a:latin typeface="微软雅黑" pitchFamily="34" charset="-122"/>
+                  <a:ea typeface="微软雅黑" pitchFamily="34" charset="-122"/>
+                </a:rPr>
+                <a:t>：替换其它</a:t>
+              </a:r>
+              <a:endParaRPr lang="en-US" altLang="zh-CN" b="1" dirty="0">
+                <a:solidFill>
+                  <a:srgbClr val="C0504D"/>
+                </a:solidFill>
+                <a:latin typeface="微软雅黑" pitchFamily="34" charset="-122"/>
+                <a:ea typeface="微软雅黑" pitchFamily="34" charset="-122"/>
+              </a:endParaRPr>
+            </a:p>
+          </p:txBody>
+        </p:sp>
+      </p:grpSp>
+      <p:grpSp>
+        <p:nvGrpSpPr>
+          <p:cNvPr id="21" name="组合 20"/>
+          <p:cNvGrpSpPr/>
+          <p:nvPr/>
+        </p:nvGrpSpPr>
+        <p:grpSpPr>
+          <a:xfrm>
+            <a:off x="637450" y="915566"/>
+            <a:ext cx="3600400" cy="507831"/>
+            <a:chOff x="637450" y="915566"/>
+            <a:chExt cx="3600400" cy="507831"/>
+          </a:xfrm>
+        </p:grpSpPr>
+        <p:cxnSp>
+          <p:nvCxnSpPr>
+            <p:cNvPr id="7" name="直接连接符 6"/>
+            <p:cNvCxnSpPr/>
+            <p:nvPr/>
+          </p:nvCxnSpPr>
+          <p:spPr>
+            <a:xfrm flipV="1">
+              <a:off x="637450" y="1404958"/>
+              <a:ext cx="3600400" cy="6626"/>
+            </a:xfrm>
+            <a:prstGeom prst="line">
+              <a:avLst/>
+            </a:prstGeom>
+            <a:ln w="12700">
+              <a:solidFill>
+                <a:schemeClr val="bg1">
+                  <a:lumMod val="65000"/>
+                </a:schemeClr>
+              </a:solidFill>
+              <a:headEnd type="none" w="med" len="med"/>
+              <a:tailEnd type="none" w="med" len="med"/>
+            </a:ln>
+          </p:spPr>
+          <p:style>
+            <a:lnRef idx="1">
+              <a:schemeClr val="accent1"/>
+            </a:lnRef>
+            <a:fillRef idx="0">
+              <a:schemeClr val="accent1"/>
+            </a:fillRef>
+            <a:effectRef idx="0">
+              <a:schemeClr val="accent1"/>
+            </a:effectRef>
+            <a:fontRef idx="minor">
+              <a:schemeClr val="tx1"/>
+            </a:fontRef>
+          </p:style>
+        </p:cxnSp>
+        <p:sp>
+          <p:nvSpPr>
+            <p:cNvPr id="13" name="矩形 12"/>
+            <p:cNvSpPr/>
+            <p:nvPr/>
+          </p:nvSpPr>
+          <p:spPr>
+            <a:xfrm>
+              <a:off x="637450" y="915566"/>
+              <a:ext cx="3600399" cy="507831"/>
+            </a:xfrm>
+            <a:prstGeom prst="rect">
+              <a:avLst/>
+            </a:prstGeom>
+          </p:spPr>
+          <p:txBody>
+            <a:bodyPr wrap="square">
+              <a:spAutoFit/>
+            </a:bodyPr>
+            <a:lstStyle/>
+            <a:p>
+              <a:pPr algn="ctr">
+                <a:lnSpc>
+                  <a:spcPct val="150000"/>
+                </a:lnSpc>
+              </a:pPr>
+              <a:r>
+                <a:rPr lang="zh-CN" altLang="en-US" b="1" smtClean="0">
+                  <a:solidFill>
+                    <a:schemeClr val="bg1">
+                      <a:lumMod val="65000"/>
+                    </a:schemeClr>
+                  </a:solidFill>
+                  <a:latin typeface="微软雅黑" pitchFamily="34" charset="-122"/>
+                  <a:ea typeface="微软雅黑" pitchFamily="34" charset="-122"/>
+                </a:rPr>
+                <a:t>例</a:t>
+              </a:r>
+              <a:r>
+                <a:rPr lang="en-US" altLang="zh-CN" b="1" smtClean="0">
+                  <a:solidFill>
+                    <a:schemeClr val="bg1">
+                      <a:lumMod val="65000"/>
+                    </a:schemeClr>
+                  </a:solidFill>
+                  <a:latin typeface="微软雅黑" pitchFamily="34" charset="-122"/>
+                  <a:ea typeface="微软雅黑" pitchFamily="34" charset="-122"/>
+                </a:rPr>
+                <a:t>1</a:t>
+              </a:r>
+              <a:r>
+                <a:rPr lang="zh-CN" altLang="en-US" b="1" smtClean="0">
+                  <a:solidFill>
+                    <a:schemeClr val="bg1">
+                      <a:lumMod val="65000"/>
+                    </a:schemeClr>
+                  </a:solidFill>
+                  <a:latin typeface="微软雅黑" pitchFamily="34" charset="-122"/>
+                  <a:ea typeface="微软雅黑" pitchFamily="34" charset="-122"/>
+                </a:rPr>
+                <a:t>：替换值</a:t>
+              </a:r>
+              <a:endParaRPr lang="en-US" altLang="zh-CN" b="1" dirty="0">
+                <a:solidFill>
+                  <a:schemeClr val="bg1">
+                    <a:lumMod val="65000"/>
+                  </a:schemeClr>
+                </a:solidFill>
+                <a:latin typeface="微软雅黑" pitchFamily="34" charset="-122"/>
+                <a:ea typeface="微软雅黑" pitchFamily="34" charset="-122"/>
+              </a:endParaRPr>
+            </a:p>
+          </p:txBody>
+        </p:sp>
+      </p:grpSp>
+      <p:grpSp>
+        <p:nvGrpSpPr>
+          <p:cNvPr id="23" name="组合 22"/>
+          <p:cNvGrpSpPr/>
+          <p:nvPr/>
+        </p:nvGrpSpPr>
+        <p:grpSpPr>
+          <a:xfrm>
+            <a:off x="637450" y="2711991"/>
+            <a:ext cx="3744416" cy="507831"/>
+            <a:chOff x="637450" y="2711991"/>
+            <a:chExt cx="3744416" cy="507831"/>
+          </a:xfrm>
+        </p:grpSpPr>
+        <p:cxnSp>
+          <p:nvCxnSpPr>
+            <p:cNvPr id="14" name="直接连接符 13"/>
+            <p:cNvCxnSpPr/>
+            <p:nvPr/>
+          </p:nvCxnSpPr>
+          <p:spPr>
+            <a:xfrm>
+              <a:off x="694795" y="3210922"/>
+              <a:ext cx="3687071" cy="6626"/>
+            </a:xfrm>
+            <a:prstGeom prst="line">
+              <a:avLst/>
+            </a:prstGeom>
+            <a:ln w="12700">
+              <a:solidFill>
+                <a:srgbClr val="C0504D"/>
+              </a:solidFill>
+              <a:headEnd type="none" w="med" len="med"/>
+              <a:tailEnd type="none" w="med" len="med"/>
+            </a:ln>
+          </p:spPr>
+          <p:style>
+            <a:lnRef idx="1">
+              <a:schemeClr val="accent1"/>
+            </a:lnRef>
+            <a:fillRef idx="0">
+              <a:schemeClr val="accent1"/>
+            </a:fillRef>
+            <a:effectRef idx="0">
+              <a:schemeClr val="accent1"/>
+            </a:effectRef>
+            <a:fontRef idx="minor">
+              <a:schemeClr val="tx1"/>
+            </a:fontRef>
+          </p:style>
+        </p:cxnSp>
+        <p:sp>
+          <p:nvSpPr>
+            <p:cNvPr id="15" name="矩形 14"/>
+            <p:cNvSpPr/>
+            <p:nvPr/>
+          </p:nvSpPr>
+          <p:spPr>
+            <a:xfrm>
+              <a:off x="637450" y="2711991"/>
+              <a:ext cx="3744416" cy="507831"/>
+            </a:xfrm>
+            <a:prstGeom prst="rect">
+              <a:avLst/>
+            </a:prstGeom>
+          </p:spPr>
+          <p:txBody>
+            <a:bodyPr wrap="square">
+              <a:spAutoFit/>
+            </a:bodyPr>
+            <a:lstStyle/>
+            <a:p>
+              <a:pPr algn="ctr">
+                <a:lnSpc>
+                  <a:spcPct val="150000"/>
+                </a:lnSpc>
+              </a:pPr>
+              <a:r>
+                <a:rPr lang="zh-CN" altLang="en-US" b="1">
+                  <a:solidFill>
+                    <a:srgbClr val="C0504D"/>
+                  </a:solidFill>
+                  <a:latin typeface="微软雅黑" pitchFamily="34" charset="-122"/>
+                  <a:ea typeface="微软雅黑" pitchFamily="34" charset="-122"/>
+                </a:rPr>
+                <a:t>例</a:t>
+              </a:r>
+              <a:r>
+                <a:rPr lang="en-US" altLang="zh-CN" b="1">
+                  <a:solidFill>
+                    <a:srgbClr val="C0504D"/>
+                  </a:solidFill>
+                  <a:latin typeface="微软雅黑" pitchFamily="34" charset="-122"/>
+                  <a:ea typeface="微软雅黑" pitchFamily="34" charset="-122"/>
+                </a:rPr>
+                <a:t>3</a:t>
+              </a:r>
+              <a:r>
+                <a:rPr lang="zh-CN" altLang="en-US" b="1" smtClean="0">
+                  <a:solidFill>
+                    <a:srgbClr val="C0504D"/>
+                  </a:solidFill>
+                  <a:latin typeface="微软雅黑" pitchFamily="34" charset="-122"/>
+                  <a:ea typeface="微软雅黑" pitchFamily="34" charset="-122"/>
+                </a:rPr>
+                <a:t>：延迟加载</a:t>
+              </a:r>
+              <a:r>
+                <a:rPr lang="en-US" altLang="zh-CN" b="1" smtClean="0">
+                  <a:solidFill>
+                    <a:srgbClr val="C0504D"/>
+                  </a:solidFill>
+                  <a:latin typeface="微软雅黑" pitchFamily="34" charset="-122"/>
+                  <a:ea typeface="微软雅黑" pitchFamily="34" charset="-122"/>
+                </a:rPr>
+                <a:t>/</a:t>
+              </a:r>
+              <a:r>
+                <a:rPr lang="zh-CN" altLang="en-US" b="1" smtClean="0">
+                  <a:solidFill>
+                    <a:srgbClr val="C0504D"/>
+                  </a:solidFill>
+                  <a:latin typeface="微软雅黑" pitchFamily="34" charset="-122"/>
+                  <a:ea typeface="微软雅黑" pitchFamily="34" charset="-122"/>
+                </a:rPr>
+                <a:t>懒加载</a:t>
+              </a:r>
+              <a:endParaRPr lang="en-US" altLang="zh-CN" b="1" dirty="0">
+                <a:solidFill>
+                  <a:srgbClr val="C0504D"/>
+                </a:solidFill>
+                <a:latin typeface="微软雅黑" pitchFamily="34" charset="-122"/>
+                <a:ea typeface="微软雅黑" pitchFamily="34" charset="-122"/>
+              </a:endParaRPr>
+            </a:p>
+          </p:txBody>
+        </p:sp>
+      </p:grpSp>
+      <p:grpSp>
+        <p:nvGrpSpPr>
+          <p:cNvPr id="24" name="组合 23"/>
+          <p:cNvGrpSpPr/>
+          <p:nvPr/>
+        </p:nvGrpSpPr>
+        <p:grpSpPr>
+          <a:xfrm>
+            <a:off x="4655837" y="2711991"/>
+            <a:ext cx="3600400" cy="507831"/>
+            <a:chOff x="4655837" y="2711991"/>
+            <a:chExt cx="3600400" cy="507831"/>
+          </a:xfrm>
+        </p:grpSpPr>
+        <p:cxnSp>
+          <p:nvCxnSpPr>
+            <p:cNvPr id="16" name="直接连接符 15"/>
+            <p:cNvCxnSpPr/>
+            <p:nvPr/>
+          </p:nvCxnSpPr>
+          <p:spPr>
+            <a:xfrm flipV="1">
+              <a:off x="4655837" y="3201383"/>
+              <a:ext cx="3600400" cy="6626"/>
+            </a:xfrm>
+            <a:prstGeom prst="line">
+              <a:avLst/>
+            </a:prstGeom>
+            <a:ln w="12700">
+              <a:solidFill>
+                <a:schemeClr val="bg1">
+                  <a:lumMod val="65000"/>
+                </a:schemeClr>
+              </a:solidFill>
+              <a:headEnd type="none" w="med" len="med"/>
+              <a:tailEnd type="none" w="med" len="med"/>
+            </a:ln>
+          </p:spPr>
+          <p:style>
+            <a:lnRef idx="1">
+              <a:schemeClr val="accent1"/>
+            </a:lnRef>
+            <a:fillRef idx="0">
+              <a:schemeClr val="accent1"/>
+            </a:fillRef>
+            <a:effectRef idx="0">
+              <a:schemeClr val="accent1"/>
+            </a:effectRef>
+            <a:fontRef idx="minor">
+              <a:schemeClr val="tx1"/>
+            </a:fontRef>
+          </p:style>
+        </p:cxnSp>
+        <p:sp>
+          <p:nvSpPr>
+            <p:cNvPr id="17" name="矩形 16"/>
+            <p:cNvSpPr/>
+            <p:nvPr/>
+          </p:nvSpPr>
+          <p:spPr>
+            <a:xfrm>
+              <a:off x="4655837" y="2711991"/>
+              <a:ext cx="3600399" cy="507831"/>
+            </a:xfrm>
+            <a:prstGeom prst="rect">
+              <a:avLst/>
+            </a:prstGeom>
+          </p:spPr>
+          <p:txBody>
+            <a:bodyPr wrap="square">
+              <a:spAutoFit/>
+            </a:bodyPr>
+            <a:lstStyle/>
+            <a:p>
+              <a:pPr algn="ctr">
+                <a:lnSpc>
+                  <a:spcPct val="150000"/>
+                </a:lnSpc>
+              </a:pPr>
+              <a:r>
+                <a:rPr lang="zh-CN" altLang="en-US" b="1" smtClean="0">
+                  <a:solidFill>
+                    <a:schemeClr val="bg1">
+                      <a:lumMod val="65000"/>
+                    </a:schemeClr>
+                  </a:solidFill>
+                  <a:latin typeface="微软雅黑" pitchFamily="34" charset="-122"/>
+                  <a:ea typeface="微软雅黑" pitchFamily="34" charset="-122"/>
+                </a:rPr>
+                <a:t>例</a:t>
+              </a:r>
+              <a:r>
+                <a:rPr lang="en-US" altLang="zh-CN" b="1" smtClean="0">
+                  <a:solidFill>
+                    <a:schemeClr val="bg1">
+                      <a:lumMod val="65000"/>
+                    </a:schemeClr>
+                  </a:solidFill>
+                  <a:latin typeface="微软雅黑" pitchFamily="34" charset="-122"/>
+                  <a:ea typeface="微软雅黑" pitchFamily="34" charset="-122"/>
+                </a:rPr>
+                <a:t>4</a:t>
+              </a:r>
+              <a:r>
+                <a:rPr lang="zh-CN" altLang="en-US" b="1" smtClean="0">
+                  <a:solidFill>
+                    <a:schemeClr val="bg1">
+                      <a:lumMod val="65000"/>
+                    </a:schemeClr>
+                  </a:solidFill>
+                  <a:latin typeface="微软雅黑" pitchFamily="34" charset="-122"/>
+                  <a:ea typeface="微软雅黑" pitchFamily="34" charset="-122"/>
+                </a:rPr>
+                <a:t>：懒加载使用场景</a:t>
+              </a:r>
+              <a:endParaRPr lang="en-US" altLang="zh-CN" b="1" dirty="0">
+                <a:solidFill>
+                  <a:schemeClr val="bg1">
+                    <a:lumMod val="65000"/>
+                  </a:schemeClr>
+                </a:solidFill>
+                <a:latin typeface="微软雅黑" pitchFamily="34" charset="-122"/>
+                <a:ea typeface="微软雅黑" pitchFamily="34" charset="-122"/>
+              </a:endParaRPr>
+            </a:p>
+          </p:txBody>
+        </p:sp>
+      </p:grpSp>
+      <p:pic>
+        <p:nvPicPr>
+          <p:cNvPr id="3" name="图片 2"/>
+          <p:cNvPicPr>
+            <a:picLocks noChangeAspect="1"/>
+          </p:cNvPicPr>
+          <p:nvPr/>
+        </p:nvPicPr>
+        <p:blipFill>
+          <a:blip r:embed="rId3"/>
+          <a:stretch>
+            <a:fillRect/>
+          </a:stretch>
+        </p:blipFill>
+        <p:spPr>
+          <a:xfrm>
+            <a:off x="853474" y="1507292"/>
+            <a:ext cx="1399504" cy="992376"/>
+          </a:xfrm>
+          <a:prstGeom prst="rect">
+            <a:avLst/>
+          </a:prstGeom>
+        </p:spPr>
+      </p:pic>
+      <p:pic>
+        <p:nvPicPr>
+          <p:cNvPr id="6" name="图片 5"/>
+          <p:cNvPicPr>
+            <a:picLocks noChangeAspect="1"/>
+          </p:cNvPicPr>
+          <p:nvPr/>
+        </p:nvPicPr>
+        <p:blipFill>
+          <a:blip r:embed="rId4"/>
+          <a:stretch>
+            <a:fillRect/>
+          </a:stretch>
+        </p:blipFill>
+        <p:spPr>
+          <a:xfrm>
+            <a:off x="2437649" y="1491630"/>
+            <a:ext cx="1591626" cy="1105457"/>
+          </a:xfrm>
+          <a:prstGeom prst="rect">
+            <a:avLst/>
+          </a:prstGeom>
+        </p:spPr>
+      </p:pic>
+      <p:pic>
+        <p:nvPicPr>
+          <p:cNvPr id="18" name="图片 17"/>
+          <p:cNvPicPr>
+            <a:picLocks noChangeAspect="1"/>
+          </p:cNvPicPr>
+          <p:nvPr/>
+        </p:nvPicPr>
+        <p:blipFill>
+          <a:blip r:embed="rId5"/>
+          <a:stretch>
+            <a:fillRect/>
+          </a:stretch>
+        </p:blipFill>
+        <p:spPr>
+          <a:xfrm>
+            <a:off x="5364088" y="1543879"/>
+            <a:ext cx="2250219" cy="1171887"/>
+          </a:xfrm>
+          <a:prstGeom prst="rect">
+            <a:avLst/>
+          </a:prstGeom>
+        </p:spPr>
+      </p:pic>
+      <p:pic>
+        <p:nvPicPr>
+          <p:cNvPr id="19" name="图片 18"/>
+          <p:cNvPicPr>
+            <a:picLocks noChangeAspect="1"/>
+          </p:cNvPicPr>
+          <p:nvPr/>
+        </p:nvPicPr>
+        <p:blipFill>
+          <a:blip r:embed="rId6"/>
+          <a:stretch>
+            <a:fillRect/>
+          </a:stretch>
+        </p:blipFill>
+        <p:spPr>
+          <a:xfrm>
+            <a:off x="1115616" y="3334726"/>
+            <a:ext cx="2854430" cy="1562679"/>
+          </a:xfrm>
+          <a:prstGeom prst="rect">
+            <a:avLst/>
+          </a:prstGeom>
+        </p:spPr>
+      </p:pic>
+      <p:pic>
+        <p:nvPicPr>
+          <p:cNvPr id="20" name="图片 19"/>
+          <p:cNvPicPr>
+            <a:picLocks noChangeAspect="1"/>
+          </p:cNvPicPr>
+          <p:nvPr/>
+        </p:nvPicPr>
+        <p:blipFill>
+          <a:blip r:embed="rId7"/>
+          <a:stretch>
+            <a:fillRect/>
+          </a:stretch>
+        </p:blipFill>
+        <p:spPr>
+          <a:xfrm>
+            <a:off x="5076056" y="3334726"/>
+            <a:ext cx="2996722" cy="1562679"/>
+          </a:xfrm>
+          <a:prstGeom prst="rect">
+            <a:avLst/>
+          </a:prstGeom>
+        </p:spPr>
+      </p:pic>
+    </p:spTree>
+    <p:extLst>
+      <p:ext uri="{BB962C8B-B14F-4D97-AF65-F5344CB8AC3E}">
+        <p14:creationId xmlns:p14="http://schemas.microsoft.com/office/powerpoint/2010/main" val="3769566529"/>
+      </p:ext>
+    </p:extLst>
+  </p:cSld>
+  <p:clrMapOvr>
+    <a:masterClrMapping/>
+  </p:clrMapOvr>
+  <p:timing>
+    <p:tnLst>
+      <p:par>
+        <p:cTn id="1" dur="indefinite" restart="never" nodeType="tmRoot"/>
+      </p:par>
+    </p:tnLst>
+  </p:timing>
+</p:sld>
+</file>
+
+<file path=ppt/slides/slide17.xml><?xml version="1.0" encoding="utf-8"?>
+<p:sld xmlns:a="http://schemas.openxmlformats.org/drawingml/2006/main" xmlns:r="http://schemas.openxmlformats.org/officeDocument/2006/relationships" xmlns:p="http://schemas.openxmlformats.org/presentationml/2006/main">
+  <p:cSld>
+    <p:spTree>
+      <p:nvGrpSpPr>
+        <p:cNvPr id="1" name=""/>
+        <p:cNvGrpSpPr/>
+        <p:nvPr/>
+      </p:nvGrpSpPr>
+      <p:grpSpPr>
+        <a:xfrm>
+          <a:off x="0" y="0"/>
+          <a:ext cx="0" cy="0"/>
+          <a:chOff x="0" y="0"/>
+          <a:chExt cx="0" cy="0"/>
+        </a:xfrm>
+      </p:grpSpPr>
+      <p:sp>
+        <p:nvSpPr>
+          <p:cNvPr id="2" name="标题 1"/>
+          <p:cNvSpPr>
+            <a:spLocks noGrp="1"/>
+          </p:cNvSpPr>
+          <p:nvPr>
+            <p:ph type="title"/>
+          </p:nvPr>
+        </p:nvSpPr>
+        <p:spPr/>
+        <p:txBody>
+          <a:bodyPr/>
+          <a:lstStyle/>
+          <a:p>
+            <a:r>
+              <a:rPr lang="en-US" altLang="zh-CN" smtClean="0"/>
+              <a:t>2.3 LESS</a:t>
+            </a:r>
+            <a:r>
+              <a:rPr lang="zh-CN" altLang="en-US" smtClean="0"/>
+              <a:t>特性</a:t>
+            </a:r>
+            <a:r>
+              <a:rPr lang="en-US" altLang="zh-CN" smtClean="0"/>
+              <a:t>---</a:t>
+            </a:r>
+            <a:r>
+              <a:rPr lang="zh-CN" altLang="en-US" smtClean="0"/>
+              <a:t>嵌套</a:t>
+            </a:r>
+            <a:endParaRPr lang="zh-CN" altLang="en-US" dirty="0"/>
+          </a:p>
+        </p:txBody>
+      </p:sp>
+      <p:grpSp>
+        <p:nvGrpSpPr>
+          <p:cNvPr id="5" name="组合 4"/>
+          <p:cNvGrpSpPr/>
+          <p:nvPr/>
+        </p:nvGrpSpPr>
+        <p:grpSpPr>
+          <a:xfrm>
+            <a:off x="694795" y="843558"/>
+            <a:ext cx="3744416" cy="507831"/>
+            <a:chOff x="694795" y="843558"/>
+            <a:chExt cx="3744416" cy="507831"/>
+          </a:xfrm>
+        </p:grpSpPr>
+        <p:cxnSp>
+          <p:nvCxnSpPr>
+            <p:cNvPr id="8" name="直接连接符 7"/>
+            <p:cNvCxnSpPr/>
+            <p:nvPr/>
+          </p:nvCxnSpPr>
+          <p:spPr>
+            <a:xfrm>
+              <a:off x="752140" y="1342489"/>
+              <a:ext cx="3687071" cy="6626"/>
+            </a:xfrm>
+            <a:prstGeom prst="line">
+              <a:avLst/>
+            </a:prstGeom>
+            <a:ln w="12700">
+              <a:solidFill>
+                <a:srgbClr val="C0504D"/>
+              </a:solidFill>
+              <a:headEnd type="none" w="med" len="med"/>
+              <a:tailEnd type="none" w="med" len="med"/>
+            </a:ln>
+          </p:spPr>
+          <p:style>
+            <a:lnRef idx="1">
+              <a:schemeClr val="accent1"/>
+            </a:lnRef>
+            <a:fillRef idx="0">
+              <a:schemeClr val="accent1"/>
+            </a:fillRef>
+            <a:effectRef idx="0">
+              <a:schemeClr val="accent1"/>
+            </a:effectRef>
+            <a:fontRef idx="minor">
+              <a:schemeClr val="tx1"/>
+            </a:fontRef>
+          </p:style>
+        </p:cxnSp>
+        <p:sp>
+          <p:nvSpPr>
+            <p:cNvPr id="10" name="矩形 9"/>
+            <p:cNvSpPr/>
+            <p:nvPr/>
+          </p:nvSpPr>
+          <p:spPr>
+            <a:xfrm>
+              <a:off x="694795" y="843558"/>
+              <a:ext cx="3744416" cy="507831"/>
+            </a:xfrm>
+            <a:prstGeom prst="rect">
+              <a:avLst/>
+            </a:prstGeom>
+          </p:spPr>
+          <p:txBody>
+            <a:bodyPr wrap="square">
+              <a:spAutoFit/>
+            </a:bodyPr>
+            <a:lstStyle/>
+            <a:p>
+              <a:pPr algn="ctr">
+                <a:lnSpc>
+                  <a:spcPct val="150000"/>
+                </a:lnSpc>
+              </a:pPr>
+              <a:r>
+                <a:rPr lang="zh-CN" altLang="en-US" b="1" smtClean="0">
+                  <a:solidFill>
+                    <a:srgbClr val="C0504D"/>
+                  </a:solidFill>
+                  <a:latin typeface="微软雅黑" pitchFamily="34" charset="-122"/>
+                  <a:ea typeface="微软雅黑" pitchFamily="34" charset="-122"/>
+                </a:rPr>
+                <a:t>例</a:t>
+              </a:r>
+              <a:r>
+                <a:rPr lang="en-US" altLang="zh-CN" b="1">
+                  <a:solidFill>
+                    <a:srgbClr val="C0504D"/>
+                  </a:solidFill>
+                  <a:latin typeface="微软雅黑" pitchFamily="34" charset="-122"/>
+                  <a:ea typeface="微软雅黑" pitchFamily="34" charset="-122"/>
+                </a:rPr>
+                <a:t>1</a:t>
+              </a:r>
+              <a:r>
+                <a:rPr lang="zh-CN" altLang="en-US" b="1" smtClean="0">
+                  <a:solidFill>
+                    <a:srgbClr val="C0504D"/>
+                  </a:solidFill>
+                  <a:latin typeface="微软雅黑" pitchFamily="34" charset="-122"/>
+                  <a:ea typeface="微软雅黑" pitchFamily="34" charset="-122"/>
+                </a:rPr>
+                <a:t>：基本使用</a:t>
+              </a:r>
+              <a:endParaRPr lang="en-US" altLang="zh-CN" b="1" dirty="0">
+                <a:solidFill>
+                  <a:srgbClr val="C0504D"/>
+                </a:solidFill>
+                <a:latin typeface="微软雅黑" pitchFamily="34" charset="-122"/>
+                <a:ea typeface="微软雅黑" pitchFamily="34" charset="-122"/>
+              </a:endParaRPr>
+            </a:p>
+          </p:txBody>
+        </p:sp>
+      </p:grpSp>
+      <p:grpSp>
+        <p:nvGrpSpPr>
+          <p:cNvPr id="4" name="组合 3"/>
+          <p:cNvGrpSpPr/>
+          <p:nvPr/>
+        </p:nvGrpSpPr>
+        <p:grpSpPr>
+          <a:xfrm>
+            <a:off x="4788024" y="843558"/>
+            <a:ext cx="3600400" cy="507831"/>
+            <a:chOff x="4788024" y="843558"/>
+            <a:chExt cx="3600400" cy="507831"/>
+          </a:xfrm>
+        </p:grpSpPr>
+        <p:cxnSp>
+          <p:nvCxnSpPr>
+            <p:cNvPr id="7" name="直接连接符 6"/>
+            <p:cNvCxnSpPr/>
+            <p:nvPr/>
+          </p:nvCxnSpPr>
+          <p:spPr>
+            <a:xfrm flipV="1">
+              <a:off x="4788024" y="1332950"/>
+              <a:ext cx="3600400" cy="6626"/>
+            </a:xfrm>
+            <a:prstGeom prst="line">
+              <a:avLst/>
+            </a:prstGeom>
+            <a:ln w="12700">
+              <a:solidFill>
+                <a:schemeClr val="bg1">
+                  <a:lumMod val="65000"/>
+                </a:schemeClr>
+              </a:solidFill>
+              <a:headEnd type="none" w="med" len="med"/>
+              <a:tailEnd type="none" w="med" len="med"/>
+            </a:ln>
+          </p:spPr>
+          <p:style>
+            <a:lnRef idx="1">
+              <a:schemeClr val="accent1"/>
+            </a:lnRef>
+            <a:fillRef idx="0">
+              <a:schemeClr val="accent1"/>
+            </a:fillRef>
+            <a:effectRef idx="0">
+              <a:schemeClr val="accent1"/>
+            </a:effectRef>
+            <a:fontRef idx="minor">
+              <a:schemeClr val="tx1"/>
+            </a:fontRef>
+          </p:style>
+        </p:cxnSp>
+        <p:sp>
+          <p:nvSpPr>
+            <p:cNvPr id="13" name="矩形 12"/>
+            <p:cNvSpPr/>
+            <p:nvPr/>
+          </p:nvSpPr>
+          <p:spPr>
+            <a:xfrm>
+              <a:off x="4788024" y="843558"/>
+              <a:ext cx="3600399" cy="507831"/>
+            </a:xfrm>
+            <a:prstGeom prst="rect">
+              <a:avLst/>
+            </a:prstGeom>
+          </p:spPr>
+          <p:txBody>
+            <a:bodyPr wrap="square">
+              <a:spAutoFit/>
+            </a:bodyPr>
+            <a:lstStyle/>
+            <a:p>
+              <a:pPr algn="ctr">
+                <a:lnSpc>
+                  <a:spcPct val="150000"/>
+                </a:lnSpc>
+              </a:pPr>
+              <a:r>
+                <a:rPr lang="zh-CN" altLang="en-US" b="1" smtClean="0">
+                  <a:solidFill>
+                    <a:schemeClr val="bg1">
+                      <a:lumMod val="65000"/>
+                    </a:schemeClr>
+                  </a:solidFill>
+                  <a:latin typeface="微软雅黑" pitchFamily="34" charset="-122"/>
+                  <a:ea typeface="微软雅黑" pitchFamily="34" charset="-122"/>
+                </a:rPr>
+                <a:t>例</a:t>
+              </a:r>
+              <a:r>
+                <a:rPr lang="en-US" altLang="zh-CN" b="1">
+                  <a:solidFill>
+                    <a:schemeClr val="bg1">
+                      <a:lumMod val="65000"/>
+                    </a:schemeClr>
+                  </a:solidFill>
+                  <a:latin typeface="微软雅黑" pitchFamily="34" charset="-122"/>
+                  <a:ea typeface="微软雅黑" pitchFamily="34" charset="-122"/>
+                </a:rPr>
+                <a:t>2</a:t>
+              </a:r>
+              <a:r>
+                <a:rPr lang="zh-CN" altLang="en-US" b="1" smtClean="0">
+                  <a:solidFill>
+                    <a:schemeClr val="bg1">
+                      <a:lumMod val="65000"/>
+                    </a:schemeClr>
+                  </a:solidFill>
+                  <a:latin typeface="微软雅黑" pitchFamily="34" charset="-122"/>
+                  <a:ea typeface="微软雅黑" pitchFamily="34" charset="-122"/>
+                </a:rPr>
+                <a:t>：</a:t>
+              </a:r>
+              <a:r>
+                <a:rPr lang="en-US" altLang="zh-CN" b="1" smtClean="0">
+                  <a:solidFill>
+                    <a:schemeClr val="bg1">
+                      <a:lumMod val="65000"/>
+                    </a:schemeClr>
+                  </a:solidFill>
+                  <a:latin typeface="微软雅黑" pitchFamily="34" charset="-122"/>
+                  <a:ea typeface="微软雅黑" pitchFamily="34" charset="-122"/>
+                </a:rPr>
+                <a:t>&amp;</a:t>
+              </a:r>
+              <a:r>
+                <a:rPr lang="zh-CN" altLang="en-US" b="1" smtClean="0">
+                  <a:solidFill>
+                    <a:schemeClr val="bg1">
+                      <a:lumMod val="65000"/>
+                    </a:schemeClr>
+                  </a:solidFill>
+                  <a:latin typeface="微软雅黑" pitchFamily="34" charset="-122"/>
+                  <a:ea typeface="微软雅黑" pitchFamily="34" charset="-122"/>
+                </a:rPr>
+                <a:t>操作符用法</a:t>
+              </a:r>
+              <a:endParaRPr lang="en-US" altLang="zh-CN" b="1" dirty="0">
+                <a:solidFill>
+                  <a:schemeClr val="bg1">
+                    <a:lumMod val="65000"/>
+                  </a:schemeClr>
+                </a:solidFill>
+                <a:latin typeface="微软雅黑" pitchFamily="34" charset="-122"/>
+                <a:ea typeface="微软雅黑" pitchFamily="34" charset="-122"/>
+              </a:endParaRPr>
+            </a:p>
+          </p:txBody>
+        </p:sp>
+      </p:grpSp>
+      <p:grpSp>
+        <p:nvGrpSpPr>
+          <p:cNvPr id="9" name="组合 8"/>
+          <p:cNvGrpSpPr/>
+          <p:nvPr/>
+        </p:nvGrpSpPr>
+        <p:grpSpPr>
+          <a:xfrm>
+            <a:off x="4768293" y="2931790"/>
+            <a:ext cx="3744416" cy="507831"/>
+            <a:chOff x="637450" y="2711991"/>
+            <a:chExt cx="3744416" cy="507831"/>
+          </a:xfrm>
+        </p:grpSpPr>
+        <p:cxnSp>
+          <p:nvCxnSpPr>
+            <p:cNvPr id="14" name="直接连接符 13"/>
+            <p:cNvCxnSpPr/>
+            <p:nvPr/>
+          </p:nvCxnSpPr>
+          <p:spPr>
+            <a:xfrm>
+              <a:off x="694795" y="3210922"/>
+              <a:ext cx="3687071" cy="6626"/>
+            </a:xfrm>
+            <a:prstGeom prst="line">
+              <a:avLst/>
+            </a:prstGeom>
+            <a:ln w="12700">
+              <a:solidFill>
+                <a:srgbClr val="C0504D"/>
+              </a:solidFill>
+              <a:headEnd type="none" w="med" len="med"/>
+              <a:tailEnd type="none" w="med" len="med"/>
+            </a:ln>
+          </p:spPr>
+          <p:style>
+            <a:lnRef idx="1">
+              <a:schemeClr val="accent1"/>
+            </a:lnRef>
+            <a:fillRef idx="0">
+              <a:schemeClr val="accent1"/>
+            </a:fillRef>
+            <a:effectRef idx="0">
+              <a:schemeClr val="accent1"/>
+            </a:effectRef>
+            <a:fontRef idx="minor">
+              <a:schemeClr val="tx1"/>
+            </a:fontRef>
+          </p:style>
+        </p:cxnSp>
+        <p:sp>
+          <p:nvSpPr>
+            <p:cNvPr id="15" name="矩形 14"/>
+            <p:cNvSpPr/>
+            <p:nvPr/>
+          </p:nvSpPr>
+          <p:spPr>
+            <a:xfrm>
+              <a:off x="637450" y="2711991"/>
+              <a:ext cx="3744416" cy="507831"/>
+            </a:xfrm>
+            <a:prstGeom prst="rect">
+              <a:avLst/>
+            </a:prstGeom>
+          </p:spPr>
+          <p:txBody>
+            <a:bodyPr wrap="square">
+              <a:spAutoFit/>
+            </a:bodyPr>
+            <a:lstStyle/>
+            <a:p>
+              <a:pPr algn="ctr">
+                <a:lnSpc>
+                  <a:spcPct val="150000"/>
+                </a:lnSpc>
+              </a:pPr>
+              <a:r>
+                <a:rPr lang="zh-CN" altLang="en-US" b="1" smtClean="0">
+                  <a:solidFill>
+                    <a:srgbClr val="C0504D"/>
+                  </a:solidFill>
+                  <a:latin typeface="微软雅黑" pitchFamily="34" charset="-122"/>
+                  <a:ea typeface="微软雅黑" pitchFamily="34" charset="-122"/>
+                </a:rPr>
+                <a:t>例</a:t>
+              </a:r>
+              <a:r>
+                <a:rPr lang="en-US" altLang="zh-CN" b="1">
+                  <a:solidFill>
+                    <a:srgbClr val="C0504D"/>
+                  </a:solidFill>
+                  <a:latin typeface="微软雅黑" pitchFamily="34" charset="-122"/>
+                  <a:ea typeface="微软雅黑" pitchFamily="34" charset="-122"/>
+                </a:rPr>
+                <a:t>4</a:t>
+              </a:r>
+              <a:r>
+                <a:rPr lang="zh-CN" altLang="en-US" b="1" smtClean="0">
+                  <a:solidFill>
+                    <a:srgbClr val="C0504D"/>
+                  </a:solidFill>
+                  <a:latin typeface="微软雅黑" pitchFamily="34" charset="-122"/>
+                  <a:ea typeface="微软雅黑" pitchFamily="34" charset="-122"/>
+                </a:rPr>
+                <a:t>：</a:t>
+              </a:r>
+              <a:r>
+                <a:rPr lang="en-US" altLang="zh-CN" b="1" smtClean="0">
+                  <a:solidFill>
+                    <a:srgbClr val="C0504D"/>
+                  </a:solidFill>
+                  <a:latin typeface="微软雅黑" pitchFamily="34" charset="-122"/>
+                  <a:ea typeface="微软雅黑" pitchFamily="34" charset="-122"/>
+                </a:rPr>
+                <a:t>&amp;</a:t>
+              </a:r>
+              <a:r>
+                <a:rPr lang="zh-CN" altLang="en-US" b="1" smtClean="0">
+                  <a:solidFill>
+                    <a:srgbClr val="C0504D"/>
+                  </a:solidFill>
+                  <a:latin typeface="微软雅黑" pitchFamily="34" charset="-122"/>
+                  <a:ea typeface="微软雅黑" pitchFamily="34" charset="-122"/>
+                </a:rPr>
+                <a:t>操作符用法</a:t>
+              </a:r>
+              <a:endParaRPr lang="en-US" altLang="zh-CN" b="1" dirty="0">
+                <a:solidFill>
+                  <a:srgbClr val="C0504D"/>
+                </a:solidFill>
+                <a:latin typeface="微软雅黑" pitchFamily="34" charset="-122"/>
+                <a:ea typeface="微软雅黑" pitchFamily="34" charset="-122"/>
+              </a:endParaRPr>
+            </a:p>
+          </p:txBody>
+        </p:sp>
+      </p:grpSp>
+      <p:grpSp>
+        <p:nvGrpSpPr>
+          <p:cNvPr id="11" name="组合 10"/>
+          <p:cNvGrpSpPr/>
+          <p:nvPr/>
+        </p:nvGrpSpPr>
+        <p:grpSpPr>
+          <a:xfrm>
+            <a:off x="752140" y="2931978"/>
+            <a:ext cx="3600400" cy="496018"/>
+            <a:chOff x="4655837" y="2711991"/>
+            <a:chExt cx="3600400" cy="496018"/>
+          </a:xfrm>
+        </p:grpSpPr>
+        <p:cxnSp>
+          <p:nvCxnSpPr>
+            <p:cNvPr id="16" name="直接连接符 15"/>
+            <p:cNvCxnSpPr/>
+            <p:nvPr/>
+          </p:nvCxnSpPr>
+          <p:spPr>
+            <a:xfrm flipV="1">
+              <a:off x="4655837" y="3201383"/>
+              <a:ext cx="3600400" cy="6626"/>
+            </a:xfrm>
+            <a:prstGeom prst="line">
+              <a:avLst/>
+            </a:prstGeom>
+            <a:ln w="12700">
+              <a:solidFill>
+                <a:schemeClr val="bg1">
+                  <a:lumMod val="65000"/>
+                </a:schemeClr>
+              </a:solidFill>
+              <a:headEnd type="none" w="med" len="med"/>
+              <a:tailEnd type="none" w="med" len="med"/>
+            </a:ln>
+          </p:spPr>
+          <p:style>
+            <a:lnRef idx="1">
+              <a:schemeClr val="accent1"/>
+            </a:lnRef>
+            <a:fillRef idx="0">
+              <a:schemeClr val="accent1"/>
+            </a:fillRef>
+            <a:effectRef idx="0">
+              <a:schemeClr val="accent1"/>
+            </a:effectRef>
+            <a:fontRef idx="minor">
+              <a:schemeClr val="tx1"/>
+            </a:fontRef>
+          </p:style>
+        </p:cxnSp>
+        <p:sp>
+          <p:nvSpPr>
+            <p:cNvPr id="17" name="矩形 16"/>
+            <p:cNvSpPr/>
+            <p:nvPr/>
+          </p:nvSpPr>
+          <p:spPr>
+            <a:xfrm>
+              <a:off x="4655837" y="2711991"/>
+              <a:ext cx="3600399" cy="458908"/>
+            </a:xfrm>
+            <a:prstGeom prst="rect">
+              <a:avLst/>
+            </a:prstGeom>
+          </p:spPr>
+          <p:txBody>
+            <a:bodyPr wrap="square">
+              <a:spAutoFit/>
+            </a:bodyPr>
+            <a:lstStyle/>
+            <a:p>
+              <a:pPr algn="ctr">
+                <a:lnSpc>
+                  <a:spcPct val="150000"/>
+                </a:lnSpc>
+              </a:pPr>
+              <a:r>
+                <a:rPr lang="zh-CN" altLang="en-US" b="1" smtClean="0">
+                  <a:solidFill>
+                    <a:schemeClr val="bg1">
+                      <a:lumMod val="65000"/>
+                    </a:schemeClr>
+                  </a:solidFill>
+                  <a:latin typeface="微软雅黑" pitchFamily="34" charset="-122"/>
+                  <a:ea typeface="微软雅黑" pitchFamily="34" charset="-122"/>
+                </a:rPr>
+                <a:t>例</a:t>
+              </a:r>
+              <a:r>
+                <a:rPr lang="en-US" altLang="zh-CN" b="1" smtClean="0">
+                  <a:solidFill>
+                    <a:schemeClr val="bg1">
+                      <a:lumMod val="65000"/>
+                    </a:schemeClr>
+                  </a:solidFill>
+                  <a:latin typeface="微软雅黑" pitchFamily="34" charset="-122"/>
+                  <a:ea typeface="微软雅黑" pitchFamily="34" charset="-122"/>
+                </a:rPr>
+                <a:t>3</a:t>
+              </a:r>
+              <a:r>
+                <a:rPr lang="zh-CN" altLang="en-US" b="1" smtClean="0">
+                  <a:solidFill>
+                    <a:schemeClr val="bg1">
+                      <a:lumMod val="65000"/>
+                    </a:schemeClr>
+                  </a:solidFill>
+                  <a:latin typeface="微软雅黑" pitchFamily="34" charset="-122"/>
+                  <a:ea typeface="微软雅黑" pitchFamily="34" charset="-122"/>
+                </a:rPr>
+                <a:t>：</a:t>
+              </a:r>
+              <a:r>
+                <a:rPr lang="en-US" altLang="zh-CN" b="1">
+                  <a:solidFill>
+                    <a:schemeClr val="bg1">
+                      <a:lumMod val="65000"/>
+                    </a:schemeClr>
+                  </a:solidFill>
+                  <a:latin typeface="微软雅黑" pitchFamily="34" charset="-122"/>
+                  <a:ea typeface="微软雅黑" pitchFamily="34" charset="-122"/>
+                </a:rPr>
+                <a:t>&amp;</a:t>
+              </a:r>
+              <a:r>
+                <a:rPr lang="zh-CN" altLang="en-US" b="1">
+                  <a:solidFill>
+                    <a:schemeClr val="bg1">
+                      <a:lumMod val="65000"/>
+                    </a:schemeClr>
+                  </a:solidFill>
+                  <a:latin typeface="微软雅黑" pitchFamily="34" charset="-122"/>
+                  <a:ea typeface="微软雅黑" pitchFamily="34" charset="-122"/>
+                </a:rPr>
+                <a:t>操作符</a:t>
+              </a:r>
+              <a:r>
+                <a:rPr lang="zh-CN" altLang="en-US" b="1" smtClean="0">
+                  <a:solidFill>
+                    <a:schemeClr val="bg1">
+                      <a:lumMod val="65000"/>
+                    </a:schemeClr>
+                  </a:solidFill>
+                  <a:latin typeface="微软雅黑" pitchFamily="34" charset="-122"/>
+                  <a:ea typeface="微软雅黑" pitchFamily="34" charset="-122"/>
+                </a:rPr>
+                <a:t>用法</a:t>
+              </a:r>
+              <a:endParaRPr lang="en-US" altLang="zh-CN" b="1" dirty="0">
+                <a:solidFill>
+                  <a:schemeClr val="bg1">
+                    <a:lumMod val="65000"/>
+                  </a:schemeClr>
+                </a:solidFill>
+                <a:latin typeface="微软雅黑" pitchFamily="34" charset="-122"/>
+                <a:ea typeface="微软雅黑" pitchFamily="34" charset="-122"/>
+              </a:endParaRPr>
+            </a:p>
+          </p:txBody>
+        </p:sp>
+      </p:grpSp>
+      <p:pic>
+        <p:nvPicPr>
+          <p:cNvPr id="12" name="图片 11"/>
+          <p:cNvPicPr>
+            <a:picLocks noChangeAspect="1"/>
+          </p:cNvPicPr>
+          <p:nvPr/>
+        </p:nvPicPr>
+        <p:blipFill>
+          <a:blip r:embed="rId3"/>
+          <a:stretch>
+            <a:fillRect/>
+          </a:stretch>
+        </p:blipFill>
+        <p:spPr>
+          <a:xfrm>
+            <a:off x="1009093" y="1418156"/>
+            <a:ext cx="1200470" cy="1195306"/>
+          </a:xfrm>
+          <a:prstGeom prst="rect">
+            <a:avLst/>
+          </a:prstGeom>
+        </p:spPr>
+      </p:pic>
+      <p:pic>
+        <p:nvPicPr>
+          <p:cNvPr id="21" name="图片 20"/>
+          <p:cNvPicPr>
+            <a:picLocks noChangeAspect="1"/>
+          </p:cNvPicPr>
+          <p:nvPr/>
+        </p:nvPicPr>
+        <p:blipFill>
+          <a:blip r:embed="rId4"/>
+          <a:stretch>
+            <a:fillRect/>
+          </a:stretch>
+        </p:blipFill>
+        <p:spPr>
+          <a:xfrm>
+            <a:off x="2483768" y="1419622"/>
+            <a:ext cx="1488750" cy="1196537"/>
+          </a:xfrm>
+          <a:prstGeom prst="rect">
+            <a:avLst/>
+          </a:prstGeom>
+        </p:spPr>
+      </p:pic>
+      <p:pic>
+        <p:nvPicPr>
+          <p:cNvPr id="22" name="图片 21"/>
+          <p:cNvPicPr>
+            <a:picLocks noChangeAspect="1"/>
+          </p:cNvPicPr>
+          <p:nvPr/>
+        </p:nvPicPr>
+        <p:blipFill>
+          <a:blip r:embed="rId5"/>
+          <a:stretch>
+            <a:fillRect/>
+          </a:stretch>
+        </p:blipFill>
+        <p:spPr>
+          <a:xfrm>
+            <a:off x="4768293" y="1494600"/>
+            <a:ext cx="1856918" cy="1293173"/>
+          </a:xfrm>
+          <a:prstGeom prst="rect">
+            <a:avLst/>
+          </a:prstGeom>
+        </p:spPr>
+      </p:pic>
+      <p:pic>
+        <p:nvPicPr>
+          <p:cNvPr id="23" name="图片 22"/>
+          <p:cNvPicPr>
+            <a:picLocks noChangeAspect="1"/>
+          </p:cNvPicPr>
+          <p:nvPr/>
+        </p:nvPicPr>
+        <p:blipFill>
+          <a:blip r:embed="rId6"/>
+          <a:stretch>
+            <a:fillRect/>
+          </a:stretch>
+        </p:blipFill>
+        <p:spPr>
+          <a:xfrm>
+            <a:off x="752140" y="3579862"/>
+            <a:ext cx="1789673" cy="1224136"/>
+          </a:xfrm>
+          <a:prstGeom prst="rect">
+            <a:avLst/>
+          </a:prstGeom>
+        </p:spPr>
+      </p:pic>
+      <p:pic>
+        <p:nvPicPr>
+          <p:cNvPr id="24" name="图片 23"/>
+          <p:cNvPicPr>
+            <a:picLocks noChangeAspect="1"/>
+          </p:cNvPicPr>
+          <p:nvPr/>
+        </p:nvPicPr>
+        <p:blipFill>
+          <a:blip r:embed="rId7"/>
+          <a:stretch>
+            <a:fillRect/>
+          </a:stretch>
+        </p:blipFill>
+        <p:spPr>
+          <a:xfrm>
+            <a:off x="2624559" y="3579862"/>
+            <a:ext cx="1641193" cy="1224136"/>
+          </a:xfrm>
+          <a:prstGeom prst="rect">
+            <a:avLst/>
+          </a:prstGeom>
+        </p:spPr>
+      </p:pic>
+      <p:pic>
+        <p:nvPicPr>
+          <p:cNvPr id="25" name="图片 24"/>
+          <p:cNvPicPr>
+            <a:picLocks noChangeAspect="1"/>
+          </p:cNvPicPr>
+          <p:nvPr/>
+        </p:nvPicPr>
+        <p:blipFill>
+          <a:blip r:embed="rId8"/>
+          <a:stretch>
+            <a:fillRect/>
+          </a:stretch>
+        </p:blipFill>
+        <p:spPr>
+          <a:xfrm>
+            <a:off x="6732240" y="1672742"/>
+            <a:ext cx="1866967" cy="899008"/>
+          </a:xfrm>
+          <a:prstGeom prst="rect">
+            <a:avLst/>
+          </a:prstGeom>
+        </p:spPr>
+      </p:pic>
+      <p:pic>
+        <p:nvPicPr>
+          <p:cNvPr id="26" name="图片 25"/>
+          <p:cNvPicPr>
+            <a:picLocks noChangeAspect="1"/>
+          </p:cNvPicPr>
+          <p:nvPr/>
+        </p:nvPicPr>
+        <p:blipFill>
+          <a:blip r:embed="rId9"/>
+          <a:stretch>
+            <a:fillRect/>
+          </a:stretch>
+        </p:blipFill>
+        <p:spPr>
+          <a:xfrm>
+            <a:off x="4835507" y="3579862"/>
+            <a:ext cx="1650074" cy="1356789"/>
+          </a:xfrm>
+          <a:prstGeom prst="rect">
+            <a:avLst/>
+          </a:prstGeom>
+        </p:spPr>
+      </p:pic>
+      <p:pic>
+        <p:nvPicPr>
+          <p:cNvPr id="27" name="图片 26"/>
+          <p:cNvPicPr>
+            <a:picLocks noChangeAspect="1"/>
+          </p:cNvPicPr>
+          <p:nvPr/>
+        </p:nvPicPr>
+        <p:blipFill>
+          <a:blip r:embed="rId10"/>
+          <a:stretch>
+            <a:fillRect/>
+          </a:stretch>
+        </p:blipFill>
+        <p:spPr>
+          <a:xfrm>
+            <a:off x="6626193" y="3650884"/>
+            <a:ext cx="2114553" cy="1214743"/>
+          </a:xfrm>
+          <a:prstGeom prst="rect">
+            <a:avLst/>
+          </a:prstGeom>
+        </p:spPr>
+      </p:pic>
+    </p:spTree>
+    <p:extLst>
+      <p:ext uri="{BB962C8B-B14F-4D97-AF65-F5344CB8AC3E}">
+        <p14:creationId xmlns:p14="http://schemas.microsoft.com/office/powerpoint/2010/main" val="1955412285"/>
+      </p:ext>
+    </p:extLst>
+  </p:cSld>
+  <p:clrMapOvr>
+    <a:masterClrMapping/>
+  </p:clrMapOvr>
+  <p:timing>
+    <p:tnLst>
+      <p:par>
+        <p:cTn id="1" dur="indefinite" restart="never" nodeType="tmRoot"/>
+      </p:par>
+    </p:tnLst>
+  </p:timing>
+</p:sld>
+</file>
+
+<file path=ppt/slides/slide18.xml><?xml version="1.0" encoding="utf-8"?>
+<p:sld xmlns:a="http://schemas.openxmlformats.org/drawingml/2006/main" xmlns:r="http://schemas.openxmlformats.org/officeDocument/2006/relationships" xmlns:p="http://schemas.openxmlformats.org/presentationml/2006/main">
+  <p:cSld>
+    <p:spTree>
+      <p:nvGrpSpPr>
+        <p:cNvPr id="1" name=""/>
+        <p:cNvGrpSpPr/>
+        <p:nvPr/>
+      </p:nvGrpSpPr>
+      <p:grpSpPr>
+        <a:xfrm>
+          <a:off x="0" y="0"/>
+          <a:ext cx="0" cy="0"/>
+          <a:chOff x="0" y="0"/>
+          <a:chExt cx="0" cy="0"/>
+        </a:xfrm>
+      </p:grpSpPr>
+      <p:sp>
+        <p:nvSpPr>
+          <p:cNvPr id="2" name="标题 1"/>
+          <p:cNvSpPr>
+            <a:spLocks noGrp="1"/>
+          </p:cNvSpPr>
+          <p:nvPr>
+            <p:ph type="title"/>
+          </p:nvPr>
+        </p:nvSpPr>
+        <p:spPr/>
+        <p:txBody>
+          <a:bodyPr/>
+          <a:lstStyle/>
+          <a:p>
+            <a:r>
+              <a:rPr lang="en-US" altLang="zh-CN" smtClean="0"/>
+              <a:t>2.4 LESS</a:t>
+            </a:r>
+            <a:r>
+              <a:rPr lang="zh-CN" altLang="en-US" smtClean="0"/>
+              <a:t>特性</a:t>
+            </a:r>
+            <a:r>
+              <a:rPr lang="en-US" altLang="zh-CN" smtClean="0"/>
+              <a:t>---Mixins</a:t>
+            </a:r>
+            <a:r>
+              <a:rPr lang="zh-CN" altLang="en-US" smtClean="0"/>
+              <a:t>（混合）</a:t>
+            </a:r>
+            <a:endParaRPr lang="zh-CN" altLang="en-US" dirty="0"/>
+          </a:p>
+        </p:txBody>
+      </p:sp>
+      <p:grpSp>
+        <p:nvGrpSpPr>
+          <p:cNvPr id="22" name="组合 21"/>
+          <p:cNvGrpSpPr/>
+          <p:nvPr/>
+        </p:nvGrpSpPr>
+        <p:grpSpPr>
+          <a:xfrm>
+            <a:off x="4499992" y="906027"/>
+            <a:ext cx="3744416" cy="507831"/>
+            <a:chOff x="4499992" y="906027"/>
+            <a:chExt cx="3744416" cy="507831"/>
+          </a:xfrm>
+        </p:grpSpPr>
+        <p:cxnSp>
+          <p:nvCxnSpPr>
+            <p:cNvPr id="8" name="直接连接符 7"/>
+            <p:cNvCxnSpPr/>
+            <p:nvPr/>
+          </p:nvCxnSpPr>
+          <p:spPr>
+            <a:xfrm>
+              <a:off x="4557337" y="1404958"/>
+              <a:ext cx="3687071" cy="6626"/>
+            </a:xfrm>
+            <a:prstGeom prst="line">
+              <a:avLst/>
+            </a:prstGeom>
+            <a:ln w="12700">
+              <a:solidFill>
+                <a:srgbClr val="C0504D"/>
+              </a:solidFill>
+              <a:headEnd type="none" w="med" len="med"/>
+              <a:tailEnd type="none" w="med" len="med"/>
+            </a:ln>
+          </p:spPr>
+          <p:style>
+            <a:lnRef idx="1">
+              <a:schemeClr val="accent1"/>
+            </a:lnRef>
+            <a:fillRef idx="0">
+              <a:schemeClr val="accent1"/>
+            </a:fillRef>
+            <a:effectRef idx="0">
+              <a:schemeClr val="accent1"/>
+            </a:effectRef>
+            <a:fontRef idx="minor">
+              <a:schemeClr val="tx1"/>
+            </a:fontRef>
+          </p:style>
+        </p:cxnSp>
+        <p:sp>
+          <p:nvSpPr>
+            <p:cNvPr id="10" name="矩形 9"/>
+            <p:cNvSpPr/>
+            <p:nvPr/>
+          </p:nvSpPr>
+          <p:spPr>
+            <a:xfrm>
+              <a:off x="4499992" y="906027"/>
+              <a:ext cx="3744416" cy="507831"/>
+            </a:xfrm>
+            <a:prstGeom prst="rect">
+              <a:avLst/>
+            </a:prstGeom>
+          </p:spPr>
+          <p:txBody>
+            <a:bodyPr wrap="square">
+              <a:spAutoFit/>
+            </a:bodyPr>
+            <a:lstStyle/>
+            <a:p>
+              <a:pPr algn="ctr">
+                <a:lnSpc>
+                  <a:spcPct val="150000"/>
+                </a:lnSpc>
+              </a:pPr>
+              <a:r>
+                <a:rPr lang="zh-CN" altLang="en-US" b="1" smtClean="0">
+                  <a:solidFill>
+                    <a:srgbClr val="C0504D"/>
+                  </a:solidFill>
+                  <a:latin typeface="微软雅黑" pitchFamily="34" charset="-122"/>
+                  <a:ea typeface="微软雅黑" pitchFamily="34" charset="-122"/>
+                </a:rPr>
+                <a:t>例</a:t>
+              </a:r>
+              <a:r>
+                <a:rPr lang="en-US" altLang="zh-CN" b="1" smtClean="0">
+                  <a:solidFill>
+                    <a:srgbClr val="C0504D"/>
+                  </a:solidFill>
+                  <a:latin typeface="微软雅黑" pitchFamily="34" charset="-122"/>
+                  <a:ea typeface="微软雅黑" pitchFamily="34" charset="-122"/>
+                </a:rPr>
+                <a:t>2</a:t>
+              </a:r>
+              <a:r>
+                <a:rPr lang="zh-CN" altLang="en-US" b="1" smtClean="0">
+                  <a:solidFill>
+                    <a:srgbClr val="C0504D"/>
+                  </a:solidFill>
+                  <a:latin typeface="微软雅黑" pitchFamily="34" charset="-122"/>
+                  <a:ea typeface="微软雅黑" pitchFamily="34" charset="-122"/>
+                </a:rPr>
+                <a:t>：带参数</a:t>
+              </a:r>
+              <a:endParaRPr lang="en-US" altLang="zh-CN" b="1" dirty="0">
+                <a:solidFill>
+                  <a:srgbClr val="C0504D"/>
+                </a:solidFill>
+                <a:latin typeface="微软雅黑" pitchFamily="34" charset="-122"/>
+                <a:ea typeface="微软雅黑" pitchFamily="34" charset="-122"/>
+              </a:endParaRPr>
+            </a:p>
+          </p:txBody>
+        </p:sp>
+      </p:grpSp>
+      <p:grpSp>
+        <p:nvGrpSpPr>
+          <p:cNvPr id="21" name="组合 20"/>
+          <p:cNvGrpSpPr/>
+          <p:nvPr/>
+        </p:nvGrpSpPr>
+        <p:grpSpPr>
+          <a:xfrm>
+            <a:off x="637450" y="915566"/>
+            <a:ext cx="3600400" cy="507831"/>
+            <a:chOff x="637450" y="915566"/>
+            <a:chExt cx="3600400" cy="507831"/>
+          </a:xfrm>
+        </p:grpSpPr>
+        <p:cxnSp>
+          <p:nvCxnSpPr>
+            <p:cNvPr id="7" name="直接连接符 6"/>
+            <p:cNvCxnSpPr/>
+            <p:nvPr/>
+          </p:nvCxnSpPr>
+          <p:spPr>
+            <a:xfrm flipV="1">
+              <a:off x="637450" y="1404958"/>
+              <a:ext cx="3600400" cy="6626"/>
+            </a:xfrm>
+            <a:prstGeom prst="line">
+              <a:avLst/>
+            </a:prstGeom>
+            <a:ln w="12700">
+              <a:solidFill>
+                <a:schemeClr val="bg1">
+                  <a:lumMod val="65000"/>
+                </a:schemeClr>
+              </a:solidFill>
+              <a:headEnd type="none" w="med" len="med"/>
+              <a:tailEnd type="none" w="med" len="med"/>
+            </a:ln>
+          </p:spPr>
+          <p:style>
+            <a:lnRef idx="1">
+              <a:schemeClr val="accent1"/>
+            </a:lnRef>
+            <a:fillRef idx="0">
+              <a:schemeClr val="accent1"/>
+            </a:fillRef>
+            <a:effectRef idx="0">
+              <a:schemeClr val="accent1"/>
+            </a:effectRef>
+            <a:fontRef idx="minor">
+              <a:schemeClr val="tx1"/>
+            </a:fontRef>
+          </p:style>
+        </p:cxnSp>
+        <p:sp>
+          <p:nvSpPr>
+            <p:cNvPr id="13" name="矩形 12"/>
+            <p:cNvSpPr/>
+            <p:nvPr/>
+          </p:nvSpPr>
+          <p:spPr>
+            <a:xfrm>
+              <a:off x="637450" y="915566"/>
+              <a:ext cx="3600399" cy="507831"/>
+            </a:xfrm>
+            <a:prstGeom prst="rect">
+              <a:avLst/>
+            </a:prstGeom>
+          </p:spPr>
+          <p:txBody>
+            <a:bodyPr wrap="square">
+              <a:spAutoFit/>
+            </a:bodyPr>
+            <a:lstStyle/>
+            <a:p>
+              <a:pPr algn="ctr">
+                <a:lnSpc>
+                  <a:spcPct val="150000"/>
+                </a:lnSpc>
+              </a:pPr>
+              <a:r>
+                <a:rPr lang="zh-CN" altLang="en-US" b="1" smtClean="0">
+                  <a:solidFill>
+                    <a:schemeClr val="bg1">
+                      <a:lumMod val="65000"/>
+                    </a:schemeClr>
+                  </a:solidFill>
+                  <a:latin typeface="微软雅黑" pitchFamily="34" charset="-122"/>
+                  <a:ea typeface="微软雅黑" pitchFamily="34" charset="-122"/>
+                </a:rPr>
+                <a:t>例</a:t>
+              </a:r>
+              <a:r>
+                <a:rPr lang="en-US" altLang="zh-CN" b="1" smtClean="0">
+                  <a:solidFill>
+                    <a:schemeClr val="bg1">
+                      <a:lumMod val="65000"/>
+                    </a:schemeClr>
+                  </a:solidFill>
+                  <a:latin typeface="微软雅黑" pitchFamily="34" charset="-122"/>
+                  <a:ea typeface="微软雅黑" pitchFamily="34" charset="-122"/>
+                </a:rPr>
+                <a:t>1</a:t>
+              </a:r>
+              <a:r>
+                <a:rPr lang="zh-CN" altLang="en-US" b="1" smtClean="0">
+                  <a:solidFill>
+                    <a:schemeClr val="bg1">
+                      <a:lumMod val="65000"/>
+                    </a:schemeClr>
+                  </a:solidFill>
+                  <a:latin typeface="微软雅黑" pitchFamily="34" charset="-122"/>
+                  <a:ea typeface="微软雅黑" pitchFamily="34" charset="-122"/>
+                </a:rPr>
+                <a:t>：基本用法</a:t>
+              </a:r>
+              <a:endParaRPr lang="en-US" altLang="zh-CN" b="1" dirty="0">
+                <a:solidFill>
+                  <a:schemeClr val="bg1">
+                    <a:lumMod val="65000"/>
+                  </a:schemeClr>
+                </a:solidFill>
+                <a:latin typeface="微软雅黑" pitchFamily="34" charset="-122"/>
+                <a:ea typeface="微软雅黑" pitchFamily="34" charset="-122"/>
+              </a:endParaRPr>
+            </a:p>
+          </p:txBody>
+        </p:sp>
+      </p:grpSp>
+      <p:grpSp>
+        <p:nvGrpSpPr>
+          <p:cNvPr id="23" name="组合 22"/>
+          <p:cNvGrpSpPr/>
+          <p:nvPr/>
+        </p:nvGrpSpPr>
+        <p:grpSpPr>
+          <a:xfrm>
+            <a:off x="637450" y="2711991"/>
+            <a:ext cx="3744416" cy="507831"/>
+            <a:chOff x="637450" y="2711991"/>
+            <a:chExt cx="3744416" cy="507831"/>
+          </a:xfrm>
+        </p:grpSpPr>
+        <p:cxnSp>
+          <p:nvCxnSpPr>
+            <p:cNvPr id="14" name="直接连接符 13"/>
+            <p:cNvCxnSpPr/>
+            <p:nvPr/>
+          </p:nvCxnSpPr>
+          <p:spPr>
+            <a:xfrm>
+              <a:off x="694795" y="3210922"/>
+              <a:ext cx="3687071" cy="6626"/>
+            </a:xfrm>
+            <a:prstGeom prst="line">
+              <a:avLst/>
+            </a:prstGeom>
+            <a:ln w="12700">
+              <a:solidFill>
+                <a:srgbClr val="C0504D"/>
+              </a:solidFill>
+              <a:headEnd type="none" w="med" len="med"/>
+              <a:tailEnd type="none" w="med" len="med"/>
+            </a:ln>
+          </p:spPr>
+          <p:style>
+            <a:lnRef idx="1">
+              <a:schemeClr val="accent1"/>
+            </a:lnRef>
+            <a:fillRef idx="0">
+              <a:schemeClr val="accent1"/>
+            </a:fillRef>
+            <a:effectRef idx="0">
+              <a:schemeClr val="accent1"/>
+            </a:effectRef>
+            <a:fontRef idx="minor">
+              <a:schemeClr val="tx1"/>
+            </a:fontRef>
+          </p:style>
+        </p:cxnSp>
+        <p:sp>
+          <p:nvSpPr>
+            <p:cNvPr id="15" name="矩形 14"/>
+            <p:cNvSpPr/>
+            <p:nvPr/>
+          </p:nvSpPr>
+          <p:spPr>
+            <a:xfrm>
+              <a:off x="637450" y="2711991"/>
+              <a:ext cx="3744416" cy="507831"/>
+            </a:xfrm>
+            <a:prstGeom prst="rect">
+              <a:avLst/>
+            </a:prstGeom>
+          </p:spPr>
+          <p:txBody>
+            <a:bodyPr wrap="square">
+              <a:spAutoFit/>
+            </a:bodyPr>
+            <a:lstStyle/>
+            <a:p>
+              <a:pPr algn="ctr">
+                <a:lnSpc>
+                  <a:spcPct val="150000"/>
+                </a:lnSpc>
+              </a:pPr>
+              <a:r>
+                <a:rPr lang="zh-CN" altLang="en-US" b="1">
+                  <a:solidFill>
+                    <a:srgbClr val="C0504D"/>
+                  </a:solidFill>
+                  <a:latin typeface="微软雅黑" pitchFamily="34" charset="-122"/>
+                  <a:ea typeface="微软雅黑" pitchFamily="34" charset="-122"/>
+                </a:rPr>
+                <a:t>例</a:t>
+              </a:r>
+              <a:r>
+                <a:rPr lang="en-US" altLang="zh-CN" b="1">
+                  <a:solidFill>
+                    <a:srgbClr val="C0504D"/>
+                  </a:solidFill>
+                  <a:latin typeface="微软雅黑" pitchFamily="34" charset="-122"/>
+                  <a:ea typeface="微软雅黑" pitchFamily="34" charset="-122"/>
+                </a:rPr>
+                <a:t>3</a:t>
+              </a:r>
+              <a:r>
+                <a:rPr lang="zh-CN" altLang="en-US" b="1" smtClean="0">
+                  <a:solidFill>
+                    <a:srgbClr val="C0504D"/>
+                  </a:solidFill>
+                  <a:latin typeface="微软雅黑" pitchFamily="34" charset="-122"/>
+                  <a:ea typeface="微软雅黑" pitchFamily="34" charset="-122"/>
+                </a:rPr>
+                <a:t>：参数名匹配和参数值匹配</a:t>
+              </a:r>
+              <a:endParaRPr lang="en-US" altLang="zh-CN" b="1" dirty="0">
+                <a:solidFill>
+                  <a:srgbClr val="C0504D"/>
+                </a:solidFill>
+                <a:latin typeface="微软雅黑" pitchFamily="34" charset="-122"/>
+                <a:ea typeface="微软雅黑" pitchFamily="34" charset="-122"/>
+              </a:endParaRPr>
+            </a:p>
+          </p:txBody>
+        </p:sp>
+      </p:grpSp>
+      <p:grpSp>
+        <p:nvGrpSpPr>
+          <p:cNvPr id="24" name="组合 23"/>
+          <p:cNvGrpSpPr/>
+          <p:nvPr/>
+        </p:nvGrpSpPr>
+        <p:grpSpPr>
+          <a:xfrm>
+            <a:off x="4655837" y="2711991"/>
+            <a:ext cx="3600400" cy="507831"/>
+            <a:chOff x="4655837" y="2711991"/>
+            <a:chExt cx="3600400" cy="507831"/>
+          </a:xfrm>
+        </p:grpSpPr>
+        <p:cxnSp>
+          <p:nvCxnSpPr>
+            <p:cNvPr id="16" name="直接连接符 15"/>
+            <p:cNvCxnSpPr/>
+            <p:nvPr/>
+          </p:nvCxnSpPr>
+          <p:spPr>
+            <a:xfrm flipV="1">
+              <a:off x="4655837" y="3201383"/>
+              <a:ext cx="3600400" cy="6626"/>
+            </a:xfrm>
+            <a:prstGeom prst="line">
+              <a:avLst/>
+            </a:prstGeom>
+            <a:ln w="12700">
+              <a:solidFill>
+                <a:schemeClr val="bg1">
+                  <a:lumMod val="65000"/>
+                </a:schemeClr>
+              </a:solidFill>
+              <a:headEnd type="none" w="med" len="med"/>
+              <a:tailEnd type="none" w="med" len="med"/>
+            </a:ln>
+          </p:spPr>
+          <p:style>
+            <a:lnRef idx="1">
+              <a:schemeClr val="accent1"/>
+            </a:lnRef>
+            <a:fillRef idx="0">
+              <a:schemeClr val="accent1"/>
+            </a:fillRef>
+            <a:effectRef idx="0">
+              <a:schemeClr val="accent1"/>
+            </a:effectRef>
+            <a:fontRef idx="minor">
+              <a:schemeClr val="tx1"/>
+            </a:fontRef>
+          </p:style>
+        </p:cxnSp>
+        <p:sp>
+          <p:nvSpPr>
+            <p:cNvPr id="17" name="矩形 16"/>
+            <p:cNvSpPr/>
+            <p:nvPr/>
+          </p:nvSpPr>
+          <p:spPr>
+            <a:xfrm>
+              <a:off x="4655837" y="2711991"/>
+              <a:ext cx="3600399" cy="507831"/>
+            </a:xfrm>
+            <a:prstGeom prst="rect">
+              <a:avLst/>
+            </a:prstGeom>
+          </p:spPr>
+          <p:txBody>
+            <a:bodyPr wrap="square">
+              <a:spAutoFit/>
+            </a:bodyPr>
+            <a:lstStyle/>
+            <a:p>
+              <a:pPr algn="ctr">
+                <a:lnSpc>
+                  <a:spcPct val="150000"/>
+                </a:lnSpc>
+              </a:pPr>
+              <a:r>
+                <a:rPr lang="zh-CN" altLang="en-US" b="1" smtClean="0">
+                  <a:solidFill>
+                    <a:schemeClr val="bg1">
+                      <a:lumMod val="65000"/>
+                    </a:schemeClr>
+                  </a:solidFill>
+                  <a:latin typeface="微软雅黑" pitchFamily="34" charset="-122"/>
+                  <a:ea typeface="微软雅黑" pitchFamily="34" charset="-122"/>
+                </a:rPr>
+                <a:t>例</a:t>
+              </a:r>
+              <a:r>
+                <a:rPr lang="en-US" altLang="zh-CN" b="1" smtClean="0">
+                  <a:solidFill>
+                    <a:schemeClr val="bg1">
+                      <a:lumMod val="65000"/>
+                    </a:schemeClr>
+                  </a:solidFill>
+                  <a:latin typeface="微软雅黑" pitchFamily="34" charset="-122"/>
+                  <a:ea typeface="微软雅黑" pitchFamily="34" charset="-122"/>
+                </a:rPr>
+                <a:t>4</a:t>
+              </a:r>
+              <a:r>
+                <a:rPr lang="zh-CN" altLang="en-US" b="1" smtClean="0">
+                  <a:solidFill>
+                    <a:schemeClr val="bg1">
+                      <a:lumMod val="65000"/>
+                    </a:schemeClr>
+                  </a:solidFill>
+                  <a:latin typeface="微软雅黑" pitchFamily="34" charset="-122"/>
+                  <a:ea typeface="微软雅黑" pitchFamily="34" charset="-122"/>
+                </a:rPr>
+                <a:t>：返回值</a:t>
+              </a:r>
+              <a:endParaRPr lang="en-US" altLang="zh-CN" b="1" dirty="0">
+                <a:solidFill>
+                  <a:schemeClr val="bg1">
+                    <a:lumMod val="65000"/>
+                  </a:schemeClr>
+                </a:solidFill>
+                <a:latin typeface="微软雅黑" pitchFamily="34" charset="-122"/>
+                <a:ea typeface="微软雅黑" pitchFamily="34" charset="-122"/>
+              </a:endParaRPr>
+            </a:p>
+          </p:txBody>
+        </p:sp>
+      </p:grpSp>
+      <p:pic>
+        <p:nvPicPr>
+          <p:cNvPr id="4" name="图片 3"/>
+          <p:cNvPicPr>
+            <a:picLocks noChangeAspect="1"/>
+          </p:cNvPicPr>
+          <p:nvPr/>
+        </p:nvPicPr>
+        <p:blipFill>
+          <a:blip r:embed="rId3"/>
+          <a:stretch>
+            <a:fillRect/>
+          </a:stretch>
+        </p:blipFill>
+        <p:spPr>
+          <a:xfrm>
+            <a:off x="827584" y="1475189"/>
+            <a:ext cx="1446854" cy="1307245"/>
+          </a:xfrm>
+          <a:prstGeom prst="rect">
+            <a:avLst/>
+          </a:prstGeom>
+        </p:spPr>
+      </p:pic>
+      <p:pic>
+        <p:nvPicPr>
+          <p:cNvPr id="5" name="图片 4"/>
+          <p:cNvPicPr>
+            <a:picLocks noChangeAspect="1"/>
+          </p:cNvPicPr>
+          <p:nvPr/>
+        </p:nvPicPr>
+        <p:blipFill>
+          <a:blip r:embed="rId4"/>
+          <a:stretch>
+            <a:fillRect/>
+          </a:stretch>
+        </p:blipFill>
+        <p:spPr>
+          <a:xfrm>
+            <a:off x="2431727" y="1459722"/>
+            <a:ext cx="1711745" cy="1322712"/>
+          </a:xfrm>
+          <a:prstGeom prst="rect">
+            <a:avLst/>
+          </a:prstGeom>
+        </p:spPr>
+      </p:pic>
+      <p:pic>
+        <p:nvPicPr>
+          <p:cNvPr id="9" name="图片 8"/>
+          <p:cNvPicPr>
+            <a:picLocks noChangeAspect="1"/>
+          </p:cNvPicPr>
+          <p:nvPr/>
+        </p:nvPicPr>
+        <p:blipFill>
+          <a:blip r:embed="rId5"/>
+          <a:stretch>
+            <a:fillRect/>
+          </a:stretch>
+        </p:blipFill>
+        <p:spPr>
+          <a:xfrm>
+            <a:off x="4788024" y="1475670"/>
+            <a:ext cx="1512168" cy="1306479"/>
+          </a:xfrm>
+          <a:prstGeom prst="rect">
+            <a:avLst/>
+          </a:prstGeom>
+        </p:spPr>
+      </p:pic>
+      <p:pic>
+        <p:nvPicPr>
+          <p:cNvPr id="11" name="图片 10"/>
+          <p:cNvPicPr>
+            <a:picLocks noChangeAspect="1"/>
+          </p:cNvPicPr>
+          <p:nvPr/>
+        </p:nvPicPr>
+        <p:blipFill>
+          <a:blip r:embed="rId6"/>
+          <a:stretch>
+            <a:fillRect/>
+          </a:stretch>
+        </p:blipFill>
+        <p:spPr>
+          <a:xfrm>
+            <a:off x="6699454" y="1618512"/>
+            <a:ext cx="1573086" cy="990027"/>
+          </a:xfrm>
+          <a:prstGeom prst="rect">
+            <a:avLst/>
+          </a:prstGeom>
+        </p:spPr>
+      </p:pic>
+      <p:pic>
+        <p:nvPicPr>
+          <p:cNvPr id="25" name="图片 24"/>
+          <p:cNvPicPr>
+            <a:picLocks noChangeAspect="1"/>
+          </p:cNvPicPr>
+          <p:nvPr/>
+        </p:nvPicPr>
+        <p:blipFill>
+          <a:blip r:embed="rId7"/>
+          <a:stretch>
+            <a:fillRect/>
+          </a:stretch>
+        </p:blipFill>
+        <p:spPr>
+          <a:xfrm>
+            <a:off x="1259632" y="3291830"/>
+            <a:ext cx="2448272" cy="1758305"/>
+          </a:xfrm>
+          <a:prstGeom prst="rect">
+            <a:avLst/>
+          </a:prstGeom>
+        </p:spPr>
+      </p:pic>
+      <p:pic>
+        <p:nvPicPr>
+          <p:cNvPr id="26" name="图片 25"/>
+          <p:cNvPicPr>
+            <a:picLocks noChangeAspect="1"/>
+          </p:cNvPicPr>
+          <p:nvPr/>
+        </p:nvPicPr>
+        <p:blipFill>
+          <a:blip r:embed="rId8"/>
+          <a:stretch>
+            <a:fillRect/>
+          </a:stretch>
+        </p:blipFill>
+        <p:spPr>
+          <a:xfrm>
+            <a:off x="4788024" y="3433240"/>
+            <a:ext cx="3545867" cy="1294083"/>
+          </a:xfrm>
+          <a:prstGeom prst="rect">
+            <a:avLst/>
+          </a:prstGeom>
+        </p:spPr>
+      </p:pic>
+    </p:spTree>
+    <p:extLst>
+      <p:ext uri="{BB962C8B-B14F-4D97-AF65-F5344CB8AC3E}">
+        <p14:creationId xmlns:p14="http://schemas.microsoft.com/office/powerpoint/2010/main" val="43583583"/>
+      </p:ext>
+    </p:extLst>
+  </p:cSld>
+  <p:clrMapOvr>
+    <a:masterClrMapping/>
+  </p:clrMapOvr>
+  <p:timing>
+    <p:tnLst>
+      <p:par>
+        <p:cTn id="1" dur="indefinite" restart="never" nodeType="tmRoot"/>
+      </p:par>
+    </p:tnLst>
+  </p:timing>
+</p:sld>
+</file>
+
+<file path=ppt/slides/slide19.xml><?xml version="1.0" encoding="utf-8"?>
+<p:sld xmlns:a="http://schemas.openxmlformats.org/drawingml/2006/main" xmlns:r="http://schemas.openxmlformats.org/officeDocument/2006/relationships" xmlns:p="http://schemas.openxmlformats.org/presentationml/2006/main">
+  <p:cSld>
+    <p:spTree>
+      <p:nvGrpSpPr>
+        <p:cNvPr id="1" name=""/>
+        <p:cNvGrpSpPr/>
+        <p:nvPr/>
+      </p:nvGrpSpPr>
+      <p:grpSpPr>
+        <a:xfrm>
+          <a:off x="0" y="0"/>
+          <a:ext cx="0" cy="0"/>
+          <a:chOff x="0" y="0"/>
+          <a:chExt cx="0" cy="0"/>
+        </a:xfrm>
+      </p:grpSpPr>
+      <p:sp>
+        <p:nvSpPr>
+          <p:cNvPr id="2" name="标题 1"/>
+          <p:cNvSpPr>
+            <a:spLocks noGrp="1"/>
+          </p:cNvSpPr>
+          <p:nvPr>
+            <p:ph type="title"/>
+          </p:nvPr>
+        </p:nvSpPr>
+        <p:spPr/>
+        <p:txBody>
+          <a:bodyPr/>
+          <a:lstStyle/>
+          <a:p>
+            <a:r>
+              <a:rPr lang="en-US" altLang="zh-CN" smtClean="0"/>
+              <a:t>2.5 LESS</a:t>
+            </a:r>
+            <a:r>
+              <a:rPr lang="zh-CN" altLang="en-US" smtClean="0"/>
+              <a:t>特性</a:t>
+            </a:r>
+            <a:r>
+              <a:rPr lang="en-US" altLang="zh-CN" smtClean="0"/>
+              <a:t>---</a:t>
+            </a:r>
+            <a:r>
+              <a:rPr lang="zh-CN" altLang="en-US" smtClean="0"/>
+              <a:t>其他</a:t>
+            </a:r>
+            <a:endParaRPr lang="zh-CN" altLang="en-US" dirty="0"/>
+          </a:p>
+        </p:txBody>
+      </p:sp>
+      <p:grpSp>
+        <p:nvGrpSpPr>
+          <p:cNvPr id="22" name="组合 21"/>
+          <p:cNvGrpSpPr/>
+          <p:nvPr/>
+        </p:nvGrpSpPr>
+        <p:grpSpPr>
+          <a:xfrm>
+            <a:off x="4499992" y="906027"/>
+            <a:ext cx="3744416" cy="505557"/>
+            <a:chOff x="4499992" y="906027"/>
+            <a:chExt cx="3744416" cy="505557"/>
+          </a:xfrm>
+        </p:grpSpPr>
+        <p:cxnSp>
+          <p:nvCxnSpPr>
+            <p:cNvPr id="8" name="直接连接符 7"/>
+            <p:cNvCxnSpPr/>
+            <p:nvPr/>
+          </p:nvCxnSpPr>
+          <p:spPr>
+            <a:xfrm>
+              <a:off x="4557337" y="1404958"/>
+              <a:ext cx="3687071" cy="6626"/>
+            </a:xfrm>
+            <a:prstGeom prst="line">
+              <a:avLst/>
+            </a:prstGeom>
+            <a:ln w="12700">
+              <a:solidFill>
+                <a:srgbClr val="C0504D"/>
+              </a:solidFill>
+              <a:headEnd type="none" w="med" len="med"/>
+              <a:tailEnd type="none" w="med" len="med"/>
+            </a:ln>
+          </p:spPr>
+          <p:style>
+            <a:lnRef idx="1">
+              <a:schemeClr val="accent1"/>
+            </a:lnRef>
+            <a:fillRef idx="0">
+              <a:schemeClr val="accent1"/>
+            </a:fillRef>
+            <a:effectRef idx="0">
+              <a:schemeClr val="accent1"/>
+            </a:effectRef>
+            <a:fontRef idx="minor">
+              <a:schemeClr val="tx1"/>
+            </a:fontRef>
+          </p:style>
+        </p:cxnSp>
+        <p:sp>
+          <p:nvSpPr>
+            <p:cNvPr id="10" name="矩形 9"/>
+            <p:cNvSpPr/>
+            <p:nvPr/>
+          </p:nvSpPr>
+          <p:spPr>
+            <a:xfrm>
+              <a:off x="4499992" y="906027"/>
+              <a:ext cx="3744416" cy="458908"/>
+            </a:xfrm>
+            <a:prstGeom prst="rect">
+              <a:avLst/>
+            </a:prstGeom>
+          </p:spPr>
+          <p:txBody>
+            <a:bodyPr wrap="square">
+              <a:spAutoFit/>
+            </a:bodyPr>
+            <a:lstStyle/>
+            <a:p>
+              <a:pPr algn="ctr">
+                <a:lnSpc>
+                  <a:spcPct val="150000"/>
+                </a:lnSpc>
+              </a:pPr>
+              <a:r>
+                <a:rPr lang="zh-CN" altLang="en-US" b="1" smtClean="0">
+                  <a:solidFill>
+                    <a:srgbClr val="C0504D"/>
+                  </a:solidFill>
+                  <a:latin typeface="微软雅黑" pitchFamily="34" charset="-122"/>
+                  <a:ea typeface="微软雅黑" pitchFamily="34" charset="-122"/>
+                </a:rPr>
+                <a:t>运算符</a:t>
+              </a:r>
+              <a:r>
+                <a:rPr lang="en-US" altLang="zh-CN" b="1" smtClean="0">
+                  <a:solidFill>
+                    <a:srgbClr val="C0504D"/>
+                  </a:solidFill>
+                  <a:latin typeface="微软雅黑" pitchFamily="34" charset="-122"/>
+                  <a:ea typeface="微软雅黑" pitchFamily="34" charset="-122"/>
+                </a:rPr>
+                <a:t>(+,-,*,/)</a:t>
+              </a:r>
+              <a:endParaRPr lang="en-US" altLang="zh-CN" b="1" dirty="0">
+                <a:solidFill>
+                  <a:srgbClr val="C0504D"/>
+                </a:solidFill>
+                <a:latin typeface="微软雅黑" pitchFamily="34" charset="-122"/>
+                <a:ea typeface="微软雅黑" pitchFamily="34" charset="-122"/>
+              </a:endParaRPr>
+            </a:p>
+          </p:txBody>
+        </p:sp>
+      </p:grpSp>
+      <p:grpSp>
+        <p:nvGrpSpPr>
+          <p:cNvPr id="21" name="组合 20"/>
+          <p:cNvGrpSpPr/>
+          <p:nvPr/>
+        </p:nvGrpSpPr>
+        <p:grpSpPr>
+          <a:xfrm>
+            <a:off x="637450" y="915566"/>
+            <a:ext cx="3600400" cy="496018"/>
+            <a:chOff x="637450" y="915566"/>
+            <a:chExt cx="3600400" cy="496018"/>
+          </a:xfrm>
+        </p:grpSpPr>
+        <p:cxnSp>
+          <p:nvCxnSpPr>
+            <p:cNvPr id="7" name="直接连接符 6"/>
+            <p:cNvCxnSpPr/>
+            <p:nvPr/>
+          </p:nvCxnSpPr>
+          <p:spPr>
+            <a:xfrm flipV="1">
+              <a:off x="637450" y="1404958"/>
+              <a:ext cx="3600400" cy="6626"/>
+            </a:xfrm>
+            <a:prstGeom prst="line">
+              <a:avLst/>
+            </a:prstGeom>
+            <a:ln w="12700">
+              <a:solidFill>
+                <a:schemeClr val="bg1">
+                  <a:lumMod val="65000"/>
+                </a:schemeClr>
+              </a:solidFill>
+              <a:headEnd type="none" w="med" len="med"/>
+              <a:tailEnd type="none" w="med" len="med"/>
+            </a:ln>
+          </p:spPr>
+          <p:style>
+            <a:lnRef idx="1">
+              <a:schemeClr val="accent1"/>
+            </a:lnRef>
+            <a:fillRef idx="0">
+              <a:schemeClr val="accent1"/>
+            </a:fillRef>
+            <a:effectRef idx="0">
+              <a:schemeClr val="accent1"/>
+            </a:effectRef>
+            <a:fontRef idx="minor">
+              <a:schemeClr val="tx1"/>
+            </a:fontRef>
+          </p:style>
+        </p:cxnSp>
+        <p:sp>
+          <p:nvSpPr>
+            <p:cNvPr id="13" name="矩形 12"/>
+            <p:cNvSpPr/>
+            <p:nvPr/>
+          </p:nvSpPr>
+          <p:spPr>
+            <a:xfrm>
+              <a:off x="637450" y="915566"/>
+              <a:ext cx="3600399" cy="458908"/>
+            </a:xfrm>
+            <a:prstGeom prst="rect">
+              <a:avLst/>
+            </a:prstGeom>
+          </p:spPr>
+          <p:txBody>
+            <a:bodyPr wrap="square">
+              <a:spAutoFit/>
+            </a:bodyPr>
+            <a:lstStyle/>
+            <a:p>
+              <a:pPr algn="ctr">
+                <a:lnSpc>
+                  <a:spcPct val="150000"/>
+                </a:lnSpc>
+              </a:pPr>
+              <a:r>
+                <a:rPr lang="zh-CN" altLang="en-US" b="1" smtClean="0">
+                  <a:solidFill>
+                    <a:schemeClr val="bg1">
+                      <a:lumMod val="65000"/>
+                    </a:schemeClr>
+                  </a:solidFill>
+                  <a:latin typeface="微软雅黑" pitchFamily="34" charset="-122"/>
+                  <a:ea typeface="微软雅黑" pitchFamily="34" charset="-122"/>
+                </a:rPr>
+                <a:t>导入</a:t>
+              </a:r>
+              <a:endParaRPr lang="en-US" altLang="zh-CN" b="1" dirty="0">
+                <a:solidFill>
+                  <a:schemeClr val="bg1">
+                    <a:lumMod val="65000"/>
+                  </a:schemeClr>
+                </a:solidFill>
+                <a:latin typeface="微软雅黑" pitchFamily="34" charset="-122"/>
+                <a:ea typeface="微软雅黑" pitchFamily="34" charset="-122"/>
+              </a:endParaRPr>
+            </a:p>
+          </p:txBody>
+        </p:sp>
+      </p:grpSp>
+      <p:grpSp>
+        <p:nvGrpSpPr>
+          <p:cNvPr id="23" name="组合 22"/>
+          <p:cNvGrpSpPr/>
+          <p:nvPr/>
+        </p:nvGrpSpPr>
+        <p:grpSpPr>
+          <a:xfrm>
+            <a:off x="637450" y="2711991"/>
+            <a:ext cx="3744416" cy="505557"/>
+            <a:chOff x="637450" y="2711991"/>
+            <a:chExt cx="3744416" cy="505557"/>
+          </a:xfrm>
+        </p:grpSpPr>
+        <p:cxnSp>
+          <p:nvCxnSpPr>
+            <p:cNvPr id="14" name="直接连接符 13"/>
+            <p:cNvCxnSpPr/>
+            <p:nvPr/>
+          </p:nvCxnSpPr>
+          <p:spPr>
+            <a:xfrm>
+              <a:off x="694795" y="3210922"/>
+              <a:ext cx="3687071" cy="6626"/>
+            </a:xfrm>
+            <a:prstGeom prst="line">
+              <a:avLst/>
+            </a:prstGeom>
+            <a:ln w="12700">
+              <a:solidFill>
+                <a:srgbClr val="C0504D"/>
+              </a:solidFill>
+              <a:headEnd type="none" w="med" len="med"/>
+              <a:tailEnd type="none" w="med" len="med"/>
+            </a:ln>
+          </p:spPr>
+          <p:style>
+            <a:lnRef idx="1">
+              <a:schemeClr val="accent1"/>
+            </a:lnRef>
+            <a:fillRef idx="0">
+              <a:schemeClr val="accent1"/>
+            </a:fillRef>
+            <a:effectRef idx="0">
+              <a:schemeClr val="accent1"/>
+            </a:effectRef>
+            <a:fontRef idx="minor">
+              <a:schemeClr val="tx1"/>
+            </a:fontRef>
+          </p:style>
+        </p:cxnSp>
+        <p:sp>
+          <p:nvSpPr>
+            <p:cNvPr id="15" name="矩形 14"/>
+            <p:cNvSpPr/>
+            <p:nvPr/>
+          </p:nvSpPr>
+          <p:spPr>
+            <a:xfrm>
+              <a:off x="637450" y="2711991"/>
+              <a:ext cx="3744416" cy="458908"/>
+            </a:xfrm>
+            <a:prstGeom prst="rect">
+              <a:avLst/>
+            </a:prstGeom>
+          </p:spPr>
+          <p:txBody>
+            <a:bodyPr wrap="square">
+              <a:spAutoFit/>
+            </a:bodyPr>
+            <a:lstStyle/>
+            <a:p>
+              <a:pPr algn="ctr">
+                <a:lnSpc>
+                  <a:spcPct val="150000"/>
+                </a:lnSpc>
+              </a:pPr>
+              <a:r>
+                <a:rPr lang="zh-CN" altLang="en-US" b="1" smtClean="0">
+                  <a:solidFill>
+                    <a:srgbClr val="C0504D"/>
+                  </a:solidFill>
+                  <a:latin typeface="微软雅黑" pitchFamily="34" charset="-122"/>
+                  <a:ea typeface="微软雅黑" pitchFamily="34" charset="-122"/>
+                </a:rPr>
+                <a:t>系统函数</a:t>
+              </a:r>
+              <a:endParaRPr lang="en-US" altLang="zh-CN" b="1" dirty="0">
+                <a:solidFill>
+                  <a:srgbClr val="C0504D"/>
+                </a:solidFill>
+                <a:latin typeface="微软雅黑" pitchFamily="34" charset="-122"/>
+                <a:ea typeface="微软雅黑" pitchFamily="34" charset="-122"/>
+              </a:endParaRPr>
+            </a:p>
+          </p:txBody>
+        </p:sp>
+      </p:grpSp>
+      <p:grpSp>
+        <p:nvGrpSpPr>
+          <p:cNvPr id="24" name="组合 23"/>
+          <p:cNvGrpSpPr/>
+          <p:nvPr/>
+        </p:nvGrpSpPr>
+        <p:grpSpPr>
+          <a:xfrm>
+            <a:off x="4655837" y="2711991"/>
+            <a:ext cx="3600400" cy="496018"/>
+            <a:chOff x="4655837" y="2711991"/>
+            <a:chExt cx="3600400" cy="496018"/>
+          </a:xfrm>
+        </p:grpSpPr>
+        <p:cxnSp>
+          <p:nvCxnSpPr>
+            <p:cNvPr id="16" name="直接连接符 15"/>
+            <p:cNvCxnSpPr/>
+            <p:nvPr/>
+          </p:nvCxnSpPr>
+          <p:spPr>
+            <a:xfrm flipV="1">
+              <a:off x="4655837" y="3201383"/>
+              <a:ext cx="3600400" cy="6626"/>
+            </a:xfrm>
+            <a:prstGeom prst="line">
+              <a:avLst/>
+            </a:prstGeom>
+            <a:ln w="12700">
+              <a:solidFill>
+                <a:schemeClr val="bg1">
+                  <a:lumMod val="65000"/>
+                </a:schemeClr>
+              </a:solidFill>
+              <a:headEnd type="none" w="med" len="med"/>
+              <a:tailEnd type="none" w="med" len="med"/>
+            </a:ln>
+          </p:spPr>
+          <p:style>
+            <a:lnRef idx="1">
+              <a:schemeClr val="accent1"/>
+            </a:lnRef>
+            <a:fillRef idx="0">
+              <a:schemeClr val="accent1"/>
+            </a:fillRef>
+            <a:effectRef idx="0">
+              <a:schemeClr val="accent1"/>
+            </a:effectRef>
+            <a:fontRef idx="minor">
+              <a:schemeClr val="tx1"/>
+            </a:fontRef>
+          </p:style>
+        </p:cxnSp>
+        <p:sp>
+          <p:nvSpPr>
+            <p:cNvPr id="17" name="矩形 16"/>
+            <p:cNvSpPr/>
+            <p:nvPr/>
+          </p:nvSpPr>
+          <p:spPr>
+            <a:xfrm>
+              <a:off x="4655837" y="2711991"/>
+              <a:ext cx="3600399" cy="458908"/>
+            </a:xfrm>
+            <a:prstGeom prst="rect">
+              <a:avLst/>
+            </a:prstGeom>
+          </p:spPr>
+          <p:txBody>
+            <a:bodyPr wrap="square">
+              <a:spAutoFit/>
+            </a:bodyPr>
+            <a:lstStyle/>
+            <a:p>
+              <a:pPr algn="ctr">
+                <a:lnSpc>
+                  <a:spcPct val="150000"/>
+                </a:lnSpc>
+              </a:pPr>
+              <a:r>
+                <a:rPr lang="zh-CN" altLang="en-US" b="1" smtClean="0">
+                  <a:solidFill>
+                    <a:schemeClr val="bg1">
+                      <a:lumMod val="65000"/>
+                    </a:schemeClr>
+                  </a:solidFill>
+                  <a:latin typeface="微软雅黑" pitchFamily="34" charset="-122"/>
+                  <a:ea typeface="微软雅黑" pitchFamily="34" charset="-122"/>
+                </a:rPr>
+                <a:t>命名空间和访问</a:t>
+              </a:r>
+              <a:endParaRPr lang="en-US" altLang="zh-CN" b="1" dirty="0">
+                <a:solidFill>
+                  <a:schemeClr val="bg1">
+                    <a:lumMod val="65000"/>
+                  </a:schemeClr>
+                </a:solidFill>
+                <a:latin typeface="微软雅黑" pitchFamily="34" charset="-122"/>
+                <a:ea typeface="微软雅黑" pitchFamily="34" charset="-122"/>
+              </a:endParaRPr>
+            </a:p>
+          </p:txBody>
+        </p:sp>
+      </p:grpSp>
+      <p:pic>
+        <p:nvPicPr>
+          <p:cNvPr id="3" name="图片 2"/>
+          <p:cNvPicPr>
+            <a:picLocks noChangeAspect="1"/>
+          </p:cNvPicPr>
+          <p:nvPr/>
+        </p:nvPicPr>
+        <p:blipFill>
+          <a:blip r:embed="rId3"/>
+          <a:stretch>
+            <a:fillRect/>
+          </a:stretch>
+        </p:blipFill>
+        <p:spPr>
+          <a:xfrm>
+            <a:off x="694796" y="1537330"/>
+            <a:ext cx="3543054" cy="901178"/>
+          </a:xfrm>
+          <a:prstGeom prst="rect">
+            <a:avLst/>
+          </a:prstGeom>
+        </p:spPr>
+      </p:pic>
+      <p:pic>
+        <p:nvPicPr>
+          <p:cNvPr id="12" name="图片 11"/>
+          <p:cNvPicPr>
+            <a:picLocks noChangeAspect="1"/>
+          </p:cNvPicPr>
+          <p:nvPr/>
+        </p:nvPicPr>
+        <p:blipFill>
+          <a:blip r:embed="rId4"/>
+          <a:stretch>
+            <a:fillRect/>
+          </a:stretch>
+        </p:blipFill>
+        <p:spPr>
+          <a:xfrm>
+            <a:off x="5068724" y="1470533"/>
+            <a:ext cx="2664296" cy="1348088"/>
+          </a:xfrm>
+          <a:prstGeom prst="rect">
+            <a:avLst/>
+          </a:prstGeom>
+        </p:spPr>
+      </p:pic>
+      <p:pic>
+        <p:nvPicPr>
+          <p:cNvPr id="18" name="图片 17"/>
+          <p:cNvPicPr>
+            <a:picLocks noChangeAspect="1"/>
+          </p:cNvPicPr>
+          <p:nvPr/>
+        </p:nvPicPr>
+        <p:blipFill>
+          <a:blip r:embed="rId5"/>
+          <a:stretch>
+            <a:fillRect/>
+          </a:stretch>
+        </p:blipFill>
+        <p:spPr>
+          <a:xfrm>
+            <a:off x="941181" y="3267865"/>
+            <a:ext cx="3194298" cy="1829344"/>
+          </a:xfrm>
+          <a:prstGeom prst="rect">
+            <a:avLst/>
+          </a:prstGeom>
+        </p:spPr>
+      </p:pic>
+      <p:pic>
+        <p:nvPicPr>
+          <p:cNvPr id="19" name="图片 18"/>
+          <p:cNvPicPr>
+            <a:picLocks noChangeAspect="1"/>
+          </p:cNvPicPr>
+          <p:nvPr/>
+        </p:nvPicPr>
+        <p:blipFill>
+          <a:blip r:embed="rId6"/>
+          <a:stretch>
+            <a:fillRect/>
+          </a:stretch>
+        </p:blipFill>
+        <p:spPr>
+          <a:xfrm>
+            <a:off x="5068724" y="3319371"/>
+            <a:ext cx="2664296" cy="1692611"/>
+          </a:xfrm>
+          <a:prstGeom prst="rect">
+            <a:avLst/>
+          </a:prstGeom>
+        </p:spPr>
+      </p:pic>
+    </p:spTree>
+    <p:extLst>
+      <p:ext uri="{BB962C8B-B14F-4D97-AF65-F5344CB8AC3E}">
+        <p14:creationId xmlns:p14="http://schemas.microsoft.com/office/powerpoint/2010/main" val="2212344908"/>
+      </p:ext>
+    </p:extLst>
+  </p:cSld>
+  <p:clrMapOvr>
+    <a:masterClrMapping/>
+  </p:clrMapOvr>
+  <p:timing>
+    <p:tnLst>
+      <p:par>
+        <p:cTn id="1" dur="indefinite" restart="never" nodeType="tmRoot"/>
+      </p:par>
+    </p:tnLst>
   </p:timing>
 </p:sld>
 </file>
@@ -8421,6 +12507,43 @@
 </p:sld>
 </file>
 
+<file path=ppt/slides/slide20.xml><?xml version="1.0" encoding="utf-8"?>
+<p:sld xmlns:a="http://schemas.openxmlformats.org/drawingml/2006/main" xmlns:r="http://schemas.openxmlformats.org/officeDocument/2006/relationships" xmlns:p="http://schemas.openxmlformats.org/presentationml/2006/main">
+  <p:cSld>
+    <p:spTree>
+      <p:nvGrpSpPr>
+        <p:cNvPr id="1" name=""/>
+        <p:cNvGrpSpPr/>
+        <p:nvPr/>
+      </p:nvGrpSpPr>
+      <p:grpSpPr>
+        <a:xfrm>
+          <a:off x="0" y="0"/>
+          <a:ext cx="0" cy="0"/>
+          <a:chOff x="0" y="0"/>
+          <a:chExt cx="0" cy="0"/>
+        </a:xfrm>
+      </p:grpSpPr>
+    </p:spTree>
+    <p:extLst>
+      <p:ext uri="{BB962C8B-B14F-4D97-AF65-F5344CB8AC3E}">
+        <p14:creationId xmlns:p14="http://schemas.microsoft.com/office/powerpoint/2010/main" val="861954433"/>
+      </p:ext>
+    </p:extLst>
+  </p:cSld>
+  <p:clrMapOvr>
+    <a:masterClrMapping/>
+  </p:clrMapOvr>
+  <p:timing>
+    <p:tnLst>
+      <p:par>
+        <p:cTn id="1" dur="indefinite" restart="never" nodeType="tmRoot"/>
+      </p:par>
+    </p:tnLst>
+  </p:timing>
+</p:sld>
+</file>
+
 <file path=ppt/slides/slide3.xml><?xml version="1.0" encoding="utf-8"?>
 <p:sld xmlns:a="http://schemas.openxmlformats.org/drawingml/2006/main" xmlns:r="http://schemas.openxmlformats.org/officeDocument/2006/relationships" xmlns:p="http://schemas.openxmlformats.org/presentationml/2006/main">
   <p:cSld>
@@ -8455,19 +12578,11 @@
           <a:p>
             <a:r>
               <a:rPr lang="en-US" altLang="zh-CN" smtClean="0"/>
-              <a:t>1.0 </a:t>
-            </a:r>
-            <a:r>
-              <a:rPr lang="en-US" altLang="zh-CN" smtClean="0"/>
-              <a:t>ES6</a:t>
+              <a:t>1.0 ES6</a:t>
             </a:r>
             <a:r>
               <a:rPr lang="zh-CN" altLang="en-US" smtClean="0"/>
               <a:t>简介</a:t>
-            </a:r>
-            <a:r>
-              <a:rPr lang="en-US" altLang="zh-CN" smtClean="0"/>
-              <a:t>1</a:t>
             </a:r>
             <a:endParaRPr lang="zh-CN" altLang="en-US" dirty="0"/>
           </a:p>
@@ -9007,235 +13122,9 @@
   <p:timing>
     <p:tnLst>
       <p:par>
-        <p:cTn id="1" dur="indefinite" restart="never" nodeType="tmRoot">
-          <p:childTnLst>
-            <p:seq concurrent="1" nextAc="seek">
-              <p:cTn id="2" dur="indefinite" nodeType="mainSeq">
-                <p:childTnLst>
-                  <p:par>
-                    <p:cTn id="3" fill="hold">
-                      <p:stCondLst>
-                        <p:cond delay="indefinite"/>
-                        <p:cond evt="onBegin" delay="0">
-                          <p:tn val="2"/>
-                        </p:cond>
-                      </p:stCondLst>
-                      <p:childTnLst>
-                        <p:par>
-                          <p:cTn id="4" fill="hold">
-                            <p:stCondLst>
-                              <p:cond delay="0"/>
-                            </p:stCondLst>
-                            <p:childTnLst>
-                              <p:par>
-                                <p:cTn id="5" presetID="12" presetClass="entr" presetSubtype="4" fill="hold" grpId="0" nodeType="withEffect">
-                                  <p:stCondLst>
-                                    <p:cond delay="0"/>
-                                  </p:stCondLst>
-                                  <p:childTnLst>
-                                    <p:set>
-                                      <p:cBhvr>
-                                        <p:cTn id="6" dur="1" fill="hold">
-                                          <p:stCondLst>
-                                            <p:cond delay="0"/>
-                                          </p:stCondLst>
-                                        </p:cTn>
-                                        <p:tgtEl>
-                                          <p:spTgt spid="4"/>
-                                        </p:tgtEl>
-                                        <p:attrNameLst>
-                                          <p:attrName>style.visibility</p:attrName>
-                                        </p:attrNameLst>
-                                      </p:cBhvr>
-                                      <p:to>
-                                        <p:strVal val="visible"/>
-                                      </p:to>
-                                    </p:set>
-                                    <p:animEffect transition="in" filter="slide(fromBottom)">
-                                      <p:cBhvr>
-                                        <p:cTn id="7" dur="500"/>
-                                        <p:tgtEl>
-                                          <p:spTgt spid="4"/>
-                                        </p:tgtEl>
-                                      </p:cBhvr>
-                                    </p:animEffect>
-                                  </p:childTnLst>
-                                </p:cTn>
-                              </p:par>
-                            </p:childTnLst>
-                          </p:cTn>
-                        </p:par>
-                        <p:par>
-                          <p:cTn id="8" fill="hold">
-                            <p:stCondLst>
-                              <p:cond delay="500"/>
-                            </p:stCondLst>
-                            <p:childTnLst>
-                              <p:par>
-                                <p:cTn id="9" presetID="12" presetClass="entr" presetSubtype="8" fill="hold" grpId="0" nodeType="afterEffect">
-                                  <p:stCondLst>
-                                    <p:cond delay="0"/>
-                                  </p:stCondLst>
-                                  <p:childTnLst>
-                                    <p:set>
-                                      <p:cBhvr>
-                                        <p:cTn id="10" dur="1" fill="hold">
-                                          <p:stCondLst>
-                                            <p:cond delay="0"/>
-                                          </p:stCondLst>
-                                        </p:cTn>
-                                        <p:tgtEl>
-                                          <p:spTgt spid="3"/>
-                                        </p:tgtEl>
-                                        <p:attrNameLst>
-                                          <p:attrName>style.visibility</p:attrName>
-                                        </p:attrNameLst>
-                                      </p:cBhvr>
-                                      <p:to>
-                                        <p:strVal val="visible"/>
-                                      </p:to>
-                                    </p:set>
-                                    <p:animEffect transition="in" filter="slide(fromLeft)">
-                                      <p:cBhvr>
-                                        <p:cTn id="11" dur="1000"/>
-                                        <p:tgtEl>
-                                          <p:spTgt spid="3"/>
-                                        </p:tgtEl>
-                                      </p:cBhvr>
-                                    </p:animEffect>
-                                  </p:childTnLst>
-                                </p:cTn>
-                              </p:par>
-                            </p:childTnLst>
-                          </p:cTn>
-                        </p:par>
-                      </p:childTnLst>
-                    </p:cTn>
-                  </p:par>
-                  <p:par>
-                    <p:cTn id="12" fill="hold">
-                      <p:stCondLst>
-                        <p:cond delay="indefinite"/>
-                      </p:stCondLst>
-                      <p:childTnLst>
-                        <p:par>
-                          <p:cTn id="13" fill="hold">
-                            <p:stCondLst>
-                              <p:cond delay="0"/>
-                            </p:stCondLst>
-                            <p:childTnLst>
-                              <p:par>
-                                <p:cTn id="14" presetID="12" presetClass="entr" presetSubtype="4" fill="hold" grpId="0" nodeType="clickEffect">
-                                  <p:stCondLst>
-                                    <p:cond delay="0"/>
-                                  </p:stCondLst>
-                                  <p:childTnLst>
-                                    <p:set>
-                                      <p:cBhvr>
-                                        <p:cTn id="15" dur="1" fill="hold">
-                                          <p:stCondLst>
-                                            <p:cond delay="0"/>
-                                          </p:stCondLst>
-                                        </p:cTn>
-                                        <p:tgtEl>
-                                          <p:spTgt spid="6"/>
-                                        </p:tgtEl>
-                                        <p:attrNameLst>
-                                          <p:attrName>style.visibility</p:attrName>
-                                        </p:attrNameLst>
-                                      </p:cBhvr>
-                                      <p:to>
-                                        <p:strVal val="visible"/>
-                                      </p:to>
-                                    </p:set>
-                                    <p:animEffect transition="in" filter="slide(fromBottom)">
-                                      <p:cBhvr>
-                                        <p:cTn id="16" dur="500"/>
-                                        <p:tgtEl>
-                                          <p:spTgt spid="6"/>
-                                        </p:tgtEl>
-                                      </p:cBhvr>
-                                    </p:animEffect>
-                                  </p:childTnLst>
-                                </p:cTn>
-                              </p:par>
-                            </p:childTnLst>
-                          </p:cTn>
-                        </p:par>
-                        <p:par>
-                          <p:cTn id="17" fill="hold">
-                            <p:stCondLst>
-                              <p:cond delay="500"/>
-                            </p:stCondLst>
-                            <p:childTnLst>
-                              <p:par>
-                                <p:cTn id="18" presetID="12" presetClass="entr" presetSubtype="8" fill="hold" grpId="0" nodeType="afterEffect">
-                                  <p:stCondLst>
-                                    <p:cond delay="0"/>
-                                  </p:stCondLst>
-                                  <p:childTnLst>
-                                    <p:set>
-                                      <p:cBhvr>
-                                        <p:cTn id="19" dur="1" fill="hold">
-                                          <p:stCondLst>
-                                            <p:cond delay="0"/>
-                                          </p:stCondLst>
-                                        </p:cTn>
-                                        <p:tgtEl>
-                                          <p:spTgt spid="5"/>
-                                        </p:tgtEl>
-                                        <p:attrNameLst>
-                                          <p:attrName>style.visibility</p:attrName>
-                                        </p:attrNameLst>
-                                      </p:cBhvr>
-                                      <p:to>
-                                        <p:strVal val="visible"/>
-                                      </p:to>
-                                    </p:set>
-                                    <p:animEffect transition="in" filter="slide(fromLeft)">
-                                      <p:cBhvr>
-                                        <p:cTn id="20" dur="500"/>
-                                        <p:tgtEl>
-                                          <p:spTgt spid="5"/>
-                                        </p:tgtEl>
-                                      </p:cBhvr>
-                                    </p:animEffect>
-                                  </p:childTnLst>
-                                </p:cTn>
-                              </p:par>
-                            </p:childTnLst>
-                          </p:cTn>
-                        </p:par>
-                      </p:childTnLst>
-                    </p:cTn>
-                  </p:par>
-                </p:childTnLst>
-              </p:cTn>
-              <p:prevCondLst>
-                <p:cond evt="onPrev" delay="0">
-                  <p:tgtEl>
-                    <p:sldTgt/>
-                  </p:tgtEl>
-                </p:cond>
-              </p:prevCondLst>
-              <p:nextCondLst>
-                <p:cond evt="onNext" delay="0">
-                  <p:tgtEl>
-                    <p:sldTgt/>
-                  </p:tgtEl>
-                </p:cond>
-              </p:nextCondLst>
-            </p:seq>
-          </p:childTnLst>
-        </p:cTn>
+        <p:cTn id="1" dur="indefinite" restart="never" nodeType="tmRoot"/>
       </p:par>
     </p:tnLst>
-    <p:bldLst>
-      <p:bldP spid="3" grpId="0" animBg="1"/>
-      <p:bldP spid="4" grpId="0" animBg="1"/>
-      <p:bldP spid="5" grpId="0" animBg="1"/>
-      <p:bldP spid="6" grpId="0" animBg="1"/>
-    </p:bldLst>
   </p:timing>
 </p:sld>
 </file>
@@ -9282,11 +13171,7 @@
             </a:r>
             <a:r>
               <a:rPr lang="zh-CN" altLang="en-US" smtClean="0"/>
-              <a:t>简介</a:t>
-            </a:r>
-            <a:r>
-              <a:rPr lang="en-US" altLang="zh-CN" smtClean="0"/>
-              <a:t>2</a:t>
+              <a:t>兼容性</a:t>
             </a:r>
             <a:endParaRPr lang="zh-CN" altLang="en-US" dirty="0"/>
           </a:p>
@@ -9866,11 +13751,7 @@
           <a:p>
             <a:r>
               <a:rPr lang="en-US" altLang="zh-CN" smtClean="0"/>
-              <a:t>1.2 </a:t>
-            </a:r>
-            <a:r>
-              <a:rPr lang="en-US" altLang="zh-CN" smtClean="0"/>
-              <a:t>let</a:t>
+              <a:t>1.2 let</a:t>
             </a:r>
             <a:r>
               <a:rPr lang="zh-CN" altLang="en-US" smtClean="0"/>
@@ -11631,34 +15512,6 @@
           </a:prstGeom>
         </p:spPr>
       </p:pic>
-      <p:sp>
-        <p:nvSpPr>
-          <p:cNvPr id="10" name="矩形 9"/>
-          <p:cNvSpPr/>
-          <p:nvPr/>
-        </p:nvSpPr>
-        <p:spPr>
-          <a:xfrm>
-            <a:off x="4285703" y="2387084"/>
-            <a:ext cx="572593" cy="369332"/>
-          </a:xfrm>
-          <a:prstGeom prst="rect">
-            <a:avLst/>
-          </a:prstGeom>
-        </p:spPr>
-        <p:txBody>
-          <a:bodyPr wrap="none">
-            <a:spAutoFit/>
-          </a:bodyPr>
-          <a:lstStyle/>
-          <a:p>
-            <a:r>
-              <a:rPr lang="zh-CN" altLang="en-US"/>
-              <a:t>arr1</a:t>
-            </a:r>
-          </a:p>
-        </p:txBody>
-      </p:sp>
     </p:spTree>
     <p:extLst>
       <p:ext uri="{BB962C8B-B14F-4D97-AF65-F5344CB8AC3E}">

--- a/00_学习分享/学习分享_es6_less.pptx
+++ b/00_学习分享/学习分享_es6_less.pptx
@@ -228,7 +228,7 @@
             <a:fld id="{996F5091-51AA-4571-9DB0-CBB376339E62}" type="datetimeFigureOut">
               <a:rPr lang="zh-CN" altLang="en-US" smtClean="0"/>
               <a:pPr/>
-              <a:t>2018/3/8</a:t>
+              <a:t>2018/3/9</a:t>
             </a:fld>
             <a:endParaRPr lang="zh-CN" altLang="en-US"/>
           </a:p>
@@ -547,7 +547,31 @@
             </a:r>
             <a:r>
               <a:rPr lang="zh-CN" altLang="en-US" smtClean="0"/>
-              <a:t>：</a:t>
+              <a:t>：实际上让</a:t>
+            </a:r>
+            <a:r>
+              <a:rPr lang="en-US" altLang="zh-CN" smtClean="0"/>
+              <a:t>js</a:t>
+            </a:r>
+            <a:r>
+              <a:rPr lang="zh-CN" altLang="en-US" smtClean="0"/>
+              <a:t>语言更严谨，由轻量级的脚本语言逐渐向标准的编程语言靠拢（</a:t>
+            </a:r>
+            <a:r>
+              <a:rPr lang="en-US" altLang="zh-CN" smtClean="0"/>
+              <a:t>java,c++</a:t>
+            </a:r>
+            <a:r>
+              <a:rPr lang="zh-CN" altLang="en-US" smtClean="0"/>
+              <a:t>）。</a:t>
+            </a:r>
+            <a:r>
+              <a:rPr lang="en-US" altLang="zh-CN" smtClean="0"/>
+              <a:t>ES2015</a:t>
+            </a:r>
+            <a:r>
+              <a:rPr lang="zh-CN" altLang="en-US" smtClean="0"/>
+              <a:t>官方叫法，</a:t>
             </a:r>
             <a:r>
               <a:rPr lang="en-US" altLang="zh-CN" smtClean="0"/>
@@ -563,47 +587,15 @@
             </a:r>
             <a:r>
               <a:rPr lang="zh-CN" altLang="en-US" smtClean="0"/>
-              <a:t>月发布，狭义：</a:t>
+              <a:t>月发布，每年发布</a:t>
             </a:r>
             <a:r>
               <a:rPr lang="en-US" altLang="zh-CN" smtClean="0"/>
-              <a:t>es2015</a:t>
+              <a:t>1</a:t>
             </a:r>
             <a:r>
               <a:rPr lang="zh-CN" altLang="en-US" smtClean="0"/>
-              <a:t>，广义：</a:t>
-            </a:r>
-            <a:r>
-              <a:rPr lang="en-US" altLang="zh-CN" smtClean="0"/>
-              <a:t>js</a:t>
-            </a:r>
-            <a:r>
-              <a:rPr lang="zh-CN" altLang="en-US" smtClean="0"/>
-              <a:t>语言的下一代标准，包含</a:t>
-            </a:r>
-            <a:r>
-              <a:rPr lang="en-US" altLang="zh-CN" smtClean="0"/>
-              <a:t>es2015,es2016…</a:t>
-            </a:r>
-            <a:r>
-              <a:rPr lang="zh-CN" altLang="en-US" smtClean="0"/>
-              <a:t>，</a:t>
-            </a:r>
-            <a:r>
-              <a:rPr lang="en-US" altLang="zh-CN" smtClean="0"/>
-              <a:t>es2015</a:t>
-            </a:r>
-            <a:r>
-              <a:rPr lang="zh-CN" altLang="en-US" smtClean="0"/>
-              <a:t>正式名字，</a:t>
-            </a:r>
-            <a:r>
-              <a:rPr lang="en-US" altLang="zh-CN" smtClean="0"/>
-              <a:t>babel</a:t>
-            </a:r>
-            <a:r>
-              <a:rPr lang="zh-CN" altLang="en-US" smtClean="0"/>
-              <a:t>中使用正式名称</a:t>
+              <a:t>版</a:t>
             </a:r>
             <a:endParaRPr lang="en-US" altLang="zh-CN" smtClean="0"/>
           </a:p>
@@ -614,7 +606,7 @@
             </a:r>
             <a:r>
               <a:rPr lang="zh-CN" altLang="en-US" smtClean="0"/>
-              <a:t>：跟随时代脚步</a:t>
+              <a:t>：看懂官网例子，接触跟多开发</a:t>
             </a:r>
             <a:endParaRPr lang="zh-CN" altLang="en-US"/>
           </a:p>
@@ -2241,7 +2233,7 @@
           <a:p>
             <a:r>
               <a:rPr lang="zh-CN" altLang="en-US" smtClean="0"/>
-              <a:t>解构数据：按照位置来解构，模式就是位置。</a:t>
+              <a:t>解构数组：按照位置来解构，模式就是位置。</a:t>
             </a:r>
             <a:endParaRPr lang="en-US" altLang="zh-CN" smtClean="0"/>
           </a:p>
@@ -2572,7 +2564,7 @@
                 <a:latin typeface="微软雅黑" pitchFamily="34" charset="-122"/>
                 <a:ea typeface="微软雅黑" pitchFamily="34" charset="-122"/>
               </a:rPr>
-              <a:t>定义：新的函数定义方式，用箭头来连接函数参数和函数体，如果只有一个参数，可以省略括号，函数体如果只有一句，可以省略</a:t>
+              <a:t>定义：新的函数定义语法，用箭头来连接函数参数和函数体，如果只有一个参数，可以省略括号，函数体如果只有一句，可以省略</a:t>
             </a:r>
             <a:r>
               <a:rPr lang="en-US" altLang="zh-CN" b="0" smtClean="0">
@@ -2797,6 +2789,202 @@
                 <a:cs typeface="+mn-cs"/>
               </a:rPr>
               <a:t>，很大程度上解决了这个困扰。</a:t>
+            </a:r>
+            <a:endParaRPr lang="en-US" altLang="zh-CN" sz="1200" b="0" i="0" kern="1200" smtClean="0">
+              <a:solidFill>
+                <a:schemeClr val="tx1"/>
+              </a:solidFill>
+              <a:effectLst/>
+              <a:latin typeface="+mn-lt"/>
+              <a:ea typeface="+mn-ea"/>
+              <a:cs typeface="+mn-cs"/>
+            </a:endParaRPr>
+          </a:p>
+          <a:p>
+            <a:pPr marL="0" marR="0" indent="0" algn="l" defTabSz="914400" rtl="0" eaLnBrk="1" fontAlgn="auto" latinLnBrk="0" hangingPunct="1">
+              <a:lnSpc>
+                <a:spcPct val="100000"/>
+              </a:lnSpc>
+              <a:spcBef>
+                <a:spcPts val="0"/>
+              </a:spcBef>
+              <a:spcAft>
+                <a:spcPts val="0"/>
+              </a:spcAft>
+              <a:buClrTx/>
+              <a:buSzTx/>
+              <a:buFontTx/>
+              <a:buNone/>
+              <a:tabLst/>
+              <a:defRPr/>
+            </a:pPr>
+            <a:r>
+              <a:rPr lang="zh-CN" altLang="en-US" sz="1200" b="0" i="0" kern="1200" smtClean="0">
+                <a:solidFill>
+                  <a:schemeClr val="tx1"/>
+                </a:solidFill>
+                <a:effectLst/>
+                <a:latin typeface="+mn-lt"/>
+                <a:ea typeface="+mn-ea"/>
+                <a:cs typeface="+mn-cs"/>
+              </a:rPr>
+              <a:t>例</a:t>
+            </a:r>
+            <a:r>
+              <a:rPr lang="en-US" altLang="zh-CN" sz="1200" b="0" i="0" kern="1200" smtClean="0">
+                <a:solidFill>
+                  <a:schemeClr val="tx1"/>
+                </a:solidFill>
+                <a:effectLst/>
+                <a:latin typeface="+mn-lt"/>
+                <a:ea typeface="+mn-ea"/>
+                <a:cs typeface="+mn-cs"/>
+              </a:rPr>
+              <a:t>3</a:t>
+            </a:r>
+            <a:r>
+              <a:rPr lang="zh-CN" altLang="en-US" sz="1200" b="0" i="0" kern="1200" smtClean="0">
+                <a:solidFill>
+                  <a:schemeClr val="tx1"/>
+                </a:solidFill>
+                <a:effectLst/>
+                <a:latin typeface="+mn-lt"/>
+                <a:ea typeface="+mn-ea"/>
+                <a:cs typeface="+mn-cs"/>
+              </a:rPr>
+              <a:t>：上面代码的</a:t>
+            </a:r>
+            <a:r>
+              <a:rPr lang="en-US" altLang="zh-CN" smtClean="0"/>
+              <a:t>init</a:t>
+            </a:r>
+            <a:r>
+              <a:rPr lang="zh-CN" altLang="en-US" sz="1200" b="0" i="0" kern="1200" smtClean="0">
+                <a:solidFill>
+                  <a:schemeClr val="tx1"/>
+                </a:solidFill>
+                <a:effectLst/>
+                <a:latin typeface="+mn-lt"/>
+                <a:ea typeface="+mn-ea"/>
+                <a:cs typeface="+mn-cs"/>
+              </a:rPr>
+              <a:t>方法中，使用了箭头函数，这导致这个箭头函数里面的</a:t>
+            </a:r>
+            <a:r>
+              <a:rPr lang="en-US" altLang="zh-CN" smtClean="0"/>
+              <a:t>this</a:t>
+            </a:r>
+            <a:r>
+              <a:rPr lang="zh-CN" altLang="en-US" sz="1200" b="0" i="0" kern="1200" smtClean="0">
+                <a:solidFill>
+                  <a:schemeClr val="tx1"/>
+                </a:solidFill>
+                <a:effectLst/>
+                <a:latin typeface="+mn-lt"/>
+                <a:ea typeface="+mn-ea"/>
+                <a:cs typeface="+mn-cs"/>
+              </a:rPr>
+              <a:t>，总是指向</a:t>
+            </a:r>
+            <a:r>
+              <a:rPr lang="en-US" altLang="zh-CN" smtClean="0"/>
+              <a:t>handler</a:t>
+            </a:r>
+            <a:r>
+              <a:rPr lang="zh-CN" altLang="en-US" sz="1200" b="0" i="0" kern="1200" smtClean="0">
+                <a:solidFill>
+                  <a:schemeClr val="tx1"/>
+                </a:solidFill>
+                <a:effectLst/>
+                <a:latin typeface="+mn-lt"/>
+                <a:ea typeface="+mn-ea"/>
+                <a:cs typeface="+mn-cs"/>
+              </a:rPr>
+              <a:t>对象。否则，回调函数运行时，</a:t>
+            </a:r>
+            <a:r>
+              <a:rPr lang="en-US" altLang="zh-CN" smtClean="0"/>
+              <a:t>this.doSomething</a:t>
+            </a:r>
+            <a:r>
+              <a:rPr lang="zh-CN" altLang="en-US" sz="1200" b="0" i="0" kern="1200" smtClean="0">
+                <a:solidFill>
+                  <a:schemeClr val="tx1"/>
+                </a:solidFill>
+                <a:effectLst/>
+                <a:latin typeface="+mn-lt"/>
+                <a:ea typeface="+mn-ea"/>
+                <a:cs typeface="+mn-cs"/>
+              </a:rPr>
+              <a:t>这一行会报错，因为此时</a:t>
+            </a:r>
+            <a:r>
+              <a:rPr lang="en-US" altLang="zh-CN" smtClean="0"/>
+              <a:t>this</a:t>
+            </a:r>
+            <a:r>
+              <a:rPr lang="zh-CN" altLang="en-US" sz="1200" b="0" i="0" kern="1200" smtClean="0">
+                <a:solidFill>
+                  <a:schemeClr val="tx1"/>
+                </a:solidFill>
+                <a:effectLst/>
+                <a:latin typeface="+mn-lt"/>
+                <a:ea typeface="+mn-ea"/>
+                <a:cs typeface="+mn-cs"/>
+              </a:rPr>
+              <a:t>指向</a:t>
+            </a:r>
+            <a:r>
+              <a:rPr lang="en-US" altLang="zh-CN" smtClean="0"/>
+              <a:t>document</a:t>
+            </a:r>
+            <a:r>
+              <a:rPr lang="zh-CN" altLang="en-US" sz="1200" b="0" i="0" kern="1200" smtClean="0">
+                <a:solidFill>
+                  <a:schemeClr val="tx1"/>
+                </a:solidFill>
+                <a:effectLst/>
+                <a:latin typeface="+mn-lt"/>
+                <a:ea typeface="+mn-ea"/>
+                <a:cs typeface="+mn-cs"/>
+              </a:rPr>
+              <a:t>对象</a:t>
+            </a:r>
+            <a:r>
+              <a:rPr lang="zh-CN" altLang="en-US" sz="1200" b="0" i="0" kern="1200" smtClean="0">
+                <a:solidFill>
+                  <a:schemeClr val="tx1"/>
+                </a:solidFill>
+                <a:effectLst/>
+                <a:latin typeface="+mn-lt"/>
+                <a:ea typeface="+mn-ea"/>
+                <a:cs typeface="+mn-cs"/>
+              </a:rPr>
+              <a:t>。箭头函数的</a:t>
+            </a:r>
+            <a:r>
+              <a:rPr lang="en-US" altLang="zh-CN" sz="1200" b="0" i="0" kern="1200" smtClean="0">
+                <a:solidFill>
+                  <a:schemeClr val="tx1"/>
+                </a:solidFill>
+                <a:effectLst/>
+                <a:latin typeface="+mn-lt"/>
+                <a:ea typeface="+mn-ea"/>
+                <a:cs typeface="+mn-cs"/>
+              </a:rPr>
+              <a:t>this</a:t>
+            </a:r>
+            <a:r>
+              <a:rPr lang="zh-CN" altLang="en-US" sz="1200" b="0" i="0" kern="1200" smtClean="0">
+                <a:solidFill>
+                  <a:schemeClr val="tx1"/>
+                </a:solidFill>
+                <a:effectLst/>
+                <a:latin typeface="+mn-lt"/>
+                <a:ea typeface="+mn-ea"/>
+                <a:cs typeface="+mn-cs"/>
+              </a:rPr>
+              <a:t>指针是所在对象的父级对象</a:t>
             </a:r>
             <a:endParaRPr lang="en-US" altLang="zh-CN" sz="1200" b="0" i="0" kern="1200" smtClean="0">
               <a:solidFill>
@@ -4505,7 +4693,7 @@
             <a:fld id="{530820CF-B880-4189-942D-D702A7CBA730}" type="datetimeFigureOut">
               <a:rPr lang="zh-CN" altLang="en-US" smtClean="0"/>
               <a:pPr/>
-              <a:t>2018/3/8</a:t>
+              <a:t>2018/3/9</a:t>
             </a:fld>
             <a:endParaRPr lang="zh-CN" altLang="en-US"/>
           </a:p>
@@ -4905,7 +5093,7 @@
             <a:fld id="{530820CF-B880-4189-942D-D702A7CBA730}" type="datetimeFigureOut">
               <a:rPr lang="zh-CN" altLang="en-US" smtClean="0"/>
               <a:pPr/>
-              <a:t>2018/3/8</a:t>
+              <a:t>2018/3/9</a:t>
             </a:fld>
             <a:endParaRPr lang="zh-CN" altLang="en-US"/>
           </a:p>
@@ -5103,7 +5291,7 @@
             <a:fld id="{530820CF-B880-4189-942D-D702A7CBA730}" type="datetimeFigureOut">
               <a:rPr lang="zh-CN" altLang="en-US" smtClean="0"/>
               <a:pPr/>
-              <a:t>2018/3/8</a:t>
+              <a:t>2018/3/9</a:t>
             </a:fld>
             <a:endParaRPr lang="zh-CN" altLang="en-US"/>
           </a:p>
@@ -5301,7 +5489,7 @@
             <a:fld id="{530820CF-B880-4189-942D-D702A7CBA730}" type="datetimeFigureOut">
               <a:rPr lang="zh-CN" altLang="en-US" smtClean="0"/>
               <a:pPr/>
-              <a:t>2018/3/8</a:t>
+              <a:t>2018/3/9</a:t>
             </a:fld>
             <a:endParaRPr lang="zh-CN" altLang="en-US"/>
           </a:p>
@@ -5594,8 +5782,8 @@
         </p:nvSpPr>
         <p:spPr>
           <a:xfrm>
-            <a:off x="2699792" y="2830165"/>
-            <a:ext cx="3744416" cy="461665"/>
+            <a:off x="2625534" y="1995686"/>
+            <a:ext cx="3744416" cy="769441"/>
           </a:xfrm>
           <a:prstGeom prst="rect">
             <a:avLst/>
@@ -5610,7 +5798,10 @@
           <a:p>
             <a:pPr algn="ctr"/>
             <a:r>
-              <a:rPr lang="en-US" altLang="zh-CN" sz="2400" b="1" dirty="0" smtClean="0">
+              <a:rPr lang="en-US" altLang="zh-CN" sz="4400" b="1" dirty="0" smtClean="0">
+                <a:solidFill>
+                  <a:schemeClr val="bg1"/>
+                </a:solidFill>
                 <a:effectLst>
                   <a:glow rad="101600">
                     <a:schemeClr val="bg1">
@@ -5623,7 +5814,10 @@
               </a:rPr>
               <a:t>THANK YOU</a:t>
             </a:r>
-            <a:endParaRPr lang="zh-CN" altLang="en-US" sz="2400" b="1" dirty="0">
+            <a:endParaRPr lang="zh-CN" altLang="en-US" sz="4400" b="1" dirty="0">
+              <a:solidFill>
+                <a:schemeClr val="bg1"/>
+              </a:solidFill>
               <a:effectLst>
                 <a:glow rad="101600">
                   <a:schemeClr val="bg1">
@@ -5810,7 +6004,7 @@
             <a:fld id="{530820CF-B880-4189-942D-D702A7CBA730}" type="datetimeFigureOut">
               <a:rPr lang="zh-CN" altLang="en-US" smtClean="0"/>
               <a:pPr/>
-              <a:t>2018/3/8</a:t>
+              <a:t>2018/3/9</a:t>
             </a:fld>
             <a:endParaRPr lang="zh-CN" altLang="en-US"/>
           </a:p>
@@ -8773,10 +8967,10 @@
                 <a:latin typeface="微软雅黑" pitchFamily="34" charset="-122"/>
                 <a:ea typeface="微软雅黑" pitchFamily="34" charset="-122"/>
               </a:rPr>
-              <a:t>less</a:t>
-            </a:r>
-            <a:r>
-              <a:rPr lang="en-US" altLang="zh-CN" smtClean="0">
+              <a:t>less(Bootstrap</a:t>
+            </a:r>
+            <a:r>
+              <a:rPr lang="zh-CN" altLang="en-US" smtClean="0">
                 <a:solidFill>
                   <a:schemeClr val="tx1">
                     <a:lumMod val="75000"/>
@@ -8786,10 +8980,10 @@
                 <a:latin typeface="微软雅黑" pitchFamily="34" charset="-122"/>
                 <a:ea typeface="微软雅黑" pitchFamily="34" charset="-122"/>
               </a:rPr>
-              <a:t>(Bootstrap</a:t>
-            </a:r>
-            <a:r>
-              <a:rPr lang="zh-CN" altLang="en-US" smtClean="0">
+              <a:t>、</a:t>
+            </a:r>
+            <a:r>
+              <a:rPr lang="en-US" altLang="zh-CN" smtClean="0">
                 <a:solidFill>
                   <a:schemeClr val="tx1">
                     <a:lumMod val="75000"/>
@@ -8799,31 +8993,8 @@
                 <a:latin typeface="微软雅黑" pitchFamily="34" charset="-122"/>
                 <a:ea typeface="微软雅黑" pitchFamily="34" charset="-122"/>
               </a:rPr>
-              <a:t>、</a:t>
-            </a:r>
-            <a:r>
-              <a:rPr lang="en-US" altLang="zh-CN" smtClean="0">
-                <a:solidFill>
-                  <a:schemeClr val="tx1">
-                    <a:lumMod val="75000"/>
-                    <a:lumOff val="25000"/>
-                  </a:schemeClr>
-                </a:solidFill>
-                <a:latin typeface="微软雅黑" pitchFamily="34" charset="-122"/>
-                <a:ea typeface="微软雅黑" pitchFamily="34" charset="-122"/>
-              </a:rPr>
               <a:t>antDesign…)</a:t>
             </a:r>
-            <a:endParaRPr lang="en-US" altLang="zh-CN" smtClean="0">
-              <a:solidFill>
-                <a:schemeClr val="tx1">
-                  <a:lumMod val="75000"/>
-                  <a:lumOff val="25000"/>
-                </a:schemeClr>
-              </a:solidFill>
-              <a:latin typeface="微软雅黑" pitchFamily="34" charset="-122"/>
-              <a:ea typeface="微软雅黑" pitchFamily="34" charset="-122"/>
-            </a:endParaRPr>
           </a:p>
         </p:txBody>
       </p:sp>
@@ -9004,17 +9175,7 @@
                 <a:latin typeface="微软雅黑" pitchFamily="34" charset="-122"/>
                 <a:ea typeface="微软雅黑" pitchFamily="34" charset="-122"/>
               </a:rPr>
-              <a:t>环境</a:t>
-            </a:r>
-            <a:r>
-              <a:rPr lang="zh-CN" altLang="en-US" sz="2000" b="1" smtClean="0">
-                <a:solidFill>
-                  <a:srgbClr val="C0504D"/>
-                </a:solidFill>
-                <a:latin typeface="微软雅黑" pitchFamily="34" charset="-122"/>
-                <a:ea typeface="微软雅黑" pitchFamily="34" charset="-122"/>
-              </a:rPr>
-              <a:t>：</a:t>
+              <a:t>环境：</a:t>
             </a:r>
             <a:endParaRPr lang="en-US" altLang="zh-CN" sz="2000" b="1" dirty="0" smtClean="0">
               <a:solidFill>
@@ -13163,11 +13324,7 @@
           <a:p>
             <a:r>
               <a:rPr lang="en-US" altLang="zh-CN" smtClean="0"/>
-              <a:t>1.1 </a:t>
-            </a:r>
-            <a:r>
-              <a:rPr lang="en-US" altLang="zh-CN" smtClean="0"/>
-              <a:t>ES6</a:t>
+              <a:t>1.1 ES6</a:t>
             </a:r>
             <a:r>
               <a:rPr lang="zh-CN" altLang="en-US" smtClean="0"/>
@@ -15402,7 +15559,29 @@
                 <a:latin typeface="微软雅黑" pitchFamily="34" charset="-122"/>
                 <a:ea typeface="微软雅黑" pitchFamily="34" charset="-122"/>
               </a:rPr>
-              <a:t>：支持嵌套</a:t>
+              <a:t>：</a:t>
+            </a:r>
+            <a:r>
+              <a:rPr lang="en-US" altLang="zh-CN" b="1">
+                <a:solidFill>
+                  <a:srgbClr val="00C08E"/>
+                </a:solidFill>
+                <a:latin typeface="微软雅黑" pitchFamily="34" charset="-122"/>
+                <a:ea typeface="微软雅黑" pitchFamily="34" charset="-122"/>
+              </a:rPr>
+              <a:t> </a:t>
+            </a:r>
+            <a:r>
+              <a:rPr lang="zh-CN" altLang="en-US" b="1" smtClean="0">
+                <a:solidFill>
+                  <a:schemeClr val="bg1">
+                    <a:lumMod val="65000"/>
+                  </a:schemeClr>
+                </a:solidFill>
+                <a:latin typeface="微软雅黑" pitchFamily="34" charset="-122"/>
+                <a:ea typeface="微软雅黑" pitchFamily="34" charset="-122"/>
+              </a:rPr>
+              <a:t>支持嵌套</a:t>
             </a:r>
             <a:endParaRPr lang="en-US" altLang="zh-CN" b="1" dirty="0">
               <a:solidFill>
@@ -16023,7 +16202,7 @@
       </p:pic>
       <p:pic>
         <p:nvPicPr>
-          <p:cNvPr id="14" name="图片 13"/>
+          <p:cNvPr id="15" name="图片 14"/>
           <p:cNvPicPr>
             <a:picLocks noChangeAspect="1"/>
           </p:cNvPicPr>
@@ -16037,8 +16216,8 @@
         </p:blipFill>
         <p:spPr>
           <a:xfrm>
-            <a:off x="732656" y="3566185"/>
-            <a:ext cx="3688273" cy="949781"/>
+            <a:off x="4557337" y="3566185"/>
+            <a:ext cx="3687072" cy="1208221"/>
           </a:xfrm>
           <a:prstGeom prst="rect">
             <a:avLst/>
@@ -16047,7 +16226,7 @@
       </p:pic>
       <p:pic>
         <p:nvPicPr>
-          <p:cNvPr id="15" name="图片 14"/>
+          <p:cNvPr id="7" name="图片 6"/>
           <p:cNvPicPr>
             <a:picLocks noChangeAspect="1"/>
           </p:cNvPicPr>
@@ -16061,8 +16240,8 @@
         </p:blipFill>
         <p:spPr>
           <a:xfrm>
-            <a:off x="4557337" y="3566185"/>
-            <a:ext cx="3687072" cy="1208221"/>
+            <a:off x="705637" y="3566185"/>
+            <a:ext cx="3578329" cy="1446811"/>
           </a:xfrm>
           <a:prstGeom prst="rect">
             <a:avLst/>
